--- a/Excercises/Crawler/Report.pptx
+++ b/Excercises/Crawler/Report.pptx
@@ -5,23 +5,26 @@
     <p:sldMasterId id="2147483660" r:id="rId4"/>
   </p:sldMasterIdLst>
   <p:notesMasterIdLst>
-    <p:notesMasterId r:id="rId16"/>
+    <p:notesMasterId r:id="rId19"/>
   </p:notesMasterIdLst>
   <p:handoutMasterIdLst>
-    <p:handoutMasterId r:id="rId17"/>
+    <p:handoutMasterId r:id="rId20"/>
   </p:handoutMasterIdLst>
   <p:sldIdLst>
     <p:sldId id="256" r:id="rId5"/>
     <p:sldId id="257" r:id="rId6"/>
     <p:sldId id="258" r:id="rId7"/>
     <p:sldId id="259" r:id="rId8"/>
-    <p:sldId id="260" r:id="rId9"/>
-    <p:sldId id="265" r:id="rId10"/>
-    <p:sldId id="261" r:id="rId11"/>
-    <p:sldId id="264" r:id="rId12"/>
-    <p:sldId id="262" r:id="rId13"/>
-    <p:sldId id="266" r:id="rId14"/>
-    <p:sldId id="263" r:id="rId15"/>
+    <p:sldId id="268" r:id="rId9"/>
+    <p:sldId id="269" r:id="rId10"/>
+    <p:sldId id="267" r:id="rId11"/>
+    <p:sldId id="260" r:id="rId12"/>
+    <p:sldId id="265" r:id="rId13"/>
+    <p:sldId id="261" r:id="rId14"/>
+    <p:sldId id="264" r:id="rId15"/>
+    <p:sldId id="262" r:id="rId16"/>
+    <p:sldId id="266" r:id="rId17"/>
+    <p:sldId id="263" r:id="rId18"/>
   </p:sldIdLst>
   <p:sldSz cx="12192000" cy="6858000"/>
   <p:notesSz cx="6858000" cy="9144000"/>
@@ -744,6 +747,2453 @@
     <p:extLst>
       <p:ext uri="{BB962C8B-B14F-4D97-AF65-F5344CB8AC3E}">
         <p14:creationId xmlns:p14="http://schemas.microsoft.com/office/powerpoint/2010/main" val="303180514"/>
+      </p:ext>
+    </p:extLst>
+  </p:cSld>
+  <p:clrMapOvr>
+    <a:masterClrMapping/>
+  </p:clrMapOvr>
+</p:notes>
+</file>
+
+<file path=ppt/notesSlides/notesSlide2.xml><?xml version="1.0" encoding="utf-8"?>
+<p:notes xmlns:a="http://schemas.openxmlformats.org/drawingml/2006/main" xmlns:r="http://schemas.openxmlformats.org/officeDocument/2006/relationships" xmlns:p="http://schemas.openxmlformats.org/presentationml/2006/main">
+  <p:cSld>
+    <p:spTree>
+      <p:nvGrpSpPr>
+        <p:cNvPr id="1" name=""/>
+        <p:cNvGrpSpPr/>
+        <p:nvPr/>
+      </p:nvGrpSpPr>
+      <p:grpSpPr>
+        <a:xfrm>
+          <a:off x="0" y="0"/>
+          <a:ext cx="0" cy="0"/>
+          <a:chOff x="0" y="0"/>
+          <a:chExt cx="0" cy="0"/>
+        </a:xfrm>
+      </p:grpSpPr>
+      <p:sp>
+        <p:nvSpPr>
+          <p:cNvPr id="2" name="Slide Image Placeholder 1"/>
+          <p:cNvSpPr>
+            <a:spLocks noGrp="1" noRot="1" noChangeAspect="1"/>
+          </p:cNvSpPr>
+          <p:nvPr>
+            <p:ph type="sldImg"/>
+          </p:nvPr>
+        </p:nvSpPr>
+        <p:spPr/>
+      </p:sp>
+      <p:sp>
+        <p:nvSpPr>
+          <p:cNvPr id="3" name="Notes Placeholder 2"/>
+          <p:cNvSpPr>
+            <a:spLocks noGrp="1"/>
+          </p:cNvSpPr>
+          <p:nvPr>
+            <p:ph type="body" idx="1"/>
+          </p:nvPr>
+        </p:nvSpPr>
+        <p:spPr/>
+        <p:txBody>
+          <a:bodyPr/>
+          <a:lstStyle/>
+          <a:p>
+            <a:pPr marL="171450" indent="-171450">
+              <a:buFontTx/>
+              <a:buChar char="-"/>
+            </a:pPr>
+            <a:r>
+              <a:rPr lang="en-US" dirty="0" err="1" smtClean="0"/>
+              <a:t>Đây</a:t>
+            </a:r>
+            <a:r>
+              <a:rPr lang="en-US" baseline="0" dirty="0" smtClean="0"/>
+              <a:t> </a:t>
+            </a:r>
+            <a:r>
+              <a:rPr lang="en-US" baseline="0" dirty="0" err="1" smtClean="0"/>
+              <a:t>là</a:t>
+            </a:r>
+            <a:r>
+              <a:rPr lang="en-US" baseline="0" dirty="0" smtClean="0"/>
+              <a:t> </a:t>
+            </a:r>
+            <a:r>
+              <a:rPr lang="en-US" baseline="0" dirty="0" err="1" smtClean="0"/>
+              <a:t>ví</a:t>
+            </a:r>
+            <a:r>
+              <a:rPr lang="en-US" baseline="0" dirty="0" smtClean="0"/>
+              <a:t> </a:t>
+            </a:r>
+            <a:r>
+              <a:rPr lang="en-US" baseline="0" dirty="0" err="1" smtClean="0"/>
+              <a:t>dụ</a:t>
+            </a:r>
+            <a:r>
+              <a:rPr lang="en-US" baseline="0" dirty="0" smtClean="0"/>
+              <a:t> </a:t>
+            </a:r>
+            <a:r>
+              <a:rPr lang="en-US" baseline="0" dirty="0" err="1" smtClean="0"/>
+              <a:t>về</a:t>
+            </a:r>
+            <a:r>
+              <a:rPr lang="en-US" baseline="0" dirty="0" smtClean="0"/>
+              <a:t> </a:t>
+            </a:r>
+            <a:r>
+              <a:rPr lang="en-US" baseline="0" dirty="0" err="1" smtClean="0"/>
+              <a:t>thu</a:t>
+            </a:r>
+            <a:r>
+              <a:rPr lang="en-US" baseline="0" dirty="0" smtClean="0"/>
+              <a:t> </a:t>
+            </a:r>
+            <a:r>
+              <a:rPr lang="en-US" baseline="0" dirty="0" err="1" smtClean="0"/>
+              <a:t>thập</a:t>
+            </a:r>
+            <a:r>
+              <a:rPr lang="en-US" baseline="0" dirty="0" smtClean="0"/>
+              <a:t> </a:t>
+            </a:r>
+            <a:r>
+              <a:rPr lang="en-US" baseline="0" dirty="0" err="1" smtClean="0"/>
+              <a:t>các</a:t>
+            </a:r>
+            <a:r>
+              <a:rPr lang="en-US" baseline="0" dirty="0" smtClean="0"/>
+              <a:t> </a:t>
+            </a:r>
+            <a:r>
+              <a:rPr lang="en-US" baseline="0" dirty="0" err="1" smtClean="0"/>
+              <a:t>bài</a:t>
+            </a:r>
+            <a:r>
+              <a:rPr lang="en-US" baseline="0" dirty="0" smtClean="0"/>
+              <a:t> </a:t>
+            </a:r>
+            <a:r>
+              <a:rPr lang="en-US" baseline="0" dirty="0" err="1" smtClean="0"/>
+              <a:t>báo</a:t>
+            </a:r>
+            <a:r>
+              <a:rPr lang="en-US" baseline="0" dirty="0" smtClean="0"/>
+              <a:t> </a:t>
+            </a:r>
+            <a:r>
+              <a:rPr lang="en-US" baseline="0" dirty="0" err="1" smtClean="0"/>
+              <a:t>của</a:t>
+            </a:r>
+            <a:r>
+              <a:rPr lang="en-US" baseline="0" dirty="0" smtClean="0"/>
+              <a:t> </a:t>
+            </a:r>
+            <a:r>
+              <a:rPr lang="en-US" baseline="0" dirty="0" err="1" smtClean="0"/>
+              <a:t>tác</a:t>
+            </a:r>
+            <a:r>
+              <a:rPr lang="en-US" baseline="0" dirty="0" smtClean="0"/>
+              <a:t> </a:t>
+            </a:r>
+            <a:r>
+              <a:rPr lang="en-US" baseline="0" dirty="0" err="1" smtClean="0"/>
+              <a:t>giả</a:t>
+            </a:r>
+            <a:r>
+              <a:rPr lang="en-US" baseline="0" dirty="0" smtClean="0"/>
+              <a:t> Muriel </a:t>
+            </a:r>
+            <a:r>
+              <a:rPr lang="en-US" baseline="0" dirty="0" err="1" smtClean="0"/>
+              <a:t>Medard</a:t>
+            </a:r>
+            <a:r>
+              <a:rPr lang="en-US" baseline="0" dirty="0" smtClean="0"/>
+              <a:t> </a:t>
+            </a:r>
+            <a:r>
+              <a:rPr lang="en-US" baseline="0" dirty="0" err="1" smtClean="0"/>
+              <a:t>trên</a:t>
+            </a:r>
+            <a:r>
+              <a:rPr lang="en-US" baseline="0" dirty="0" smtClean="0"/>
+              <a:t> </a:t>
+            </a:r>
+            <a:r>
+              <a:rPr lang="en-US" baseline="0" dirty="0" err="1" smtClean="0"/>
+              <a:t>trang</a:t>
+            </a:r>
+            <a:r>
+              <a:rPr lang="en-US" baseline="0" dirty="0" smtClean="0"/>
+              <a:t> IEEE</a:t>
+            </a:r>
+          </a:p>
+          <a:p>
+            <a:pPr marL="171450" indent="-171450">
+              <a:buFontTx/>
+              <a:buChar char="-"/>
+            </a:pPr>
+            <a:r>
+              <a:rPr lang="en-US" baseline="0" dirty="0" err="1" smtClean="0"/>
+              <a:t>Tại</a:t>
+            </a:r>
+            <a:r>
+              <a:rPr lang="en-US" baseline="0" dirty="0" smtClean="0"/>
+              <a:t> </a:t>
+            </a:r>
+            <a:r>
+              <a:rPr lang="en-US" baseline="0" dirty="0" err="1" smtClean="0"/>
+              <a:t>mỗi</a:t>
+            </a:r>
+            <a:r>
+              <a:rPr lang="en-US" baseline="0" dirty="0" smtClean="0"/>
+              <a:t> </a:t>
+            </a:r>
+            <a:r>
+              <a:rPr lang="en-US" baseline="0" dirty="0" err="1" smtClean="0"/>
+              <a:t>bài</a:t>
+            </a:r>
+            <a:r>
+              <a:rPr lang="en-US" baseline="0" dirty="0" smtClean="0"/>
+              <a:t> </a:t>
+            </a:r>
+            <a:r>
+              <a:rPr lang="en-US" baseline="0" dirty="0" err="1" smtClean="0"/>
+              <a:t>báo</a:t>
+            </a:r>
+            <a:r>
+              <a:rPr lang="en-US" baseline="0" dirty="0" smtClean="0"/>
+              <a:t>, </a:t>
+            </a:r>
+            <a:r>
+              <a:rPr lang="en-US" baseline="0" dirty="0" err="1" smtClean="0"/>
+              <a:t>bộ</a:t>
+            </a:r>
+            <a:r>
+              <a:rPr lang="en-US" baseline="0" dirty="0" smtClean="0"/>
+              <a:t> crawler </a:t>
+            </a:r>
+            <a:r>
+              <a:rPr lang="en-US" baseline="0" dirty="0" err="1" smtClean="0"/>
+              <a:t>của</a:t>
+            </a:r>
+            <a:r>
+              <a:rPr lang="en-US" baseline="0" dirty="0" smtClean="0"/>
+              <a:t> </a:t>
+            </a:r>
+            <a:r>
+              <a:rPr lang="en-US" baseline="0" dirty="0" err="1" smtClean="0"/>
+              <a:t>mình</a:t>
+            </a:r>
+            <a:r>
+              <a:rPr lang="en-US" baseline="0" dirty="0" smtClean="0"/>
+              <a:t> </a:t>
+            </a:r>
+            <a:r>
+              <a:rPr lang="en-US" baseline="0" dirty="0" err="1" smtClean="0"/>
+              <a:t>tự</a:t>
+            </a:r>
+            <a:r>
+              <a:rPr lang="en-US" baseline="0" dirty="0" smtClean="0"/>
+              <a:t> </a:t>
+            </a:r>
+            <a:r>
+              <a:rPr lang="en-US" baseline="0" dirty="0" err="1" smtClean="0"/>
+              <a:t>động</a:t>
+            </a:r>
+            <a:r>
+              <a:rPr lang="en-US" baseline="0" dirty="0" smtClean="0"/>
+              <a:t> click </a:t>
+            </a:r>
+            <a:r>
+              <a:rPr lang="en-US" baseline="0" dirty="0" err="1" smtClean="0"/>
+              <a:t>vào</a:t>
+            </a:r>
+            <a:r>
+              <a:rPr lang="en-US" baseline="0" dirty="0" smtClean="0"/>
+              <a:t> link </a:t>
+            </a:r>
+            <a:r>
+              <a:rPr lang="en-US" baseline="0" dirty="0" err="1" smtClean="0"/>
+              <a:t>để</a:t>
+            </a:r>
+            <a:r>
+              <a:rPr lang="en-US" baseline="0" dirty="0" smtClean="0"/>
+              <a:t> </a:t>
+            </a:r>
+            <a:r>
+              <a:rPr lang="en-US" baseline="0" dirty="0" err="1" smtClean="0"/>
+              <a:t>mở</a:t>
+            </a:r>
+            <a:r>
+              <a:rPr lang="en-US" baseline="0" dirty="0" smtClean="0"/>
+              <a:t> </a:t>
+            </a:r>
+            <a:r>
+              <a:rPr lang="en-US" baseline="0" dirty="0" err="1" smtClean="0"/>
+              <a:t>trang</a:t>
+            </a:r>
+            <a:r>
+              <a:rPr lang="en-US" baseline="0" dirty="0" smtClean="0"/>
+              <a:t> </a:t>
+            </a:r>
+            <a:r>
+              <a:rPr lang="en-US" baseline="0" dirty="0" err="1" smtClean="0"/>
+              <a:t>bài</a:t>
+            </a:r>
+            <a:r>
+              <a:rPr lang="en-US" baseline="0" dirty="0" smtClean="0"/>
+              <a:t> </a:t>
+            </a:r>
+            <a:r>
+              <a:rPr lang="en-US" baseline="0" dirty="0" err="1" smtClean="0"/>
+              <a:t>báo</a:t>
+            </a:r>
+            <a:r>
+              <a:rPr lang="en-US" baseline="0" dirty="0" smtClean="0"/>
+              <a:t> </a:t>
+            </a:r>
+            <a:r>
+              <a:rPr lang="en-US" baseline="0" dirty="0" err="1" smtClean="0"/>
+              <a:t>ra</a:t>
+            </a:r>
+            <a:r>
+              <a:rPr lang="en-US" baseline="0" dirty="0" smtClean="0"/>
+              <a:t> </a:t>
+            </a:r>
+            <a:r>
+              <a:rPr lang="en-US" baseline="0" dirty="0" err="1" smtClean="0"/>
+              <a:t>và</a:t>
+            </a:r>
+            <a:r>
+              <a:rPr lang="en-US" baseline="0" dirty="0" smtClean="0"/>
+              <a:t> </a:t>
+            </a:r>
+            <a:r>
+              <a:rPr lang="en-US" baseline="0" dirty="0" err="1" smtClean="0"/>
+              <a:t>lấy</a:t>
+            </a:r>
+            <a:r>
+              <a:rPr lang="en-US" baseline="0" dirty="0" smtClean="0"/>
+              <a:t> </a:t>
+            </a:r>
+            <a:r>
+              <a:rPr lang="en-US" baseline="0" dirty="0" err="1" smtClean="0"/>
+              <a:t>dữ</a:t>
+            </a:r>
+            <a:r>
+              <a:rPr lang="en-US" baseline="0" dirty="0" smtClean="0"/>
+              <a:t> </a:t>
+            </a:r>
+            <a:r>
+              <a:rPr lang="en-US" baseline="0" dirty="0" err="1" smtClean="0"/>
+              <a:t>liệu</a:t>
+            </a:r>
+            <a:r>
+              <a:rPr lang="en-US" baseline="0" dirty="0" smtClean="0"/>
+              <a:t> </a:t>
+            </a:r>
+            <a:r>
+              <a:rPr lang="en-US" baseline="0" dirty="0" err="1" smtClean="0"/>
+              <a:t>trên</a:t>
+            </a:r>
+            <a:r>
+              <a:rPr lang="en-US" baseline="0" dirty="0" smtClean="0"/>
+              <a:t> </a:t>
+            </a:r>
+            <a:r>
+              <a:rPr lang="en-US" baseline="0" dirty="0" err="1" smtClean="0"/>
+              <a:t>chính</a:t>
+            </a:r>
+            <a:r>
+              <a:rPr lang="en-US" baseline="0" dirty="0" smtClean="0"/>
+              <a:t> </a:t>
+            </a:r>
+            <a:r>
+              <a:rPr lang="en-US" baseline="0" dirty="0" err="1" smtClean="0"/>
+              <a:t>trang</a:t>
+            </a:r>
+            <a:r>
+              <a:rPr lang="en-US" baseline="0" dirty="0" smtClean="0"/>
+              <a:t> web </a:t>
+            </a:r>
+            <a:r>
+              <a:rPr lang="en-US" baseline="0" dirty="0" err="1" smtClean="0"/>
+              <a:t>của</a:t>
+            </a:r>
+            <a:r>
+              <a:rPr lang="en-US" baseline="0" dirty="0" smtClean="0"/>
+              <a:t> </a:t>
+            </a:r>
+            <a:r>
+              <a:rPr lang="en-US" baseline="0" dirty="0" err="1" smtClean="0"/>
+              <a:t>bài</a:t>
+            </a:r>
+            <a:r>
+              <a:rPr lang="en-US" baseline="0" dirty="0" smtClean="0"/>
+              <a:t> </a:t>
+            </a:r>
+            <a:r>
+              <a:rPr lang="en-US" baseline="0" dirty="0" err="1" smtClean="0"/>
+              <a:t>báo</a:t>
+            </a:r>
+            <a:r>
+              <a:rPr lang="en-US" baseline="0" dirty="0" smtClean="0"/>
+              <a:t> </a:t>
+            </a:r>
+            <a:r>
+              <a:rPr lang="en-US" baseline="0" dirty="0" err="1" smtClean="0"/>
+              <a:t>đó</a:t>
+            </a:r>
+            <a:endParaRPr lang="en-US" baseline="0" dirty="0" smtClean="0"/>
+          </a:p>
+          <a:p>
+            <a:pPr marL="171450" indent="-171450">
+              <a:buFontTx/>
+              <a:buChar char="-"/>
+            </a:pPr>
+            <a:r>
+              <a:rPr lang="en-US" baseline="0" dirty="0" err="1" smtClean="0"/>
+              <a:t>Sau</a:t>
+            </a:r>
+            <a:r>
+              <a:rPr lang="en-US" baseline="0" dirty="0" smtClean="0"/>
+              <a:t> </a:t>
+            </a:r>
+            <a:r>
+              <a:rPr lang="en-US" baseline="0" dirty="0" err="1" smtClean="0"/>
+              <a:t>đó</a:t>
+            </a:r>
+            <a:r>
+              <a:rPr lang="en-US" baseline="0" dirty="0" smtClean="0"/>
+              <a:t> </a:t>
+            </a:r>
+            <a:r>
+              <a:rPr lang="en-US" baseline="0" dirty="0" err="1" smtClean="0"/>
+              <a:t>sẽ</a:t>
+            </a:r>
+            <a:r>
+              <a:rPr lang="en-US" baseline="0" dirty="0" smtClean="0"/>
+              <a:t> </a:t>
+            </a:r>
+            <a:r>
+              <a:rPr lang="en-US" baseline="0" dirty="0" err="1" smtClean="0"/>
+              <a:t>tự</a:t>
+            </a:r>
+            <a:r>
+              <a:rPr lang="en-US" baseline="0" dirty="0" smtClean="0"/>
+              <a:t> quay </a:t>
+            </a:r>
+            <a:r>
+              <a:rPr lang="en-US" baseline="0" dirty="0" err="1" smtClean="0"/>
+              <a:t>lại</a:t>
+            </a:r>
+            <a:r>
+              <a:rPr lang="en-US" baseline="0" dirty="0" smtClean="0"/>
+              <a:t> tab ban </a:t>
+            </a:r>
+            <a:r>
+              <a:rPr lang="en-US" baseline="0" dirty="0" err="1" smtClean="0"/>
+              <a:t>đầu</a:t>
+            </a:r>
+            <a:r>
+              <a:rPr lang="en-US" baseline="0" dirty="0" smtClean="0"/>
+              <a:t> </a:t>
+            </a:r>
+            <a:r>
+              <a:rPr lang="en-US" baseline="0" dirty="0" err="1" smtClean="0"/>
+              <a:t>và</a:t>
+            </a:r>
+            <a:r>
+              <a:rPr lang="en-US" baseline="0" dirty="0" smtClean="0"/>
+              <a:t> </a:t>
+            </a:r>
+            <a:r>
+              <a:rPr lang="en-US" baseline="0" dirty="0" err="1" smtClean="0"/>
+              <a:t>tiếp</a:t>
+            </a:r>
+            <a:r>
+              <a:rPr lang="en-US" baseline="0" dirty="0" smtClean="0"/>
+              <a:t> </a:t>
+            </a:r>
+            <a:r>
+              <a:rPr lang="en-US" baseline="0" dirty="0" err="1" smtClean="0"/>
+              <a:t>tục</a:t>
+            </a:r>
+            <a:r>
+              <a:rPr lang="en-US" baseline="0" dirty="0" smtClean="0"/>
+              <a:t> </a:t>
+            </a:r>
+            <a:r>
+              <a:rPr lang="en-US" baseline="0" dirty="0" err="1" smtClean="0"/>
+              <a:t>lặp</a:t>
+            </a:r>
+            <a:r>
+              <a:rPr lang="en-US" baseline="0" dirty="0" smtClean="0"/>
+              <a:t> </a:t>
+            </a:r>
+            <a:r>
+              <a:rPr lang="en-US" baseline="0" dirty="0" err="1" smtClean="0"/>
+              <a:t>lại</a:t>
+            </a:r>
+            <a:r>
+              <a:rPr lang="en-US" baseline="0" dirty="0" smtClean="0"/>
+              <a:t> </a:t>
+            </a:r>
+            <a:r>
+              <a:rPr lang="en-US" baseline="0" dirty="0" err="1" smtClean="0"/>
+              <a:t>bước</a:t>
+            </a:r>
+            <a:r>
+              <a:rPr lang="en-US" baseline="0" dirty="0" smtClean="0"/>
+              <a:t> </a:t>
+            </a:r>
+            <a:r>
+              <a:rPr lang="en-US" baseline="0" dirty="0" err="1" smtClean="0"/>
+              <a:t>trên</a:t>
+            </a:r>
+            <a:r>
+              <a:rPr lang="en-US" baseline="0" dirty="0" smtClean="0"/>
+              <a:t> </a:t>
+            </a:r>
+            <a:r>
+              <a:rPr lang="en-US" baseline="0" dirty="0" err="1" smtClean="0"/>
+              <a:t>cho</a:t>
+            </a:r>
+            <a:r>
+              <a:rPr lang="en-US" baseline="0" dirty="0" smtClean="0"/>
+              <a:t> </a:t>
+            </a:r>
+            <a:r>
+              <a:rPr lang="en-US" baseline="0" dirty="0" err="1" smtClean="0"/>
+              <a:t>các</a:t>
+            </a:r>
+            <a:r>
+              <a:rPr lang="en-US" baseline="0" dirty="0" smtClean="0"/>
+              <a:t> </a:t>
+            </a:r>
+            <a:r>
+              <a:rPr lang="en-US" baseline="0" dirty="0" err="1" smtClean="0"/>
+              <a:t>bài</a:t>
+            </a:r>
+            <a:r>
+              <a:rPr lang="en-US" baseline="0" dirty="0" smtClean="0"/>
+              <a:t> </a:t>
+            </a:r>
+            <a:r>
+              <a:rPr lang="en-US" baseline="0" dirty="0" err="1" smtClean="0"/>
+              <a:t>báo</a:t>
+            </a:r>
+            <a:r>
+              <a:rPr lang="en-US" baseline="0" dirty="0" smtClean="0"/>
+              <a:t> </a:t>
+            </a:r>
+            <a:r>
+              <a:rPr lang="en-US" baseline="0" dirty="0" err="1" smtClean="0"/>
+              <a:t>còn</a:t>
+            </a:r>
+            <a:r>
+              <a:rPr lang="en-US" baseline="0" dirty="0" smtClean="0"/>
+              <a:t> </a:t>
+            </a:r>
+            <a:r>
+              <a:rPr lang="en-US" baseline="0" dirty="0" err="1" smtClean="0"/>
+              <a:t>lại</a:t>
+            </a:r>
+            <a:endParaRPr lang="en-US" dirty="0"/>
+          </a:p>
+        </p:txBody>
+      </p:sp>
+      <p:sp>
+        <p:nvSpPr>
+          <p:cNvPr id="4" name="Slide Number Placeholder 3"/>
+          <p:cNvSpPr>
+            <a:spLocks noGrp="1"/>
+          </p:cNvSpPr>
+          <p:nvPr>
+            <p:ph type="sldNum" sz="quarter" idx="10"/>
+          </p:nvPr>
+        </p:nvSpPr>
+        <p:spPr/>
+        <p:txBody>
+          <a:bodyPr/>
+          <a:lstStyle/>
+          <a:p>
+            <a:fld id="{918CCA95-4F40-4CDD-BF1E-B8C9EB86EE73}" type="slidenum">
+              <a:rPr lang="en-US" smtClean="0"/>
+              <a:t>4</a:t>
+            </a:fld>
+            <a:endParaRPr lang="en-US"/>
+          </a:p>
+        </p:txBody>
+      </p:sp>
+    </p:spTree>
+    <p:extLst>
+      <p:ext uri="{BB962C8B-B14F-4D97-AF65-F5344CB8AC3E}">
+        <p14:creationId xmlns:p14="http://schemas.microsoft.com/office/powerpoint/2010/main" val="36332889"/>
+      </p:ext>
+    </p:extLst>
+  </p:cSld>
+  <p:clrMapOvr>
+    <a:masterClrMapping/>
+  </p:clrMapOvr>
+</p:notes>
+</file>
+
+<file path=ppt/notesSlides/notesSlide3.xml><?xml version="1.0" encoding="utf-8"?>
+<p:notes xmlns:a="http://schemas.openxmlformats.org/drawingml/2006/main" xmlns:r="http://schemas.openxmlformats.org/officeDocument/2006/relationships" xmlns:p="http://schemas.openxmlformats.org/presentationml/2006/main">
+  <p:cSld>
+    <p:spTree>
+      <p:nvGrpSpPr>
+        <p:cNvPr id="1" name=""/>
+        <p:cNvGrpSpPr/>
+        <p:nvPr/>
+      </p:nvGrpSpPr>
+      <p:grpSpPr>
+        <a:xfrm>
+          <a:off x="0" y="0"/>
+          <a:ext cx="0" cy="0"/>
+          <a:chOff x="0" y="0"/>
+          <a:chExt cx="0" cy="0"/>
+        </a:xfrm>
+      </p:grpSpPr>
+      <p:sp>
+        <p:nvSpPr>
+          <p:cNvPr id="2" name="Slide Image Placeholder 1"/>
+          <p:cNvSpPr>
+            <a:spLocks noGrp="1" noRot="1" noChangeAspect="1"/>
+          </p:cNvSpPr>
+          <p:nvPr>
+            <p:ph type="sldImg"/>
+          </p:nvPr>
+        </p:nvSpPr>
+        <p:spPr/>
+      </p:sp>
+      <p:sp>
+        <p:nvSpPr>
+          <p:cNvPr id="3" name="Notes Placeholder 2"/>
+          <p:cNvSpPr>
+            <a:spLocks noGrp="1"/>
+          </p:cNvSpPr>
+          <p:nvPr>
+            <p:ph type="body" idx="1"/>
+          </p:nvPr>
+        </p:nvSpPr>
+        <p:spPr/>
+        <p:txBody>
+          <a:bodyPr/>
+          <a:lstStyle/>
+          <a:p>
+            <a:pPr marL="171450" indent="-171450">
+              <a:buFontTx/>
+              <a:buChar char="-"/>
+            </a:pPr>
+            <a:r>
+              <a:rPr lang="en-US" dirty="0" err="1" smtClean="0"/>
+              <a:t>Sau</a:t>
+            </a:r>
+            <a:r>
+              <a:rPr lang="en-US" baseline="0" dirty="0" smtClean="0"/>
+              <a:t> </a:t>
+            </a:r>
+            <a:r>
+              <a:rPr lang="en-US" baseline="0" dirty="0" err="1" smtClean="0"/>
+              <a:t>khi</a:t>
+            </a:r>
+            <a:r>
+              <a:rPr lang="en-US" baseline="0" dirty="0" smtClean="0"/>
+              <a:t> crawl </a:t>
+            </a:r>
+            <a:r>
+              <a:rPr lang="en-US" baseline="0" dirty="0" err="1" smtClean="0"/>
+              <a:t>xong</a:t>
+            </a:r>
+            <a:r>
+              <a:rPr lang="en-US" baseline="0" dirty="0" smtClean="0"/>
+              <a:t> </a:t>
+            </a:r>
+            <a:r>
+              <a:rPr lang="en-US" baseline="0" dirty="0" err="1" smtClean="0"/>
+              <a:t>dữ</a:t>
+            </a:r>
+            <a:r>
+              <a:rPr lang="en-US" baseline="0" dirty="0" smtClean="0"/>
+              <a:t> </a:t>
+            </a:r>
+            <a:r>
+              <a:rPr lang="en-US" baseline="0" dirty="0" err="1" smtClean="0"/>
+              <a:t>liệu</a:t>
+            </a:r>
+            <a:r>
+              <a:rPr lang="en-US" baseline="0" dirty="0" smtClean="0"/>
+              <a:t> </a:t>
+            </a:r>
+            <a:r>
+              <a:rPr lang="en-US" baseline="0" dirty="0" err="1" smtClean="0"/>
+              <a:t>của</a:t>
+            </a:r>
+            <a:r>
+              <a:rPr lang="en-US" baseline="0" dirty="0" smtClean="0"/>
+              <a:t> </a:t>
+            </a:r>
+            <a:r>
+              <a:rPr lang="en-US" baseline="0" dirty="0" err="1" smtClean="0"/>
+              <a:t>tất</a:t>
+            </a:r>
+            <a:r>
+              <a:rPr lang="en-US" baseline="0" dirty="0" smtClean="0"/>
+              <a:t> </a:t>
+            </a:r>
+            <a:r>
+              <a:rPr lang="en-US" baseline="0" dirty="0" err="1" smtClean="0"/>
+              <a:t>cả</a:t>
+            </a:r>
+            <a:r>
+              <a:rPr lang="en-US" baseline="0" dirty="0" smtClean="0"/>
+              <a:t> </a:t>
+            </a:r>
+            <a:r>
+              <a:rPr lang="en-US" baseline="0" dirty="0" err="1" smtClean="0"/>
+              <a:t>bài</a:t>
+            </a:r>
+            <a:r>
+              <a:rPr lang="en-US" baseline="0" dirty="0" smtClean="0"/>
+              <a:t> </a:t>
+            </a:r>
+            <a:r>
+              <a:rPr lang="en-US" baseline="0" dirty="0" err="1" smtClean="0"/>
+              <a:t>báo</a:t>
+            </a:r>
+            <a:r>
+              <a:rPr lang="en-US" baseline="0" dirty="0" smtClean="0"/>
+              <a:t> </a:t>
+            </a:r>
+            <a:r>
+              <a:rPr lang="en-US" baseline="0" dirty="0" err="1" smtClean="0"/>
+              <a:t>trong</a:t>
+            </a:r>
+            <a:r>
+              <a:rPr lang="en-US" baseline="0" dirty="0" smtClean="0"/>
+              <a:t> </a:t>
+            </a:r>
+            <a:r>
+              <a:rPr lang="en-US" baseline="0" dirty="0" err="1" smtClean="0"/>
+              <a:t>trang</a:t>
+            </a:r>
+            <a:r>
+              <a:rPr lang="en-US" baseline="0" dirty="0" smtClean="0"/>
+              <a:t> </a:t>
+            </a:r>
+            <a:r>
+              <a:rPr lang="en-US" baseline="0" dirty="0" err="1" smtClean="0"/>
+              <a:t>đầu</a:t>
+            </a:r>
+            <a:r>
+              <a:rPr lang="en-US" baseline="0" dirty="0" smtClean="0"/>
+              <a:t> </a:t>
+            </a:r>
+            <a:r>
+              <a:rPr lang="en-US" baseline="0" dirty="0" err="1" smtClean="0"/>
+              <a:t>tiên</a:t>
+            </a:r>
+            <a:r>
+              <a:rPr lang="en-US" baseline="0" dirty="0" smtClean="0"/>
+              <a:t> </a:t>
+            </a:r>
+            <a:r>
+              <a:rPr lang="en-US" baseline="0" dirty="0" err="1" smtClean="0"/>
+              <a:t>sẽ</a:t>
+            </a:r>
+            <a:r>
+              <a:rPr lang="en-US" baseline="0" dirty="0" smtClean="0"/>
+              <a:t> </a:t>
+            </a:r>
+            <a:r>
+              <a:rPr lang="en-US" baseline="0" dirty="0" err="1" smtClean="0"/>
+              <a:t>tự</a:t>
+            </a:r>
+            <a:r>
+              <a:rPr lang="en-US" baseline="0" dirty="0" smtClean="0"/>
+              <a:t> </a:t>
+            </a:r>
+            <a:r>
+              <a:rPr lang="en-US" baseline="0" dirty="0" err="1" smtClean="0"/>
+              <a:t>động</a:t>
+            </a:r>
+            <a:r>
+              <a:rPr lang="en-US" baseline="0" dirty="0" smtClean="0"/>
+              <a:t> </a:t>
+            </a:r>
+            <a:r>
+              <a:rPr lang="en-US" baseline="0" dirty="0" err="1" smtClean="0"/>
+              <a:t>chuyển</a:t>
+            </a:r>
+            <a:r>
+              <a:rPr lang="en-US" baseline="0" dirty="0" smtClean="0"/>
+              <a:t> </a:t>
+            </a:r>
+            <a:r>
+              <a:rPr lang="en-US" baseline="0" dirty="0" err="1" smtClean="0"/>
+              <a:t>trang</a:t>
+            </a:r>
+            <a:r>
+              <a:rPr lang="en-US" baseline="0" dirty="0" smtClean="0"/>
+              <a:t> </a:t>
+            </a:r>
+            <a:r>
+              <a:rPr lang="en-US" baseline="0" dirty="0" err="1" smtClean="0"/>
+              <a:t>và</a:t>
+            </a:r>
+            <a:r>
+              <a:rPr lang="en-US" baseline="0" dirty="0" smtClean="0"/>
+              <a:t> crawl </a:t>
+            </a:r>
+            <a:r>
+              <a:rPr lang="en-US" baseline="0" dirty="0" err="1" smtClean="0"/>
+              <a:t>các</a:t>
+            </a:r>
+            <a:r>
+              <a:rPr lang="en-US" baseline="0" dirty="0" smtClean="0"/>
+              <a:t> </a:t>
+            </a:r>
+            <a:r>
+              <a:rPr lang="en-US" baseline="0" dirty="0" err="1" smtClean="0"/>
+              <a:t>trang</a:t>
+            </a:r>
+            <a:r>
+              <a:rPr lang="en-US" baseline="0" dirty="0" smtClean="0"/>
+              <a:t> </a:t>
+            </a:r>
+            <a:r>
+              <a:rPr lang="en-US" baseline="0" dirty="0" err="1" smtClean="0"/>
+              <a:t>còn</a:t>
+            </a:r>
+            <a:r>
+              <a:rPr lang="en-US" baseline="0" dirty="0" smtClean="0"/>
+              <a:t> </a:t>
+            </a:r>
+            <a:r>
+              <a:rPr lang="en-US" baseline="0" dirty="0" err="1" smtClean="0"/>
+              <a:t>lại</a:t>
+            </a:r>
+            <a:endParaRPr lang="en-US" dirty="0"/>
+          </a:p>
+        </p:txBody>
+      </p:sp>
+      <p:sp>
+        <p:nvSpPr>
+          <p:cNvPr id="4" name="Slide Number Placeholder 3"/>
+          <p:cNvSpPr>
+            <a:spLocks noGrp="1"/>
+          </p:cNvSpPr>
+          <p:nvPr>
+            <p:ph type="sldNum" sz="quarter" idx="10"/>
+          </p:nvPr>
+        </p:nvSpPr>
+        <p:spPr/>
+        <p:txBody>
+          <a:bodyPr/>
+          <a:lstStyle/>
+          <a:p>
+            <a:fld id="{918CCA95-4F40-4CDD-BF1E-B8C9EB86EE73}" type="slidenum">
+              <a:rPr lang="en-US" smtClean="0"/>
+              <a:t>5</a:t>
+            </a:fld>
+            <a:endParaRPr lang="en-US"/>
+          </a:p>
+        </p:txBody>
+      </p:sp>
+    </p:spTree>
+    <p:extLst>
+      <p:ext uri="{BB962C8B-B14F-4D97-AF65-F5344CB8AC3E}">
+        <p14:creationId xmlns:p14="http://schemas.microsoft.com/office/powerpoint/2010/main" val="1120500888"/>
+      </p:ext>
+    </p:extLst>
+  </p:cSld>
+  <p:clrMapOvr>
+    <a:masterClrMapping/>
+  </p:clrMapOvr>
+</p:notes>
+</file>
+
+<file path=ppt/notesSlides/notesSlide4.xml><?xml version="1.0" encoding="utf-8"?>
+<p:notes xmlns:a="http://schemas.openxmlformats.org/drawingml/2006/main" xmlns:r="http://schemas.openxmlformats.org/officeDocument/2006/relationships" xmlns:p="http://schemas.openxmlformats.org/presentationml/2006/main">
+  <p:cSld>
+    <p:spTree>
+      <p:nvGrpSpPr>
+        <p:cNvPr id="1" name=""/>
+        <p:cNvGrpSpPr/>
+        <p:nvPr/>
+      </p:nvGrpSpPr>
+      <p:grpSpPr>
+        <a:xfrm>
+          <a:off x="0" y="0"/>
+          <a:ext cx="0" cy="0"/>
+          <a:chOff x="0" y="0"/>
+          <a:chExt cx="0" cy="0"/>
+        </a:xfrm>
+      </p:grpSpPr>
+      <p:sp>
+        <p:nvSpPr>
+          <p:cNvPr id="2" name="Slide Image Placeholder 1"/>
+          <p:cNvSpPr>
+            <a:spLocks noGrp="1" noRot="1" noChangeAspect="1"/>
+          </p:cNvSpPr>
+          <p:nvPr>
+            <p:ph type="sldImg"/>
+          </p:nvPr>
+        </p:nvSpPr>
+        <p:spPr/>
+      </p:sp>
+      <p:sp>
+        <p:nvSpPr>
+          <p:cNvPr id="3" name="Notes Placeholder 2"/>
+          <p:cNvSpPr>
+            <a:spLocks noGrp="1"/>
+          </p:cNvSpPr>
+          <p:nvPr>
+            <p:ph type="body" idx="1"/>
+          </p:nvPr>
+        </p:nvSpPr>
+        <p:spPr/>
+        <p:txBody>
+          <a:bodyPr/>
+          <a:lstStyle/>
+          <a:p>
+            <a:pPr marL="171450" indent="-171450">
+              <a:buFontTx/>
+              <a:buChar char="-"/>
+            </a:pPr>
+            <a:r>
+              <a:rPr lang="en-US" dirty="0" err="1" smtClean="0"/>
+              <a:t>Đây</a:t>
+            </a:r>
+            <a:r>
+              <a:rPr lang="en-US" baseline="0" dirty="0" smtClean="0"/>
+              <a:t> </a:t>
+            </a:r>
+            <a:r>
+              <a:rPr lang="en-US" baseline="0" dirty="0" err="1" smtClean="0"/>
+              <a:t>là</a:t>
+            </a:r>
+            <a:r>
+              <a:rPr lang="en-US" baseline="0" dirty="0" smtClean="0"/>
+              <a:t> </a:t>
+            </a:r>
+            <a:r>
+              <a:rPr lang="en-US" baseline="0" dirty="0" err="1" smtClean="0"/>
+              <a:t>ví</a:t>
+            </a:r>
+            <a:r>
+              <a:rPr lang="en-US" baseline="0" dirty="0" smtClean="0"/>
+              <a:t> </a:t>
+            </a:r>
+            <a:r>
+              <a:rPr lang="en-US" baseline="0" dirty="0" err="1" smtClean="0"/>
+              <a:t>dụ</a:t>
+            </a:r>
+            <a:r>
+              <a:rPr lang="en-US" baseline="0" dirty="0" smtClean="0"/>
+              <a:t> </a:t>
+            </a:r>
+            <a:r>
+              <a:rPr lang="en-US" baseline="0" dirty="0" err="1" smtClean="0"/>
+              <a:t>về</a:t>
+            </a:r>
+            <a:r>
+              <a:rPr lang="en-US" baseline="0" dirty="0" smtClean="0"/>
+              <a:t> </a:t>
+            </a:r>
+            <a:r>
+              <a:rPr lang="en-US" baseline="0" dirty="0" err="1" smtClean="0"/>
+              <a:t>thu</a:t>
+            </a:r>
+            <a:r>
+              <a:rPr lang="en-US" baseline="0" dirty="0" smtClean="0"/>
+              <a:t> </a:t>
+            </a:r>
+            <a:r>
+              <a:rPr lang="en-US" baseline="0" dirty="0" err="1" smtClean="0"/>
+              <a:t>thập</a:t>
+            </a:r>
+            <a:r>
+              <a:rPr lang="en-US" baseline="0" dirty="0" smtClean="0"/>
+              <a:t> </a:t>
+            </a:r>
+            <a:r>
+              <a:rPr lang="en-US" baseline="0" dirty="0" err="1" smtClean="0"/>
+              <a:t>các</a:t>
+            </a:r>
+            <a:r>
+              <a:rPr lang="en-US" baseline="0" dirty="0" smtClean="0"/>
+              <a:t> </a:t>
+            </a:r>
+            <a:r>
+              <a:rPr lang="en-US" baseline="0" dirty="0" err="1" smtClean="0"/>
+              <a:t>bài</a:t>
+            </a:r>
+            <a:r>
+              <a:rPr lang="en-US" baseline="0" dirty="0" smtClean="0"/>
+              <a:t> </a:t>
+            </a:r>
+            <a:r>
+              <a:rPr lang="en-US" baseline="0" dirty="0" err="1" smtClean="0"/>
+              <a:t>báo</a:t>
+            </a:r>
+            <a:r>
+              <a:rPr lang="en-US" baseline="0" dirty="0" smtClean="0"/>
+              <a:t> </a:t>
+            </a:r>
+            <a:r>
+              <a:rPr lang="en-US" baseline="0" dirty="0" err="1" smtClean="0"/>
+              <a:t>của</a:t>
+            </a:r>
+            <a:r>
+              <a:rPr lang="en-US" baseline="0" dirty="0" smtClean="0"/>
+              <a:t> </a:t>
+            </a:r>
+            <a:r>
+              <a:rPr lang="en-US" baseline="0" dirty="0" err="1" smtClean="0"/>
+              <a:t>tác</a:t>
+            </a:r>
+            <a:r>
+              <a:rPr lang="en-US" baseline="0" dirty="0" smtClean="0"/>
+              <a:t> </a:t>
+            </a:r>
+            <a:r>
+              <a:rPr lang="en-US" baseline="0" dirty="0" err="1" smtClean="0"/>
+              <a:t>giả</a:t>
+            </a:r>
+            <a:r>
+              <a:rPr lang="en-US" baseline="0" dirty="0" smtClean="0"/>
+              <a:t> Muriel </a:t>
+            </a:r>
+            <a:r>
+              <a:rPr lang="en-US" baseline="0" dirty="0" err="1" smtClean="0"/>
+              <a:t>Medard</a:t>
+            </a:r>
+            <a:r>
+              <a:rPr lang="en-US" baseline="0" dirty="0" smtClean="0"/>
+              <a:t> </a:t>
+            </a:r>
+            <a:r>
+              <a:rPr lang="en-US" baseline="0" dirty="0" err="1" smtClean="0"/>
+              <a:t>trên</a:t>
+            </a:r>
+            <a:r>
+              <a:rPr lang="en-US" baseline="0" dirty="0" smtClean="0"/>
+              <a:t> </a:t>
+            </a:r>
+            <a:r>
+              <a:rPr lang="en-US" baseline="0" dirty="0" err="1" smtClean="0"/>
+              <a:t>trang</a:t>
+            </a:r>
+            <a:r>
+              <a:rPr lang="en-US" baseline="0" dirty="0" smtClean="0"/>
+              <a:t> IEEE</a:t>
+            </a:r>
+          </a:p>
+          <a:p>
+            <a:pPr marL="171450" indent="-171450">
+              <a:buFontTx/>
+              <a:buChar char="-"/>
+            </a:pPr>
+            <a:r>
+              <a:rPr lang="en-US" baseline="0" dirty="0" err="1" smtClean="0"/>
+              <a:t>Tại</a:t>
+            </a:r>
+            <a:r>
+              <a:rPr lang="en-US" baseline="0" dirty="0" smtClean="0"/>
+              <a:t> </a:t>
+            </a:r>
+            <a:r>
+              <a:rPr lang="en-US" baseline="0" dirty="0" err="1" smtClean="0"/>
+              <a:t>mỗi</a:t>
+            </a:r>
+            <a:r>
+              <a:rPr lang="en-US" baseline="0" dirty="0" smtClean="0"/>
+              <a:t> </a:t>
+            </a:r>
+            <a:r>
+              <a:rPr lang="en-US" baseline="0" dirty="0" err="1" smtClean="0"/>
+              <a:t>bài</a:t>
+            </a:r>
+            <a:r>
+              <a:rPr lang="en-US" baseline="0" dirty="0" smtClean="0"/>
+              <a:t> </a:t>
+            </a:r>
+            <a:r>
+              <a:rPr lang="en-US" baseline="0" dirty="0" err="1" smtClean="0"/>
+              <a:t>báo</a:t>
+            </a:r>
+            <a:r>
+              <a:rPr lang="en-US" baseline="0" dirty="0" smtClean="0"/>
+              <a:t>, </a:t>
+            </a:r>
+            <a:r>
+              <a:rPr lang="en-US" baseline="0" dirty="0" err="1" smtClean="0"/>
+              <a:t>bộ</a:t>
+            </a:r>
+            <a:r>
+              <a:rPr lang="en-US" baseline="0" dirty="0" smtClean="0"/>
+              <a:t> crawler </a:t>
+            </a:r>
+            <a:r>
+              <a:rPr lang="en-US" baseline="0" dirty="0" err="1" smtClean="0"/>
+              <a:t>của</a:t>
+            </a:r>
+            <a:r>
+              <a:rPr lang="en-US" baseline="0" dirty="0" smtClean="0"/>
+              <a:t> </a:t>
+            </a:r>
+            <a:r>
+              <a:rPr lang="en-US" baseline="0" dirty="0" err="1" smtClean="0"/>
+              <a:t>mình</a:t>
+            </a:r>
+            <a:r>
+              <a:rPr lang="en-US" baseline="0" dirty="0" smtClean="0"/>
+              <a:t> </a:t>
+            </a:r>
+            <a:r>
+              <a:rPr lang="en-US" baseline="0" dirty="0" err="1" smtClean="0"/>
+              <a:t>tự</a:t>
+            </a:r>
+            <a:r>
+              <a:rPr lang="en-US" baseline="0" dirty="0" smtClean="0"/>
+              <a:t> </a:t>
+            </a:r>
+            <a:r>
+              <a:rPr lang="en-US" baseline="0" dirty="0" err="1" smtClean="0"/>
+              <a:t>động</a:t>
+            </a:r>
+            <a:r>
+              <a:rPr lang="en-US" baseline="0" dirty="0" smtClean="0"/>
+              <a:t> click </a:t>
+            </a:r>
+            <a:r>
+              <a:rPr lang="en-US" baseline="0" dirty="0" err="1" smtClean="0"/>
+              <a:t>vào</a:t>
+            </a:r>
+            <a:r>
+              <a:rPr lang="en-US" baseline="0" dirty="0" smtClean="0"/>
+              <a:t> link </a:t>
+            </a:r>
+            <a:r>
+              <a:rPr lang="en-US" baseline="0" dirty="0" err="1" smtClean="0"/>
+              <a:t>để</a:t>
+            </a:r>
+            <a:r>
+              <a:rPr lang="en-US" baseline="0" dirty="0" smtClean="0"/>
+              <a:t> </a:t>
+            </a:r>
+            <a:r>
+              <a:rPr lang="en-US" baseline="0" dirty="0" err="1" smtClean="0"/>
+              <a:t>mở</a:t>
+            </a:r>
+            <a:r>
+              <a:rPr lang="en-US" baseline="0" dirty="0" smtClean="0"/>
+              <a:t> </a:t>
+            </a:r>
+            <a:r>
+              <a:rPr lang="en-US" baseline="0" dirty="0" err="1" smtClean="0"/>
+              <a:t>trang</a:t>
+            </a:r>
+            <a:r>
+              <a:rPr lang="en-US" baseline="0" dirty="0" smtClean="0"/>
+              <a:t> </a:t>
+            </a:r>
+            <a:r>
+              <a:rPr lang="en-US" baseline="0" dirty="0" err="1" smtClean="0"/>
+              <a:t>bài</a:t>
+            </a:r>
+            <a:r>
+              <a:rPr lang="en-US" baseline="0" dirty="0" smtClean="0"/>
+              <a:t> </a:t>
+            </a:r>
+            <a:r>
+              <a:rPr lang="en-US" baseline="0" dirty="0" err="1" smtClean="0"/>
+              <a:t>báo</a:t>
+            </a:r>
+            <a:r>
+              <a:rPr lang="en-US" baseline="0" dirty="0" smtClean="0"/>
+              <a:t> </a:t>
+            </a:r>
+            <a:r>
+              <a:rPr lang="en-US" baseline="0" dirty="0" err="1" smtClean="0"/>
+              <a:t>ra</a:t>
+            </a:r>
+            <a:r>
+              <a:rPr lang="en-US" baseline="0" dirty="0" smtClean="0"/>
+              <a:t> </a:t>
+            </a:r>
+            <a:r>
+              <a:rPr lang="en-US" baseline="0" dirty="0" err="1" smtClean="0"/>
+              <a:t>và</a:t>
+            </a:r>
+            <a:r>
+              <a:rPr lang="en-US" baseline="0" dirty="0" smtClean="0"/>
+              <a:t> </a:t>
+            </a:r>
+            <a:r>
+              <a:rPr lang="en-US" baseline="0" dirty="0" err="1" smtClean="0"/>
+              <a:t>lấy</a:t>
+            </a:r>
+            <a:r>
+              <a:rPr lang="en-US" baseline="0" dirty="0" smtClean="0"/>
+              <a:t> </a:t>
+            </a:r>
+            <a:r>
+              <a:rPr lang="en-US" baseline="0" dirty="0" err="1" smtClean="0"/>
+              <a:t>dữ</a:t>
+            </a:r>
+            <a:r>
+              <a:rPr lang="en-US" baseline="0" dirty="0" smtClean="0"/>
+              <a:t> </a:t>
+            </a:r>
+            <a:r>
+              <a:rPr lang="en-US" baseline="0" dirty="0" err="1" smtClean="0"/>
+              <a:t>liệu</a:t>
+            </a:r>
+            <a:r>
+              <a:rPr lang="en-US" baseline="0" dirty="0" smtClean="0"/>
+              <a:t> </a:t>
+            </a:r>
+            <a:r>
+              <a:rPr lang="en-US" baseline="0" dirty="0" err="1" smtClean="0"/>
+              <a:t>trên</a:t>
+            </a:r>
+            <a:r>
+              <a:rPr lang="en-US" baseline="0" dirty="0" smtClean="0"/>
+              <a:t> </a:t>
+            </a:r>
+            <a:r>
+              <a:rPr lang="en-US" baseline="0" dirty="0" err="1" smtClean="0"/>
+              <a:t>chính</a:t>
+            </a:r>
+            <a:r>
+              <a:rPr lang="en-US" baseline="0" dirty="0" smtClean="0"/>
+              <a:t> </a:t>
+            </a:r>
+            <a:r>
+              <a:rPr lang="en-US" baseline="0" dirty="0" err="1" smtClean="0"/>
+              <a:t>trang</a:t>
+            </a:r>
+            <a:r>
+              <a:rPr lang="en-US" baseline="0" dirty="0" smtClean="0"/>
+              <a:t> web </a:t>
+            </a:r>
+            <a:r>
+              <a:rPr lang="en-US" baseline="0" dirty="0" err="1" smtClean="0"/>
+              <a:t>của</a:t>
+            </a:r>
+            <a:r>
+              <a:rPr lang="en-US" baseline="0" dirty="0" smtClean="0"/>
+              <a:t> </a:t>
+            </a:r>
+            <a:r>
+              <a:rPr lang="en-US" baseline="0" dirty="0" err="1" smtClean="0"/>
+              <a:t>bài</a:t>
+            </a:r>
+            <a:r>
+              <a:rPr lang="en-US" baseline="0" dirty="0" smtClean="0"/>
+              <a:t> </a:t>
+            </a:r>
+            <a:r>
+              <a:rPr lang="en-US" baseline="0" dirty="0" err="1" smtClean="0"/>
+              <a:t>báo</a:t>
+            </a:r>
+            <a:r>
+              <a:rPr lang="en-US" baseline="0" dirty="0" smtClean="0"/>
+              <a:t> </a:t>
+            </a:r>
+            <a:r>
+              <a:rPr lang="en-US" baseline="0" dirty="0" err="1" smtClean="0"/>
+              <a:t>đó</a:t>
+            </a:r>
+            <a:endParaRPr lang="en-US" baseline="0" dirty="0" smtClean="0"/>
+          </a:p>
+          <a:p>
+            <a:pPr marL="171450" indent="-171450">
+              <a:buFontTx/>
+              <a:buChar char="-"/>
+            </a:pPr>
+            <a:r>
+              <a:rPr lang="en-US" baseline="0" dirty="0" err="1" smtClean="0"/>
+              <a:t>Sau</a:t>
+            </a:r>
+            <a:r>
+              <a:rPr lang="en-US" baseline="0" dirty="0" smtClean="0"/>
+              <a:t> </a:t>
+            </a:r>
+            <a:r>
+              <a:rPr lang="en-US" baseline="0" dirty="0" err="1" smtClean="0"/>
+              <a:t>đó</a:t>
+            </a:r>
+            <a:r>
+              <a:rPr lang="en-US" baseline="0" dirty="0" smtClean="0"/>
+              <a:t> </a:t>
+            </a:r>
+            <a:r>
+              <a:rPr lang="en-US" baseline="0" dirty="0" err="1" smtClean="0"/>
+              <a:t>sẽ</a:t>
+            </a:r>
+            <a:r>
+              <a:rPr lang="en-US" baseline="0" dirty="0" smtClean="0"/>
+              <a:t> </a:t>
+            </a:r>
+            <a:r>
+              <a:rPr lang="en-US" baseline="0" dirty="0" err="1" smtClean="0"/>
+              <a:t>tự</a:t>
+            </a:r>
+            <a:r>
+              <a:rPr lang="en-US" baseline="0" dirty="0" smtClean="0"/>
+              <a:t> quay </a:t>
+            </a:r>
+            <a:r>
+              <a:rPr lang="en-US" baseline="0" dirty="0" err="1" smtClean="0"/>
+              <a:t>lại</a:t>
+            </a:r>
+            <a:r>
+              <a:rPr lang="en-US" baseline="0" dirty="0" smtClean="0"/>
+              <a:t> tab ban </a:t>
+            </a:r>
+            <a:r>
+              <a:rPr lang="en-US" baseline="0" dirty="0" err="1" smtClean="0"/>
+              <a:t>đầu</a:t>
+            </a:r>
+            <a:r>
+              <a:rPr lang="en-US" baseline="0" dirty="0" smtClean="0"/>
+              <a:t> </a:t>
+            </a:r>
+            <a:r>
+              <a:rPr lang="en-US" baseline="0" dirty="0" err="1" smtClean="0"/>
+              <a:t>và</a:t>
+            </a:r>
+            <a:r>
+              <a:rPr lang="en-US" baseline="0" dirty="0" smtClean="0"/>
+              <a:t> </a:t>
+            </a:r>
+            <a:r>
+              <a:rPr lang="en-US" baseline="0" dirty="0" err="1" smtClean="0"/>
+              <a:t>tiếp</a:t>
+            </a:r>
+            <a:r>
+              <a:rPr lang="en-US" baseline="0" dirty="0" smtClean="0"/>
+              <a:t> </a:t>
+            </a:r>
+            <a:r>
+              <a:rPr lang="en-US" baseline="0" dirty="0" err="1" smtClean="0"/>
+              <a:t>tục</a:t>
+            </a:r>
+            <a:r>
+              <a:rPr lang="en-US" baseline="0" dirty="0" smtClean="0"/>
+              <a:t> </a:t>
+            </a:r>
+            <a:r>
+              <a:rPr lang="en-US" baseline="0" dirty="0" err="1" smtClean="0"/>
+              <a:t>lặp</a:t>
+            </a:r>
+            <a:r>
+              <a:rPr lang="en-US" baseline="0" dirty="0" smtClean="0"/>
+              <a:t> </a:t>
+            </a:r>
+            <a:r>
+              <a:rPr lang="en-US" baseline="0" dirty="0" err="1" smtClean="0"/>
+              <a:t>lại</a:t>
+            </a:r>
+            <a:r>
+              <a:rPr lang="en-US" baseline="0" dirty="0" smtClean="0"/>
+              <a:t> </a:t>
+            </a:r>
+            <a:r>
+              <a:rPr lang="en-US" baseline="0" dirty="0" err="1" smtClean="0"/>
+              <a:t>bước</a:t>
+            </a:r>
+            <a:r>
+              <a:rPr lang="en-US" baseline="0" dirty="0" smtClean="0"/>
+              <a:t> </a:t>
+            </a:r>
+            <a:r>
+              <a:rPr lang="en-US" baseline="0" dirty="0" err="1" smtClean="0"/>
+              <a:t>trên</a:t>
+            </a:r>
+            <a:r>
+              <a:rPr lang="en-US" baseline="0" dirty="0" smtClean="0"/>
+              <a:t> </a:t>
+            </a:r>
+            <a:r>
+              <a:rPr lang="en-US" baseline="0" dirty="0" err="1" smtClean="0"/>
+              <a:t>cho</a:t>
+            </a:r>
+            <a:r>
+              <a:rPr lang="en-US" baseline="0" dirty="0" smtClean="0"/>
+              <a:t> </a:t>
+            </a:r>
+            <a:r>
+              <a:rPr lang="en-US" baseline="0" dirty="0" err="1" smtClean="0"/>
+              <a:t>các</a:t>
+            </a:r>
+            <a:r>
+              <a:rPr lang="en-US" baseline="0" dirty="0" smtClean="0"/>
+              <a:t> </a:t>
+            </a:r>
+            <a:r>
+              <a:rPr lang="en-US" baseline="0" dirty="0" err="1" smtClean="0"/>
+              <a:t>bài</a:t>
+            </a:r>
+            <a:r>
+              <a:rPr lang="en-US" baseline="0" dirty="0" smtClean="0"/>
+              <a:t> </a:t>
+            </a:r>
+            <a:r>
+              <a:rPr lang="en-US" baseline="0" dirty="0" err="1" smtClean="0"/>
+              <a:t>báo</a:t>
+            </a:r>
+            <a:r>
+              <a:rPr lang="en-US" baseline="0" dirty="0" smtClean="0"/>
+              <a:t> </a:t>
+            </a:r>
+            <a:r>
+              <a:rPr lang="en-US" baseline="0" dirty="0" err="1" smtClean="0"/>
+              <a:t>còn</a:t>
+            </a:r>
+            <a:r>
+              <a:rPr lang="en-US" baseline="0" dirty="0" smtClean="0"/>
+              <a:t> </a:t>
+            </a:r>
+            <a:r>
+              <a:rPr lang="en-US" baseline="0" dirty="0" err="1" smtClean="0"/>
+              <a:t>lại</a:t>
+            </a:r>
+            <a:endParaRPr lang="en-US" dirty="0"/>
+          </a:p>
+        </p:txBody>
+      </p:sp>
+      <p:sp>
+        <p:nvSpPr>
+          <p:cNvPr id="4" name="Slide Number Placeholder 3"/>
+          <p:cNvSpPr>
+            <a:spLocks noGrp="1"/>
+          </p:cNvSpPr>
+          <p:nvPr>
+            <p:ph type="sldNum" sz="quarter" idx="10"/>
+          </p:nvPr>
+        </p:nvSpPr>
+        <p:spPr/>
+        <p:txBody>
+          <a:bodyPr/>
+          <a:lstStyle/>
+          <a:p>
+            <a:fld id="{918CCA95-4F40-4CDD-BF1E-B8C9EB86EE73}" type="slidenum">
+              <a:rPr lang="en-US" smtClean="0"/>
+              <a:t>6</a:t>
+            </a:fld>
+            <a:endParaRPr lang="en-US"/>
+          </a:p>
+        </p:txBody>
+      </p:sp>
+    </p:spTree>
+    <p:extLst>
+      <p:ext uri="{BB962C8B-B14F-4D97-AF65-F5344CB8AC3E}">
+        <p14:creationId xmlns:p14="http://schemas.microsoft.com/office/powerpoint/2010/main" val="3653523318"/>
+      </p:ext>
+    </p:extLst>
+  </p:cSld>
+  <p:clrMapOvr>
+    <a:masterClrMapping/>
+  </p:clrMapOvr>
+</p:notes>
+</file>
+
+<file path=ppt/notesSlides/notesSlide5.xml><?xml version="1.0" encoding="utf-8"?>
+<p:notes xmlns:a="http://schemas.openxmlformats.org/drawingml/2006/main" xmlns:r="http://schemas.openxmlformats.org/officeDocument/2006/relationships" xmlns:p="http://schemas.openxmlformats.org/presentationml/2006/main">
+  <p:cSld>
+    <p:spTree>
+      <p:nvGrpSpPr>
+        <p:cNvPr id="1" name=""/>
+        <p:cNvGrpSpPr/>
+        <p:nvPr/>
+      </p:nvGrpSpPr>
+      <p:grpSpPr>
+        <a:xfrm>
+          <a:off x="0" y="0"/>
+          <a:ext cx="0" cy="0"/>
+          <a:chOff x="0" y="0"/>
+          <a:chExt cx="0" cy="0"/>
+        </a:xfrm>
+      </p:grpSpPr>
+      <p:sp>
+        <p:nvSpPr>
+          <p:cNvPr id="2" name="Slide Image Placeholder 1"/>
+          <p:cNvSpPr>
+            <a:spLocks noGrp="1" noRot="1" noChangeAspect="1"/>
+          </p:cNvSpPr>
+          <p:nvPr>
+            <p:ph type="sldImg"/>
+          </p:nvPr>
+        </p:nvSpPr>
+        <p:spPr/>
+      </p:sp>
+      <p:sp>
+        <p:nvSpPr>
+          <p:cNvPr id="3" name="Notes Placeholder 2"/>
+          <p:cNvSpPr>
+            <a:spLocks noGrp="1"/>
+          </p:cNvSpPr>
+          <p:nvPr>
+            <p:ph type="body" idx="1"/>
+          </p:nvPr>
+        </p:nvSpPr>
+        <p:spPr/>
+        <p:txBody>
+          <a:bodyPr/>
+          <a:lstStyle/>
+          <a:p>
+            <a:pPr marL="171450" indent="-171450">
+              <a:buFontTx/>
+              <a:buChar char="-"/>
+            </a:pPr>
+            <a:r>
+              <a:rPr lang="en-US" dirty="0" err="1" smtClean="0"/>
+              <a:t>Đây</a:t>
+            </a:r>
+            <a:r>
+              <a:rPr lang="en-US" baseline="0" dirty="0" smtClean="0"/>
+              <a:t> </a:t>
+            </a:r>
+            <a:r>
+              <a:rPr lang="en-US" baseline="0" dirty="0" err="1" smtClean="0"/>
+              <a:t>là</a:t>
+            </a:r>
+            <a:r>
+              <a:rPr lang="en-US" baseline="0" dirty="0" smtClean="0"/>
+              <a:t> </a:t>
+            </a:r>
+            <a:r>
+              <a:rPr lang="en-US" baseline="0" dirty="0" err="1" smtClean="0"/>
+              <a:t>trích</a:t>
+            </a:r>
+            <a:r>
+              <a:rPr lang="en-US" baseline="0" dirty="0" smtClean="0"/>
+              <a:t> </a:t>
+            </a:r>
+            <a:r>
+              <a:rPr lang="en-US" baseline="0" dirty="0" err="1" smtClean="0"/>
+              <a:t>xuất</a:t>
+            </a:r>
+            <a:r>
+              <a:rPr lang="en-US" baseline="0" dirty="0" smtClean="0"/>
+              <a:t> </a:t>
+            </a:r>
+            <a:r>
+              <a:rPr lang="en-US" baseline="0" dirty="0" err="1" smtClean="0"/>
+              <a:t>từ</a:t>
+            </a:r>
+            <a:r>
+              <a:rPr lang="en-US" baseline="0" dirty="0" smtClean="0"/>
+              <a:t> file csv </a:t>
+            </a:r>
+            <a:r>
+              <a:rPr lang="en-US" baseline="0" dirty="0" err="1" smtClean="0"/>
+              <a:t>mà</a:t>
+            </a:r>
+            <a:r>
+              <a:rPr lang="en-US" baseline="0" dirty="0" smtClean="0"/>
+              <a:t> team </a:t>
+            </a:r>
+            <a:r>
+              <a:rPr lang="en-US" baseline="0" dirty="0" err="1" smtClean="0"/>
+              <a:t>đã</a:t>
+            </a:r>
+            <a:r>
+              <a:rPr lang="en-US" baseline="0" dirty="0" smtClean="0"/>
+              <a:t> </a:t>
+            </a:r>
+            <a:r>
+              <a:rPr lang="en-US" baseline="0" dirty="0" err="1" smtClean="0"/>
+              <a:t>thu</a:t>
+            </a:r>
+            <a:r>
+              <a:rPr lang="en-US" baseline="0" dirty="0" smtClean="0"/>
+              <a:t> </a:t>
+            </a:r>
+            <a:r>
+              <a:rPr lang="en-US" baseline="0" dirty="0" err="1" smtClean="0"/>
+              <a:t>thập</a:t>
+            </a:r>
+            <a:r>
+              <a:rPr lang="en-US" baseline="0" dirty="0" smtClean="0"/>
+              <a:t> </a:t>
+            </a:r>
+          </a:p>
+          <a:p>
+            <a:pPr marL="171450" indent="-171450">
+              <a:buFontTx/>
+              <a:buChar char="-"/>
+            </a:pPr>
+            <a:r>
+              <a:rPr lang="en-US" baseline="0" dirty="0" err="1" smtClean="0"/>
+              <a:t>Mặc</a:t>
+            </a:r>
+            <a:r>
+              <a:rPr lang="en-US" baseline="0" dirty="0" smtClean="0"/>
+              <a:t> </a:t>
+            </a:r>
+            <a:r>
+              <a:rPr lang="en-US" baseline="0" dirty="0" err="1" smtClean="0"/>
+              <a:t>dù</a:t>
+            </a:r>
+            <a:r>
+              <a:rPr lang="en-US" baseline="0" dirty="0" smtClean="0"/>
+              <a:t> </a:t>
+            </a:r>
+            <a:r>
+              <a:rPr lang="en-US" baseline="0" dirty="0" err="1" smtClean="0"/>
+              <a:t>còn</a:t>
+            </a:r>
+            <a:r>
+              <a:rPr lang="en-US" baseline="0" dirty="0" smtClean="0"/>
+              <a:t> </a:t>
+            </a:r>
+            <a:r>
+              <a:rPr lang="en-US" baseline="0" dirty="0" err="1" smtClean="0"/>
+              <a:t>thiếu</a:t>
+            </a:r>
+            <a:r>
+              <a:rPr lang="en-US" baseline="0" dirty="0" smtClean="0"/>
+              <a:t> </a:t>
+            </a:r>
+            <a:r>
+              <a:rPr lang="en-US" baseline="0" dirty="0" err="1" smtClean="0"/>
+              <a:t>nhiều</a:t>
+            </a:r>
+            <a:r>
+              <a:rPr lang="en-US" baseline="0" dirty="0" smtClean="0"/>
+              <a:t> </a:t>
+            </a:r>
+            <a:r>
+              <a:rPr lang="en-US" baseline="0" dirty="0" err="1" smtClean="0"/>
+              <a:t>thông</a:t>
+            </a:r>
+            <a:r>
+              <a:rPr lang="en-US" baseline="0" dirty="0" smtClean="0"/>
+              <a:t> tin </a:t>
+            </a:r>
+            <a:r>
+              <a:rPr lang="en-US" baseline="0" dirty="0" err="1" smtClean="0"/>
+              <a:t>như</a:t>
+            </a:r>
+            <a:r>
+              <a:rPr lang="en-US" baseline="0" dirty="0" smtClean="0"/>
+              <a:t> </a:t>
+            </a:r>
+            <a:r>
+              <a:rPr lang="en-US" baseline="0" dirty="0" err="1" smtClean="0"/>
+              <a:t>ngày</a:t>
+            </a:r>
+            <a:r>
+              <a:rPr lang="en-US" baseline="0" dirty="0" smtClean="0"/>
+              <a:t> </a:t>
+            </a:r>
+            <a:r>
+              <a:rPr lang="en-US" baseline="0" dirty="0" err="1" smtClean="0"/>
+              <a:t>tháng</a:t>
+            </a:r>
+            <a:r>
+              <a:rPr lang="en-US" baseline="0" dirty="0" smtClean="0"/>
+              <a:t> publish, </a:t>
+            </a:r>
+            <a:r>
+              <a:rPr lang="en-US" baseline="0" dirty="0" err="1" smtClean="0"/>
+              <a:t>địa</a:t>
+            </a:r>
+            <a:r>
+              <a:rPr lang="en-US" baseline="0" dirty="0" smtClean="0"/>
+              <a:t> </a:t>
+            </a:r>
+            <a:r>
+              <a:rPr lang="en-US" baseline="0" dirty="0" err="1" smtClean="0"/>
+              <a:t>điểm</a:t>
+            </a:r>
+            <a:r>
+              <a:rPr lang="en-US" baseline="0" dirty="0" smtClean="0"/>
+              <a:t>,… </a:t>
+            </a:r>
+            <a:r>
+              <a:rPr lang="en-US" baseline="0" dirty="0" err="1" smtClean="0"/>
+              <a:t>nhưng</a:t>
+            </a:r>
+            <a:r>
+              <a:rPr lang="en-US" baseline="0" dirty="0" smtClean="0"/>
+              <a:t> </a:t>
+            </a:r>
+            <a:r>
+              <a:rPr lang="en-US" baseline="0" dirty="0" err="1" smtClean="0"/>
+              <a:t>để</a:t>
+            </a:r>
+            <a:r>
+              <a:rPr lang="en-US" baseline="0" dirty="0" smtClean="0"/>
+              <a:t> minh </a:t>
+            </a:r>
+            <a:r>
+              <a:rPr lang="en-US" baseline="0" dirty="0" err="1" smtClean="0"/>
+              <a:t>họa</a:t>
+            </a:r>
+            <a:r>
+              <a:rPr lang="en-US" baseline="0" dirty="0" smtClean="0"/>
+              <a:t> </a:t>
+            </a:r>
+            <a:r>
+              <a:rPr lang="en-US" baseline="0" dirty="0" err="1" smtClean="0"/>
+              <a:t>thì</a:t>
+            </a:r>
+            <a:r>
+              <a:rPr lang="en-US" baseline="0" dirty="0" smtClean="0"/>
+              <a:t> </a:t>
+            </a:r>
+            <a:r>
+              <a:rPr lang="en-US" baseline="0" dirty="0" err="1" smtClean="0"/>
+              <a:t>nhóm</a:t>
+            </a:r>
+            <a:r>
+              <a:rPr lang="en-US" baseline="0" dirty="0" smtClean="0"/>
+              <a:t> </a:t>
+            </a:r>
+            <a:r>
+              <a:rPr lang="en-US" baseline="0" dirty="0" err="1" smtClean="0"/>
+              <a:t>chỉ</a:t>
+            </a:r>
+            <a:r>
+              <a:rPr lang="en-US" baseline="0" dirty="0" smtClean="0"/>
+              <a:t> </a:t>
+            </a:r>
+            <a:r>
+              <a:rPr lang="en-US" baseline="0" dirty="0" err="1" smtClean="0"/>
+              <a:t>lấy</a:t>
+            </a:r>
+            <a:r>
+              <a:rPr lang="en-US" baseline="0" dirty="0" smtClean="0"/>
+              <a:t> </a:t>
+            </a:r>
+            <a:r>
+              <a:rPr lang="en-US" baseline="0" dirty="0" err="1" smtClean="0"/>
+              <a:t>đại</a:t>
+            </a:r>
+            <a:r>
+              <a:rPr lang="en-US" baseline="0" dirty="0" smtClean="0"/>
+              <a:t> </a:t>
+            </a:r>
+            <a:r>
+              <a:rPr lang="en-US" baseline="0" dirty="0" err="1" smtClean="0"/>
+              <a:t>diện</a:t>
+            </a:r>
+            <a:r>
+              <a:rPr lang="en-US" baseline="0" dirty="0" smtClean="0"/>
+              <a:t> 2 </a:t>
+            </a:r>
+            <a:r>
+              <a:rPr lang="en-US" baseline="0" dirty="0" err="1" smtClean="0"/>
+              <a:t>thông</a:t>
+            </a:r>
+            <a:r>
+              <a:rPr lang="en-US" baseline="0" dirty="0" smtClean="0"/>
+              <a:t> tin </a:t>
+            </a:r>
+            <a:r>
+              <a:rPr lang="en-US" baseline="0" dirty="0" err="1" smtClean="0"/>
+              <a:t>quan</a:t>
+            </a:r>
+            <a:r>
+              <a:rPr lang="en-US" baseline="0" dirty="0" smtClean="0"/>
+              <a:t> </a:t>
+            </a:r>
+            <a:r>
+              <a:rPr lang="en-US" baseline="0" dirty="0" err="1" smtClean="0"/>
+              <a:t>trọng</a:t>
+            </a:r>
+            <a:r>
+              <a:rPr lang="en-US" baseline="0" dirty="0" smtClean="0"/>
+              <a:t> </a:t>
+            </a:r>
+            <a:r>
+              <a:rPr lang="en-US" baseline="0" dirty="0" err="1" smtClean="0"/>
+              <a:t>của</a:t>
+            </a:r>
+            <a:r>
+              <a:rPr lang="en-US" baseline="0" dirty="0" smtClean="0"/>
+              <a:t> </a:t>
+            </a:r>
+            <a:r>
+              <a:rPr lang="en-US" baseline="0" dirty="0" err="1" smtClean="0"/>
+              <a:t>bài</a:t>
+            </a:r>
+            <a:r>
+              <a:rPr lang="en-US" baseline="0" dirty="0" smtClean="0"/>
+              <a:t> </a:t>
+            </a:r>
+            <a:r>
+              <a:rPr lang="en-US" baseline="0" dirty="0" err="1" smtClean="0"/>
+              <a:t>báo</a:t>
+            </a:r>
+            <a:r>
+              <a:rPr lang="en-US" baseline="0" dirty="0" smtClean="0"/>
+              <a:t> </a:t>
+            </a:r>
+            <a:r>
+              <a:rPr lang="en-US" baseline="0" dirty="0" err="1" smtClean="0"/>
+              <a:t>là</a:t>
+            </a:r>
+            <a:r>
+              <a:rPr lang="en-US" baseline="0" dirty="0" smtClean="0"/>
+              <a:t> TITLE </a:t>
+            </a:r>
+            <a:r>
+              <a:rPr lang="en-US" baseline="0" dirty="0" err="1" smtClean="0"/>
+              <a:t>và</a:t>
+            </a:r>
+            <a:r>
+              <a:rPr lang="en-US" baseline="0" dirty="0" smtClean="0"/>
+              <a:t> ABSTRACT, </a:t>
+            </a:r>
+            <a:r>
+              <a:rPr lang="en-US" baseline="0" dirty="0" err="1" smtClean="0"/>
+              <a:t>nhưng</a:t>
+            </a:r>
+            <a:r>
+              <a:rPr lang="en-US" baseline="0" dirty="0" smtClean="0"/>
+              <a:t> </a:t>
+            </a:r>
+            <a:r>
+              <a:rPr lang="en-US" baseline="0" dirty="0" err="1" smtClean="0"/>
+              <a:t>thông</a:t>
+            </a:r>
+            <a:r>
+              <a:rPr lang="en-US" baseline="0" dirty="0" smtClean="0"/>
+              <a:t> tin </a:t>
+            </a:r>
+            <a:r>
+              <a:rPr lang="en-US" baseline="0" dirty="0" err="1" smtClean="0"/>
+              <a:t>còn</a:t>
+            </a:r>
+            <a:r>
+              <a:rPr lang="en-US" baseline="0" dirty="0" smtClean="0"/>
+              <a:t> </a:t>
+            </a:r>
+            <a:r>
+              <a:rPr lang="en-US" baseline="0" dirty="0" err="1" smtClean="0"/>
+              <a:t>lại</a:t>
+            </a:r>
+            <a:r>
+              <a:rPr lang="en-US" baseline="0" dirty="0" smtClean="0"/>
+              <a:t> </a:t>
+            </a:r>
+            <a:r>
+              <a:rPr lang="en-US" baseline="0" dirty="0" err="1" smtClean="0"/>
+              <a:t>dễ</a:t>
+            </a:r>
+            <a:r>
+              <a:rPr lang="en-US" baseline="0" dirty="0" smtClean="0"/>
+              <a:t> </a:t>
+            </a:r>
+            <a:r>
+              <a:rPr lang="en-US" baseline="0" dirty="0" err="1" smtClean="0"/>
+              <a:t>dàng</a:t>
+            </a:r>
+            <a:r>
+              <a:rPr lang="en-US" baseline="0" dirty="0" smtClean="0"/>
+              <a:t> </a:t>
+            </a:r>
+            <a:r>
+              <a:rPr lang="en-US" baseline="0" dirty="0" err="1" smtClean="0"/>
+              <a:t>thu</a:t>
+            </a:r>
+            <a:r>
+              <a:rPr lang="en-US" baseline="0" dirty="0" smtClean="0"/>
+              <a:t> </a:t>
+            </a:r>
+            <a:r>
+              <a:rPr lang="en-US" baseline="0" dirty="0" err="1" smtClean="0"/>
+              <a:t>thập</a:t>
+            </a:r>
+            <a:r>
+              <a:rPr lang="en-US" baseline="0" dirty="0" smtClean="0"/>
+              <a:t> </a:t>
+            </a:r>
+            <a:r>
+              <a:rPr lang="en-US" baseline="0" dirty="0" err="1" smtClean="0"/>
+              <a:t>được</a:t>
+            </a:r>
+            <a:r>
+              <a:rPr lang="en-US" baseline="0" dirty="0" smtClean="0"/>
+              <a:t> </a:t>
+            </a:r>
+            <a:r>
+              <a:rPr lang="en-US" baseline="0" dirty="0" err="1" smtClean="0"/>
+              <a:t>bằng</a:t>
+            </a:r>
+            <a:r>
+              <a:rPr lang="en-US" baseline="0" dirty="0" smtClean="0"/>
+              <a:t> </a:t>
+            </a:r>
+            <a:r>
+              <a:rPr lang="en-US" baseline="0" dirty="0" err="1" smtClean="0"/>
+              <a:t>cách</a:t>
+            </a:r>
+            <a:r>
+              <a:rPr lang="en-US" baseline="0" dirty="0" smtClean="0"/>
+              <a:t> </a:t>
+            </a:r>
+            <a:r>
+              <a:rPr lang="en-US" baseline="0" dirty="0" err="1" smtClean="0"/>
+              <a:t>tương</a:t>
+            </a:r>
+            <a:r>
+              <a:rPr lang="en-US" baseline="0" dirty="0" smtClean="0"/>
+              <a:t> </a:t>
+            </a:r>
+            <a:r>
+              <a:rPr lang="en-US" baseline="0" dirty="0" err="1" smtClean="0"/>
+              <a:t>tự</a:t>
+            </a:r>
+            <a:endParaRPr lang="en-US" baseline="0" dirty="0" smtClean="0"/>
+          </a:p>
+          <a:p>
+            <a:pPr marL="171450" indent="-171450">
+              <a:buFontTx/>
+              <a:buChar char="-"/>
+            </a:pPr>
+            <a:r>
+              <a:rPr lang="en-US" baseline="0" dirty="0" err="1" smtClean="0"/>
+              <a:t>Trong</a:t>
+            </a:r>
+            <a:r>
+              <a:rPr lang="en-US" baseline="0" dirty="0" smtClean="0"/>
+              <a:t> </a:t>
+            </a:r>
+            <a:r>
+              <a:rPr lang="en-US" baseline="0" dirty="0" err="1" smtClean="0"/>
+              <a:t>quá</a:t>
+            </a:r>
+            <a:r>
+              <a:rPr lang="en-US" baseline="0" dirty="0" smtClean="0"/>
+              <a:t> </a:t>
+            </a:r>
+            <a:r>
+              <a:rPr lang="en-US" baseline="0" dirty="0" err="1" smtClean="0"/>
+              <a:t>trình</a:t>
+            </a:r>
+            <a:r>
+              <a:rPr lang="en-US" baseline="0" dirty="0" smtClean="0"/>
+              <a:t> </a:t>
+            </a:r>
+            <a:r>
+              <a:rPr lang="en-US" baseline="0" dirty="0" err="1" smtClean="0"/>
+              <a:t>thu</a:t>
+            </a:r>
+            <a:r>
+              <a:rPr lang="en-US" baseline="0" dirty="0" smtClean="0"/>
+              <a:t> </a:t>
+            </a:r>
+            <a:r>
+              <a:rPr lang="en-US" baseline="0" dirty="0" err="1" smtClean="0"/>
+              <a:t>thập</a:t>
+            </a:r>
+            <a:r>
+              <a:rPr lang="en-US" baseline="0" dirty="0" smtClean="0"/>
+              <a:t>, team </a:t>
+            </a:r>
+            <a:r>
+              <a:rPr lang="en-US" baseline="0" dirty="0" err="1" smtClean="0"/>
+              <a:t>đã</a:t>
+            </a:r>
+            <a:r>
+              <a:rPr lang="en-US" baseline="0" dirty="0" smtClean="0"/>
+              <a:t> </a:t>
+            </a:r>
+            <a:r>
+              <a:rPr lang="en-US" baseline="0" dirty="0" err="1" smtClean="0"/>
+              <a:t>sử</a:t>
+            </a:r>
+            <a:r>
+              <a:rPr lang="en-US" baseline="0" dirty="0" smtClean="0"/>
+              <a:t> </a:t>
+            </a:r>
+            <a:r>
+              <a:rPr lang="en-US" baseline="0" dirty="0" err="1" smtClean="0"/>
+              <a:t>dụng</a:t>
+            </a:r>
+            <a:r>
+              <a:rPr lang="en-US" baseline="0" dirty="0" smtClean="0"/>
+              <a:t> </a:t>
+            </a:r>
+            <a:r>
+              <a:rPr lang="en-US" baseline="0" dirty="0" err="1" smtClean="0"/>
+              <a:t>công</a:t>
+            </a:r>
+            <a:r>
+              <a:rPr lang="en-US" baseline="0" dirty="0" smtClean="0"/>
+              <a:t> </a:t>
+            </a:r>
+            <a:r>
+              <a:rPr lang="en-US" baseline="0" dirty="0" err="1" smtClean="0"/>
+              <a:t>cụ</a:t>
+            </a:r>
+            <a:r>
+              <a:rPr lang="en-US" baseline="0" dirty="0" smtClean="0"/>
+              <a:t> </a:t>
+            </a:r>
+            <a:r>
+              <a:rPr lang="en-US" baseline="0" dirty="0" err="1" smtClean="0"/>
+              <a:t>của</a:t>
+            </a:r>
+            <a:r>
+              <a:rPr lang="en-US" baseline="0" dirty="0" smtClean="0"/>
+              <a:t> Chrome </a:t>
+            </a:r>
+            <a:r>
+              <a:rPr lang="en-US" baseline="0" dirty="0" err="1" smtClean="0"/>
+              <a:t>là</a:t>
+            </a:r>
+            <a:r>
+              <a:rPr lang="en-US" baseline="0" dirty="0" smtClean="0"/>
+              <a:t> </a:t>
+            </a:r>
+            <a:r>
+              <a:rPr lang="en-US" baseline="0" dirty="0" err="1" smtClean="0"/>
+              <a:t>SelectorGadget</a:t>
+            </a:r>
+            <a:r>
+              <a:rPr lang="en-US" baseline="0" dirty="0" smtClean="0"/>
+              <a:t> </a:t>
+            </a:r>
+            <a:r>
+              <a:rPr lang="en-US" baseline="0" dirty="0" err="1" smtClean="0"/>
+              <a:t>để</a:t>
+            </a:r>
+            <a:r>
+              <a:rPr lang="en-US" baseline="0" dirty="0" smtClean="0"/>
+              <a:t> </a:t>
+            </a:r>
+            <a:r>
+              <a:rPr lang="en-US" baseline="0" dirty="0" err="1" smtClean="0"/>
+              <a:t>lấy</a:t>
+            </a:r>
+            <a:r>
+              <a:rPr lang="en-US" baseline="0" dirty="0" smtClean="0"/>
+              <a:t> </a:t>
+            </a:r>
+            <a:r>
+              <a:rPr lang="en-US" baseline="0" dirty="0" err="1" smtClean="0"/>
+              <a:t>được</a:t>
+            </a:r>
+            <a:r>
+              <a:rPr lang="en-US" baseline="0" dirty="0" smtClean="0"/>
+              <a:t> </a:t>
+            </a:r>
+            <a:r>
+              <a:rPr lang="en-US" baseline="0" dirty="0" err="1" smtClean="0"/>
+              <a:t>chính</a:t>
+            </a:r>
+            <a:r>
+              <a:rPr lang="en-US" baseline="0" dirty="0" smtClean="0"/>
+              <a:t> </a:t>
+            </a:r>
+            <a:r>
+              <a:rPr lang="en-US" baseline="0" dirty="0" err="1" smtClean="0"/>
+              <a:t>xác</a:t>
+            </a:r>
+            <a:r>
+              <a:rPr lang="en-US" baseline="0" dirty="0" smtClean="0"/>
+              <a:t> </a:t>
+            </a:r>
+            <a:r>
+              <a:rPr lang="en-US" baseline="0" dirty="0" err="1" smtClean="0"/>
+              <a:t>css_selector</a:t>
+            </a:r>
+            <a:r>
+              <a:rPr lang="en-US" baseline="0" dirty="0" smtClean="0"/>
+              <a:t> </a:t>
+            </a:r>
+            <a:r>
+              <a:rPr lang="en-US" baseline="0" dirty="0" err="1" smtClean="0"/>
+              <a:t>cần</a:t>
+            </a:r>
+            <a:r>
+              <a:rPr lang="en-US" baseline="0" dirty="0" smtClean="0"/>
+              <a:t> </a:t>
+            </a:r>
+            <a:r>
+              <a:rPr lang="en-US" baseline="0" dirty="0" err="1" smtClean="0"/>
+              <a:t>tìm</a:t>
+            </a:r>
+            <a:r>
+              <a:rPr lang="en-US" baseline="0" dirty="0" smtClean="0"/>
+              <a:t> </a:t>
+            </a:r>
+            <a:r>
+              <a:rPr lang="en-US" baseline="0" dirty="0" err="1" smtClean="0"/>
+              <a:t>một</a:t>
+            </a:r>
+            <a:r>
+              <a:rPr lang="en-US" baseline="0" dirty="0" smtClean="0"/>
+              <a:t> </a:t>
+            </a:r>
+            <a:r>
+              <a:rPr lang="en-US" baseline="0" dirty="0" err="1" smtClean="0"/>
+              <a:t>cách</a:t>
+            </a:r>
+            <a:r>
+              <a:rPr lang="en-US" baseline="0" dirty="0" smtClean="0"/>
+              <a:t> </a:t>
+            </a:r>
+            <a:r>
+              <a:rPr lang="en-US" baseline="0" dirty="0" err="1" smtClean="0"/>
+              <a:t>nhanh</a:t>
+            </a:r>
+            <a:r>
+              <a:rPr lang="en-US" baseline="0" dirty="0" smtClean="0"/>
+              <a:t> </a:t>
+            </a:r>
+            <a:r>
+              <a:rPr lang="en-US" baseline="0" dirty="0" err="1" smtClean="0"/>
+              <a:t>chóng</a:t>
+            </a:r>
+            <a:r>
+              <a:rPr lang="en-US" baseline="0" dirty="0" smtClean="0"/>
+              <a:t>, </a:t>
+            </a:r>
+            <a:r>
+              <a:rPr lang="en-US" baseline="0" dirty="0" err="1" smtClean="0"/>
+              <a:t>thay</a:t>
+            </a:r>
+            <a:r>
+              <a:rPr lang="en-US" baseline="0" dirty="0" smtClean="0"/>
+              <a:t> </a:t>
+            </a:r>
+            <a:r>
+              <a:rPr lang="en-US" baseline="0" dirty="0" err="1" smtClean="0"/>
+              <a:t>vì</a:t>
+            </a:r>
+            <a:r>
+              <a:rPr lang="en-US" baseline="0" dirty="0" smtClean="0"/>
+              <a:t> </a:t>
+            </a:r>
+            <a:r>
+              <a:rPr lang="en-US" baseline="0" dirty="0" err="1" smtClean="0"/>
+              <a:t>phải</a:t>
+            </a:r>
+            <a:r>
+              <a:rPr lang="en-US" baseline="0" dirty="0" smtClean="0"/>
+              <a:t> </a:t>
+            </a:r>
+            <a:r>
+              <a:rPr lang="en-US" baseline="0" dirty="0" err="1" smtClean="0"/>
+              <a:t>dò</a:t>
+            </a:r>
+            <a:r>
+              <a:rPr lang="en-US" baseline="0" dirty="0" smtClean="0"/>
+              <a:t> </a:t>
+            </a:r>
+            <a:r>
+              <a:rPr lang="en-US" baseline="0" dirty="0" err="1" smtClean="0"/>
+              <a:t>tìm</a:t>
+            </a:r>
+            <a:r>
+              <a:rPr lang="en-US" baseline="0" dirty="0" smtClean="0"/>
+              <a:t> </a:t>
+            </a:r>
+            <a:r>
+              <a:rPr lang="en-US" baseline="0" dirty="0" err="1" smtClean="0"/>
+              <a:t>trong</a:t>
+            </a:r>
+            <a:r>
+              <a:rPr lang="en-US" baseline="0" dirty="0" smtClean="0"/>
+              <a:t> source </a:t>
+            </a:r>
+            <a:r>
+              <a:rPr lang="en-US" baseline="0" dirty="0" err="1" smtClean="0"/>
+              <a:t>của</a:t>
+            </a:r>
+            <a:r>
+              <a:rPr lang="en-US" baseline="0" dirty="0" smtClean="0"/>
+              <a:t> </a:t>
+            </a:r>
+            <a:r>
+              <a:rPr lang="en-US" baseline="0" dirty="0" err="1" smtClean="0"/>
+              <a:t>trang</a:t>
+            </a:r>
+            <a:r>
+              <a:rPr lang="en-US" baseline="0" dirty="0" smtClean="0"/>
+              <a:t> web</a:t>
+            </a:r>
+          </a:p>
+          <a:p>
+            <a:pPr marL="171450" indent="-171450">
+              <a:buFontTx/>
+              <a:buChar char="-"/>
+            </a:pPr>
+            <a:r>
+              <a:rPr lang="en-US" baseline="0" dirty="0" smtClean="0"/>
+              <a:t>Team </a:t>
+            </a:r>
+            <a:r>
+              <a:rPr lang="en-US" baseline="0" dirty="0" err="1" smtClean="0"/>
+              <a:t>phải</a:t>
+            </a:r>
+            <a:r>
+              <a:rPr lang="en-US" baseline="0" dirty="0" smtClean="0"/>
+              <a:t> </a:t>
+            </a:r>
+            <a:r>
+              <a:rPr lang="en-US" baseline="0" dirty="0" err="1" smtClean="0"/>
+              <a:t>cho</a:t>
+            </a:r>
+            <a:r>
+              <a:rPr lang="en-US" baseline="0" dirty="0" smtClean="0"/>
+              <a:t> sleep page </a:t>
+            </a:r>
+            <a:r>
+              <a:rPr lang="en-US" baseline="0" dirty="0" err="1" smtClean="0"/>
+              <a:t>trong</a:t>
+            </a:r>
+            <a:r>
+              <a:rPr lang="en-US" baseline="0" dirty="0" smtClean="0"/>
+              <a:t> </a:t>
+            </a:r>
+            <a:r>
+              <a:rPr lang="en-US" baseline="0" dirty="0" err="1" smtClean="0"/>
+              <a:t>khoảng</a:t>
+            </a:r>
+            <a:r>
+              <a:rPr lang="en-US" baseline="0" dirty="0" smtClean="0"/>
+              <a:t> </a:t>
+            </a:r>
+            <a:r>
+              <a:rPr lang="en-US" baseline="0" dirty="0" err="1" smtClean="0"/>
+              <a:t>thời</a:t>
+            </a:r>
+            <a:r>
+              <a:rPr lang="en-US" baseline="0" dirty="0" smtClean="0"/>
+              <a:t> </a:t>
+            </a:r>
+            <a:r>
+              <a:rPr lang="en-US" baseline="0" dirty="0" err="1" smtClean="0"/>
+              <a:t>gian</a:t>
+            </a:r>
+            <a:r>
+              <a:rPr lang="en-US" baseline="0" dirty="0" smtClean="0"/>
+              <a:t> 10s </a:t>
+            </a:r>
+            <a:r>
+              <a:rPr lang="en-US" baseline="0" dirty="0" err="1" smtClean="0"/>
+              <a:t>trong</a:t>
+            </a:r>
+            <a:r>
+              <a:rPr lang="en-US" baseline="0" dirty="0" smtClean="0"/>
+              <a:t> </a:t>
+            </a:r>
+            <a:r>
+              <a:rPr lang="en-US" baseline="0" dirty="0" err="1" smtClean="0"/>
+              <a:t>mỗi</a:t>
+            </a:r>
+            <a:r>
+              <a:rPr lang="en-US" baseline="0" dirty="0" smtClean="0"/>
+              <a:t> </a:t>
+            </a:r>
+            <a:r>
+              <a:rPr lang="en-US" baseline="0" dirty="0" err="1" smtClean="0"/>
+              <a:t>thao</a:t>
+            </a:r>
+            <a:r>
+              <a:rPr lang="en-US" baseline="0" dirty="0" smtClean="0"/>
+              <a:t> </a:t>
+            </a:r>
+            <a:r>
+              <a:rPr lang="en-US" baseline="0" dirty="0" err="1" smtClean="0"/>
+              <a:t>tác</a:t>
+            </a:r>
+            <a:r>
+              <a:rPr lang="en-US" baseline="0" dirty="0" smtClean="0"/>
+              <a:t> </a:t>
+            </a:r>
+            <a:r>
+              <a:rPr lang="en-US" baseline="0" dirty="0" err="1" smtClean="0"/>
+              <a:t>vì</a:t>
+            </a:r>
+            <a:r>
+              <a:rPr lang="en-US" baseline="0" dirty="0" smtClean="0"/>
+              <a:t> </a:t>
+            </a:r>
+            <a:r>
+              <a:rPr lang="en-US" baseline="0" dirty="0" err="1" smtClean="0"/>
+              <a:t>tùy</a:t>
+            </a:r>
+            <a:r>
+              <a:rPr lang="en-US" baseline="0" dirty="0" smtClean="0"/>
+              <a:t> </a:t>
+            </a:r>
+            <a:r>
+              <a:rPr lang="en-US" baseline="0" dirty="0" err="1" smtClean="0"/>
+              <a:t>theo</a:t>
+            </a:r>
+            <a:r>
+              <a:rPr lang="en-US" baseline="0" dirty="0" smtClean="0"/>
+              <a:t> </a:t>
+            </a:r>
+            <a:r>
+              <a:rPr lang="en-US" baseline="0" dirty="0" err="1" smtClean="0"/>
+              <a:t>tốc</a:t>
+            </a:r>
+            <a:r>
+              <a:rPr lang="en-US" baseline="0" dirty="0" smtClean="0"/>
+              <a:t> </a:t>
+            </a:r>
+            <a:r>
+              <a:rPr lang="en-US" baseline="0" dirty="0" err="1" smtClean="0"/>
+              <a:t>độ</a:t>
+            </a:r>
+            <a:r>
+              <a:rPr lang="en-US" baseline="0" dirty="0" smtClean="0"/>
+              <a:t> </a:t>
+            </a:r>
+            <a:r>
+              <a:rPr lang="en-US" baseline="0" dirty="0" err="1" smtClean="0"/>
+              <a:t>mạng</a:t>
+            </a:r>
+            <a:r>
+              <a:rPr lang="en-US" baseline="0" dirty="0" smtClean="0"/>
+              <a:t> </a:t>
+            </a:r>
+            <a:r>
+              <a:rPr lang="en-US" baseline="0" dirty="0" err="1" smtClean="0"/>
+              <a:t>mà</a:t>
+            </a:r>
+            <a:r>
+              <a:rPr lang="en-US" baseline="0" dirty="0" smtClean="0"/>
+              <a:t> </a:t>
+            </a:r>
+            <a:r>
+              <a:rPr lang="en-US" baseline="0" dirty="0" err="1" smtClean="0"/>
+              <a:t>nếu</a:t>
+            </a:r>
+            <a:r>
+              <a:rPr lang="en-US" baseline="0" dirty="0" smtClean="0"/>
+              <a:t> page </a:t>
+            </a:r>
+            <a:r>
+              <a:rPr lang="en-US" baseline="0" dirty="0" err="1" smtClean="0"/>
+              <a:t>không</a:t>
+            </a:r>
+            <a:r>
+              <a:rPr lang="en-US" baseline="0" dirty="0" smtClean="0"/>
+              <a:t> sleep </a:t>
+            </a:r>
+            <a:r>
+              <a:rPr lang="en-US" baseline="0" dirty="0" err="1" smtClean="0"/>
+              <a:t>đủ</a:t>
+            </a:r>
+            <a:r>
+              <a:rPr lang="en-US" baseline="0" dirty="0" smtClean="0"/>
+              <a:t> </a:t>
+            </a:r>
+            <a:r>
+              <a:rPr lang="en-US" baseline="0" dirty="0" err="1" smtClean="0"/>
+              <a:t>lâu</a:t>
+            </a:r>
+            <a:r>
+              <a:rPr lang="en-US" baseline="0" dirty="0" smtClean="0"/>
+              <a:t> </a:t>
+            </a:r>
+            <a:r>
+              <a:rPr lang="en-US" baseline="0" dirty="0" err="1" smtClean="0"/>
+              <a:t>sẽ</a:t>
+            </a:r>
+            <a:r>
+              <a:rPr lang="en-US" baseline="0" dirty="0" smtClean="0"/>
+              <a:t> </a:t>
+            </a:r>
+            <a:r>
+              <a:rPr lang="en-US" baseline="0" dirty="0" err="1" smtClean="0"/>
+              <a:t>làm</a:t>
+            </a:r>
+            <a:r>
+              <a:rPr lang="en-US" baseline="0" dirty="0" smtClean="0"/>
+              <a:t> </a:t>
+            </a:r>
+            <a:r>
+              <a:rPr lang="en-US" baseline="0" dirty="0" err="1" smtClean="0"/>
+              <a:t>ngắt</a:t>
+            </a:r>
+            <a:r>
+              <a:rPr lang="en-US" baseline="0" dirty="0" smtClean="0"/>
+              <a:t> </a:t>
+            </a:r>
+            <a:r>
+              <a:rPr lang="en-US" baseline="0" dirty="0" err="1" smtClean="0"/>
+              <a:t>quãng</a:t>
+            </a:r>
+            <a:r>
+              <a:rPr lang="en-US" baseline="0" dirty="0" smtClean="0"/>
+              <a:t> </a:t>
+            </a:r>
+            <a:r>
+              <a:rPr lang="en-US" baseline="0" dirty="0" err="1" smtClean="0"/>
+              <a:t>quá</a:t>
+            </a:r>
+            <a:r>
+              <a:rPr lang="en-US" baseline="0" dirty="0" smtClean="0"/>
+              <a:t> </a:t>
+            </a:r>
+            <a:r>
+              <a:rPr lang="en-US" baseline="0" dirty="0" err="1" smtClean="0"/>
+              <a:t>trình</a:t>
+            </a:r>
+            <a:r>
+              <a:rPr lang="en-US" baseline="0" dirty="0" smtClean="0"/>
+              <a:t> crawler</a:t>
+            </a:r>
+          </a:p>
+          <a:p>
+            <a:pPr marL="171450" indent="-171450">
+              <a:buFontTx/>
+              <a:buChar char="-"/>
+            </a:pPr>
+            <a:endParaRPr lang="en-US" dirty="0"/>
+          </a:p>
+        </p:txBody>
+      </p:sp>
+      <p:sp>
+        <p:nvSpPr>
+          <p:cNvPr id="4" name="Slide Number Placeholder 3"/>
+          <p:cNvSpPr>
+            <a:spLocks noGrp="1"/>
+          </p:cNvSpPr>
+          <p:nvPr>
+            <p:ph type="sldNum" sz="quarter" idx="10"/>
+          </p:nvPr>
+        </p:nvSpPr>
+        <p:spPr/>
+        <p:txBody>
+          <a:bodyPr/>
+          <a:lstStyle/>
+          <a:p>
+            <a:fld id="{918CCA95-4F40-4CDD-BF1E-B8C9EB86EE73}" type="slidenum">
+              <a:rPr lang="en-US" smtClean="0"/>
+              <a:t>7</a:t>
+            </a:fld>
+            <a:endParaRPr lang="en-US"/>
+          </a:p>
+        </p:txBody>
+      </p:sp>
+    </p:spTree>
+    <p:extLst>
+      <p:ext uri="{BB962C8B-B14F-4D97-AF65-F5344CB8AC3E}">
+        <p14:creationId xmlns:p14="http://schemas.microsoft.com/office/powerpoint/2010/main" val="2127889650"/>
       </p:ext>
     </p:extLst>
   </p:cSld>
@@ -5435,6 +7885,1291 @@
         </p:nvSpPr>
         <p:spPr>
           <a:xfrm>
+            <a:off x="2501153" y="575123"/>
+            <a:ext cx="7792518" cy="954107"/>
+          </a:xfrm>
+          <a:prstGeom prst="rect">
+            <a:avLst/>
+          </a:prstGeom>
+          <a:noFill/>
+        </p:spPr>
+        <p:txBody>
+          <a:bodyPr wrap="none" rtlCol="0">
+            <a:spAutoFit/>
+          </a:bodyPr>
+          <a:lstStyle/>
+          <a:p>
+            <a:r>
+              <a:rPr lang="en-US" sz="2800" b="1" u="sng" dirty="0">
+                <a:solidFill>
+                  <a:schemeClr val="accent3">
+                    <a:lumMod val="60000"/>
+                    <a:lumOff val="40000"/>
+                  </a:schemeClr>
+                </a:solidFill>
+              </a:rPr>
+              <a:t>3. Crawler </a:t>
+            </a:r>
+            <a:r>
+              <a:rPr lang="en-US" sz="2800" b="1" u="sng" dirty="0" err="1">
+                <a:solidFill>
+                  <a:schemeClr val="accent3">
+                    <a:lumMod val="60000"/>
+                    <a:lumOff val="40000"/>
+                  </a:schemeClr>
+                </a:solidFill>
+              </a:rPr>
+              <a:t>thu</a:t>
+            </a:r>
+            <a:r>
+              <a:rPr lang="en-US" sz="2800" b="1" u="sng" dirty="0">
+                <a:solidFill>
+                  <a:schemeClr val="accent3">
+                    <a:lumMod val="60000"/>
+                    <a:lumOff val="40000"/>
+                  </a:schemeClr>
+                </a:solidFill>
+              </a:rPr>
+              <a:t> </a:t>
+            </a:r>
+            <a:r>
+              <a:rPr lang="en-US" sz="2800" b="1" u="sng" dirty="0" err="1">
+                <a:solidFill>
+                  <a:schemeClr val="accent3">
+                    <a:lumMod val="60000"/>
+                    <a:lumOff val="40000"/>
+                  </a:schemeClr>
+                </a:solidFill>
+              </a:rPr>
+              <a:t>thập</a:t>
+            </a:r>
+            <a:r>
+              <a:rPr lang="en-US" sz="2800" b="1" u="sng" dirty="0">
+                <a:solidFill>
+                  <a:schemeClr val="accent3">
+                    <a:lumMod val="60000"/>
+                    <a:lumOff val="40000"/>
+                  </a:schemeClr>
+                </a:solidFill>
+              </a:rPr>
+              <a:t> </a:t>
+            </a:r>
+            <a:r>
+              <a:rPr lang="en-US" sz="2800" b="1" u="sng" dirty="0" err="1">
+                <a:solidFill>
+                  <a:schemeClr val="accent3">
+                    <a:lumMod val="60000"/>
+                    <a:lumOff val="40000"/>
+                  </a:schemeClr>
+                </a:solidFill>
+              </a:rPr>
+              <a:t>bài</a:t>
+            </a:r>
+            <a:r>
+              <a:rPr lang="en-US" sz="2800" b="1" u="sng" dirty="0">
+                <a:solidFill>
+                  <a:schemeClr val="accent3">
+                    <a:lumMod val="60000"/>
+                    <a:lumOff val="40000"/>
+                  </a:schemeClr>
+                </a:solidFill>
+              </a:rPr>
+              <a:t> </a:t>
+            </a:r>
+            <a:r>
+              <a:rPr lang="en-US" sz="2800" b="1" u="sng" dirty="0" err="1">
+                <a:solidFill>
+                  <a:schemeClr val="accent3">
+                    <a:lumMod val="60000"/>
+                    <a:lumOff val="40000"/>
+                  </a:schemeClr>
+                </a:solidFill>
+              </a:rPr>
+              <a:t>báo</a:t>
+            </a:r>
+            <a:r>
+              <a:rPr lang="en-US" sz="2800" b="1" u="sng" dirty="0">
+                <a:solidFill>
+                  <a:schemeClr val="accent3">
+                    <a:lumMod val="60000"/>
+                    <a:lumOff val="40000"/>
+                  </a:schemeClr>
+                </a:solidFill>
+              </a:rPr>
+              <a:t> </a:t>
+            </a:r>
+            <a:r>
+              <a:rPr lang="en-US" sz="2800" b="1" u="sng" dirty="0" err="1">
+                <a:solidFill>
+                  <a:schemeClr val="accent3">
+                    <a:lumMod val="60000"/>
+                    <a:lumOff val="40000"/>
+                  </a:schemeClr>
+                </a:solidFill>
+              </a:rPr>
+              <a:t>và</a:t>
+            </a:r>
+            <a:r>
+              <a:rPr lang="en-US" sz="2800" b="1" u="sng" dirty="0">
+                <a:solidFill>
+                  <a:schemeClr val="accent3">
+                    <a:lumMod val="60000"/>
+                    <a:lumOff val="40000"/>
+                  </a:schemeClr>
+                </a:solidFill>
+              </a:rPr>
+              <a:t> </a:t>
+            </a:r>
+            <a:r>
+              <a:rPr lang="en-US" sz="2800" b="1" u="sng" dirty="0" err="1">
+                <a:solidFill>
+                  <a:schemeClr val="accent3">
+                    <a:lumMod val="60000"/>
+                    <a:lumOff val="40000"/>
+                  </a:schemeClr>
+                </a:solidFill>
+              </a:rPr>
+              <a:t>bình</a:t>
+            </a:r>
+            <a:r>
+              <a:rPr lang="en-US" sz="2800" b="1" u="sng" dirty="0">
+                <a:solidFill>
+                  <a:schemeClr val="accent3">
+                    <a:lumMod val="60000"/>
+                    <a:lumOff val="40000"/>
+                  </a:schemeClr>
+                </a:solidFill>
+              </a:rPr>
+              <a:t> </a:t>
+            </a:r>
+            <a:r>
+              <a:rPr lang="en-US" sz="2800" b="1" u="sng" dirty="0" err="1">
+                <a:solidFill>
+                  <a:schemeClr val="accent3">
+                    <a:lumMod val="60000"/>
+                    <a:lumOff val="40000"/>
+                  </a:schemeClr>
+                </a:solidFill>
+              </a:rPr>
+              <a:t>luận</a:t>
+            </a:r>
+            <a:r>
+              <a:rPr lang="en-US" sz="2800" b="1" u="sng" dirty="0">
+                <a:solidFill>
+                  <a:schemeClr val="accent3">
+                    <a:lumMod val="60000"/>
+                    <a:lumOff val="40000"/>
+                  </a:schemeClr>
+                </a:solidFill>
+              </a:rPr>
+              <a:t> </a:t>
+            </a:r>
+            <a:r>
+              <a:rPr lang="en-US" sz="2800" b="1" u="sng" dirty="0" err="1">
+                <a:solidFill>
+                  <a:schemeClr val="accent3">
+                    <a:lumMod val="60000"/>
+                    <a:lumOff val="40000"/>
+                  </a:schemeClr>
+                </a:solidFill>
+              </a:rPr>
+              <a:t>của</a:t>
+            </a:r>
+            <a:r>
+              <a:rPr lang="en-US" sz="2800" b="1" u="sng" dirty="0">
+                <a:solidFill>
+                  <a:schemeClr val="accent3">
+                    <a:lumMod val="60000"/>
+                    <a:lumOff val="40000"/>
+                  </a:schemeClr>
+                </a:solidFill>
+              </a:rPr>
+              <a:t> </a:t>
+            </a:r>
+          </a:p>
+          <a:p>
+            <a:r>
+              <a:rPr lang="en-US" sz="2800" b="1" u="sng" dirty="0" err="1">
+                <a:solidFill>
+                  <a:schemeClr val="accent3">
+                    <a:lumMod val="60000"/>
+                    <a:lumOff val="40000"/>
+                  </a:schemeClr>
+                </a:solidFill>
+              </a:rPr>
+              <a:t>bài</a:t>
+            </a:r>
+            <a:r>
+              <a:rPr lang="en-US" sz="2800" b="1" u="sng" dirty="0">
+                <a:solidFill>
+                  <a:schemeClr val="accent3">
+                    <a:lumMod val="60000"/>
+                    <a:lumOff val="40000"/>
+                  </a:schemeClr>
+                </a:solidFill>
+              </a:rPr>
+              <a:t> </a:t>
+            </a:r>
+            <a:r>
+              <a:rPr lang="en-US" sz="2800" b="1" u="sng" dirty="0" err="1">
+                <a:solidFill>
+                  <a:schemeClr val="accent3">
+                    <a:lumMod val="60000"/>
+                    <a:lumOff val="40000"/>
+                  </a:schemeClr>
+                </a:solidFill>
+              </a:rPr>
+              <a:t>báo</a:t>
+            </a:r>
+            <a:r>
+              <a:rPr lang="en-US" sz="2800" b="1" u="sng" dirty="0">
+                <a:solidFill>
+                  <a:schemeClr val="accent3">
+                    <a:lumMod val="60000"/>
+                    <a:lumOff val="40000"/>
+                  </a:schemeClr>
+                </a:solidFill>
+              </a:rPr>
+              <a:t> </a:t>
+            </a:r>
+            <a:r>
+              <a:rPr lang="en-US" sz="2800" b="1" u="sng" dirty="0" err="1">
+                <a:solidFill>
+                  <a:schemeClr val="accent3">
+                    <a:lumMod val="60000"/>
+                    <a:lumOff val="40000"/>
+                  </a:schemeClr>
+                </a:solidFill>
+              </a:rPr>
+              <a:t>điện</a:t>
+            </a:r>
+            <a:r>
+              <a:rPr lang="en-US" sz="2800" b="1" u="sng" dirty="0">
+                <a:solidFill>
+                  <a:schemeClr val="accent3">
+                    <a:lumMod val="60000"/>
+                    <a:lumOff val="40000"/>
+                  </a:schemeClr>
+                </a:solidFill>
+              </a:rPr>
+              <a:t> </a:t>
+            </a:r>
+            <a:r>
+              <a:rPr lang="en-US" sz="2800" b="1" u="sng" dirty="0" err="1">
+                <a:solidFill>
+                  <a:schemeClr val="accent3">
+                    <a:lumMod val="60000"/>
+                    <a:lumOff val="40000"/>
+                  </a:schemeClr>
+                </a:solidFill>
+              </a:rPr>
+              <a:t>tử</a:t>
+            </a:r>
+            <a:endParaRPr lang="en-US" sz="2800" b="1" u="sng" dirty="0">
+              <a:solidFill>
+                <a:schemeClr val="accent3">
+                  <a:lumMod val="60000"/>
+                  <a:lumOff val="40000"/>
+                </a:schemeClr>
+              </a:solidFill>
+            </a:endParaRPr>
+          </a:p>
+        </p:txBody>
+      </p:sp>
+      <p:pic>
+        <p:nvPicPr>
+          <p:cNvPr id="3074" name="Picture 2">
+            <a:extLst>
+              <a:ext uri="{FF2B5EF4-FFF2-40B4-BE49-F238E27FC236}">
+                <a16:creationId xmlns:a16="http://schemas.microsoft.com/office/drawing/2014/main" id="{96022CBE-0327-4C02-80DA-A020C755840E}"/>
+              </a:ext>
+            </a:extLst>
+          </p:cNvPr>
+          <p:cNvPicPr>
+            <a:picLocks noChangeAspect="1" noChangeArrowheads="1"/>
+          </p:cNvPicPr>
+          <p:nvPr/>
+        </p:nvPicPr>
+        <p:blipFill>
+          <a:blip r:embed="rId2">
+            <a:extLst>
+              <a:ext uri="{28A0092B-C50C-407E-A947-70E740481C1C}">
+                <a14:useLocalDpi xmlns:a14="http://schemas.microsoft.com/office/drawing/2010/main" val="0"/>
+              </a:ext>
+            </a:extLst>
+          </a:blip>
+          <a:srcRect/>
+          <a:stretch>
+            <a:fillRect/>
+          </a:stretch>
+        </p:blipFill>
+        <p:spPr bwMode="auto">
+          <a:xfrm>
+            <a:off x="2587412" y="1996627"/>
+            <a:ext cx="7620000" cy="4286250"/>
+          </a:xfrm>
+          <a:prstGeom prst="rect">
+            <a:avLst/>
+          </a:prstGeom>
+          <a:noFill/>
+          <a:extLst>
+            <a:ext uri="{909E8E84-426E-40DD-AFC4-6F175D3DCCD1}">
+              <a14:hiddenFill xmlns:a14="http://schemas.microsoft.com/office/drawing/2010/main">
+                <a:solidFill>
+                  <a:srgbClr val="FFFFFF"/>
+                </a:solidFill>
+              </a14:hiddenFill>
+            </a:ext>
+          </a:extLst>
+        </p:spPr>
+      </p:pic>
+      <p:sp>
+        <p:nvSpPr>
+          <p:cNvPr id="5" name="Hộp Văn bản 4">
+            <a:extLst>
+              <a:ext uri="{FF2B5EF4-FFF2-40B4-BE49-F238E27FC236}">
+                <a16:creationId xmlns:a16="http://schemas.microsoft.com/office/drawing/2014/main" id="{91536783-BA32-45C3-B3AB-BBAAF87BC5C2}"/>
+              </a:ext>
+            </a:extLst>
+          </p:cNvPr>
+          <p:cNvSpPr txBox="1"/>
+          <p:nvPr/>
+        </p:nvSpPr>
+        <p:spPr>
+          <a:xfrm>
+            <a:off x="2517883" y="1676727"/>
+            <a:ext cx="7862047" cy="276999"/>
+          </a:xfrm>
+          <a:prstGeom prst="rect">
+            <a:avLst/>
+          </a:prstGeom>
+          <a:noFill/>
+        </p:spPr>
+        <p:txBody>
+          <a:bodyPr wrap="square">
+            <a:spAutoFit/>
+          </a:bodyPr>
+          <a:lstStyle/>
+          <a:p>
+            <a:r>
+              <a:rPr lang="en-US" sz="1200" dirty="0"/>
+              <a:t>https://vnexpress.net/hung-dung-viet-nam-tran-trong-tung-tran-o-vong-loai-world-cup-4442124.html</a:t>
+            </a:r>
+          </a:p>
+        </p:txBody>
+      </p:sp>
+    </p:spTree>
+    <p:extLst>
+      <p:ext uri="{BB962C8B-B14F-4D97-AF65-F5344CB8AC3E}">
+        <p14:creationId xmlns:p14="http://schemas.microsoft.com/office/powerpoint/2010/main" val="2717933126"/>
+      </p:ext>
+    </p:extLst>
+  </p:cSld>
+  <p:clrMapOvr>
+    <a:masterClrMapping/>
+  </p:clrMapOvr>
+</p:sld>
+</file>
+
+<file path=ppt/slides/slide11.xml><?xml version="1.0" encoding="utf-8"?>
+<p:sld xmlns:a="http://schemas.openxmlformats.org/drawingml/2006/main" xmlns:r="http://schemas.openxmlformats.org/officeDocument/2006/relationships" xmlns:p="http://schemas.openxmlformats.org/presentationml/2006/main">
+  <p:cSld>
+    <p:spTree>
+      <p:nvGrpSpPr>
+        <p:cNvPr id="1" name=""/>
+        <p:cNvGrpSpPr/>
+        <p:nvPr/>
+      </p:nvGrpSpPr>
+      <p:grpSpPr>
+        <a:xfrm>
+          <a:off x="0" y="0"/>
+          <a:ext cx="0" cy="0"/>
+          <a:chOff x="0" y="0"/>
+          <a:chExt cx="0" cy="0"/>
+        </a:xfrm>
+      </p:grpSpPr>
+      <p:sp>
+        <p:nvSpPr>
+          <p:cNvPr id="3" name="Hộp Văn bản 2">
+            <a:extLst>
+              <a:ext uri="{FF2B5EF4-FFF2-40B4-BE49-F238E27FC236}">
+                <a16:creationId xmlns:a16="http://schemas.microsoft.com/office/drawing/2014/main" id="{4D67213D-27DA-4A36-873A-A200D9E83F15}"/>
+              </a:ext>
+            </a:extLst>
+          </p:cNvPr>
+          <p:cNvSpPr txBox="1"/>
+          <p:nvPr/>
+        </p:nvSpPr>
+        <p:spPr>
+          <a:xfrm>
+            <a:off x="986118" y="0"/>
+            <a:ext cx="10390094" cy="523220"/>
+          </a:xfrm>
+          <a:prstGeom prst="rect">
+            <a:avLst/>
+          </a:prstGeom>
+          <a:noFill/>
+        </p:spPr>
+        <p:txBody>
+          <a:bodyPr wrap="square" rtlCol="0">
+            <a:spAutoFit/>
+          </a:bodyPr>
+          <a:lstStyle/>
+          <a:p>
+            <a:r>
+              <a:rPr lang="en-US" sz="2800" b="1" u="sng" dirty="0">
+                <a:solidFill>
+                  <a:schemeClr val="accent3">
+                    <a:lumMod val="60000"/>
+                    <a:lumOff val="40000"/>
+                  </a:schemeClr>
+                </a:solidFill>
+              </a:rPr>
+              <a:t>3. Crawler </a:t>
+            </a:r>
+            <a:r>
+              <a:rPr lang="en-US" sz="2800" b="1" u="sng" dirty="0" err="1">
+                <a:solidFill>
+                  <a:schemeClr val="accent3">
+                    <a:lumMod val="60000"/>
+                    <a:lumOff val="40000"/>
+                  </a:schemeClr>
+                </a:solidFill>
+              </a:rPr>
+              <a:t>thu</a:t>
+            </a:r>
+            <a:r>
+              <a:rPr lang="en-US" sz="2800" b="1" u="sng" dirty="0">
+                <a:solidFill>
+                  <a:schemeClr val="accent3">
+                    <a:lumMod val="60000"/>
+                    <a:lumOff val="40000"/>
+                  </a:schemeClr>
+                </a:solidFill>
+              </a:rPr>
+              <a:t> </a:t>
+            </a:r>
+            <a:r>
+              <a:rPr lang="en-US" sz="2800" b="1" u="sng" dirty="0" err="1">
+                <a:solidFill>
+                  <a:schemeClr val="accent3">
+                    <a:lumMod val="60000"/>
+                    <a:lumOff val="40000"/>
+                  </a:schemeClr>
+                </a:solidFill>
+              </a:rPr>
+              <a:t>thập</a:t>
+            </a:r>
+            <a:r>
+              <a:rPr lang="en-US" sz="2800" b="1" u="sng" dirty="0">
+                <a:solidFill>
+                  <a:schemeClr val="accent3">
+                    <a:lumMod val="60000"/>
+                    <a:lumOff val="40000"/>
+                  </a:schemeClr>
+                </a:solidFill>
+              </a:rPr>
+              <a:t> </a:t>
+            </a:r>
+            <a:r>
+              <a:rPr lang="en-US" sz="2800" b="1" u="sng" dirty="0" err="1">
+                <a:solidFill>
+                  <a:schemeClr val="accent3">
+                    <a:lumMod val="60000"/>
+                    <a:lumOff val="40000"/>
+                  </a:schemeClr>
+                </a:solidFill>
+              </a:rPr>
+              <a:t>bài</a:t>
+            </a:r>
+            <a:r>
+              <a:rPr lang="en-US" sz="2800" b="1" u="sng" dirty="0">
+                <a:solidFill>
+                  <a:schemeClr val="accent3">
+                    <a:lumMod val="60000"/>
+                    <a:lumOff val="40000"/>
+                  </a:schemeClr>
+                </a:solidFill>
+              </a:rPr>
+              <a:t> </a:t>
+            </a:r>
+            <a:r>
+              <a:rPr lang="en-US" sz="2800" b="1" u="sng" dirty="0" err="1">
+                <a:solidFill>
+                  <a:schemeClr val="accent3">
+                    <a:lumMod val="60000"/>
+                    <a:lumOff val="40000"/>
+                  </a:schemeClr>
+                </a:solidFill>
+              </a:rPr>
+              <a:t>báo</a:t>
+            </a:r>
+            <a:r>
+              <a:rPr lang="en-US" sz="2800" b="1" u="sng" dirty="0">
+                <a:solidFill>
+                  <a:schemeClr val="accent3">
+                    <a:lumMod val="60000"/>
+                    <a:lumOff val="40000"/>
+                  </a:schemeClr>
+                </a:solidFill>
+              </a:rPr>
+              <a:t> </a:t>
+            </a:r>
+            <a:r>
+              <a:rPr lang="en-US" sz="2800" b="1" u="sng" dirty="0" err="1">
+                <a:solidFill>
+                  <a:schemeClr val="accent3">
+                    <a:lumMod val="60000"/>
+                    <a:lumOff val="40000"/>
+                  </a:schemeClr>
+                </a:solidFill>
+              </a:rPr>
+              <a:t>và</a:t>
+            </a:r>
+            <a:r>
+              <a:rPr lang="en-US" sz="2800" b="1" u="sng" dirty="0">
+                <a:solidFill>
+                  <a:schemeClr val="accent3">
+                    <a:lumMod val="60000"/>
+                    <a:lumOff val="40000"/>
+                  </a:schemeClr>
+                </a:solidFill>
+              </a:rPr>
+              <a:t> </a:t>
+            </a:r>
+            <a:r>
+              <a:rPr lang="en-US" sz="2800" b="1" u="sng" dirty="0" err="1">
+                <a:solidFill>
+                  <a:schemeClr val="accent3">
+                    <a:lumMod val="60000"/>
+                    <a:lumOff val="40000"/>
+                  </a:schemeClr>
+                </a:solidFill>
+              </a:rPr>
+              <a:t>bình</a:t>
+            </a:r>
+            <a:r>
+              <a:rPr lang="en-US" sz="2800" b="1" u="sng" dirty="0">
+                <a:solidFill>
+                  <a:schemeClr val="accent3">
+                    <a:lumMod val="60000"/>
+                    <a:lumOff val="40000"/>
+                  </a:schemeClr>
+                </a:solidFill>
+              </a:rPr>
+              <a:t> </a:t>
+            </a:r>
+            <a:r>
+              <a:rPr lang="en-US" sz="2800" b="1" u="sng" dirty="0" err="1">
+                <a:solidFill>
+                  <a:schemeClr val="accent3">
+                    <a:lumMod val="60000"/>
+                    <a:lumOff val="40000"/>
+                  </a:schemeClr>
+                </a:solidFill>
+              </a:rPr>
+              <a:t>luận</a:t>
+            </a:r>
+            <a:r>
+              <a:rPr lang="en-US" sz="2800" b="1" u="sng" dirty="0">
+                <a:solidFill>
+                  <a:schemeClr val="accent3">
+                    <a:lumMod val="60000"/>
+                    <a:lumOff val="40000"/>
+                  </a:schemeClr>
+                </a:solidFill>
+              </a:rPr>
+              <a:t> </a:t>
+            </a:r>
+            <a:r>
+              <a:rPr lang="en-US" sz="2800" b="1" u="sng" dirty="0" err="1">
+                <a:solidFill>
+                  <a:schemeClr val="accent3">
+                    <a:lumMod val="60000"/>
+                    <a:lumOff val="40000"/>
+                  </a:schemeClr>
+                </a:solidFill>
+              </a:rPr>
+              <a:t>của</a:t>
+            </a:r>
+            <a:r>
+              <a:rPr lang="en-US" sz="2800" b="1" u="sng" dirty="0">
+                <a:solidFill>
+                  <a:schemeClr val="accent3">
+                    <a:lumMod val="60000"/>
+                    <a:lumOff val="40000"/>
+                  </a:schemeClr>
+                </a:solidFill>
+              </a:rPr>
+              <a:t> </a:t>
+            </a:r>
+            <a:r>
+              <a:rPr lang="en-US" sz="2800" b="1" u="sng" dirty="0" err="1">
+                <a:solidFill>
+                  <a:schemeClr val="accent3">
+                    <a:lumMod val="60000"/>
+                    <a:lumOff val="40000"/>
+                  </a:schemeClr>
+                </a:solidFill>
+              </a:rPr>
+              <a:t>bài</a:t>
+            </a:r>
+            <a:r>
+              <a:rPr lang="en-US" sz="2800" b="1" u="sng" dirty="0">
+                <a:solidFill>
+                  <a:schemeClr val="accent3">
+                    <a:lumMod val="60000"/>
+                    <a:lumOff val="40000"/>
+                  </a:schemeClr>
+                </a:solidFill>
+              </a:rPr>
+              <a:t> </a:t>
+            </a:r>
+            <a:r>
+              <a:rPr lang="en-US" sz="2800" b="1" u="sng" dirty="0" err="1">
+                <a:solidFill>
+                  <a:schemeClr val="accent3">
+                    <a:lumMod val="60000"/>
+                    <a:lumOff val="40000"/>
+                  </a:schemeClr>
+                </a:solidFill>
+              </a:rPr>
+              <a:t>báo</a:t>
+            </a:r>
+            <a:r>
+              <a:rPr lang="en-US" sz="2800" b="1" u="sng" dirty="0">
+                <a:solidFill>
+                  <a:schemeClr val="accent3">
+                    <a:lumMod val="60000"/>
+                    <a:lumOff val="40000"/>
+                  </a:schemeClr>
+                </a:solidFill>
+              </a:rPr>
+              <a:t> </a:t>
+            </a:r>
+            <a:r>
+              <a:rPr lang="en-US" sz="2800" b="1" u="sng" dirty="0" err="1">
+                <a:solidFill>
+                  <a:schemeClr val="accent3">
+                    <a:lumMod val="60000"/>
+                    <a:lumOff val="40000"/>
+                  </a:schemeClr>
+                </a:solidFill>
+              </a:rPr>
+              <a:t>điện</a:t>
+            </a:r>
+            <a:r>
+              <a:rPr lang="en-US" sz="2800" b="1" u="sng" dirty="0">
+                <a:solidFill>
+                  <a:schemeClr val="accent3">
+                    <a:lumMod val="60000"/>
+                    <a:lumOff val="40000"/>
+                  </a:schemeClr>
+                </a:solidFill>
+              </a:rPr>
+              <a:t> </a:t>
+            </a:r>
+            <a:r>
+              <a:rPr lang="en-US" sz="2800" b="1" u="sng" dirty="0" err="1">
+                <a:solidFill>
+                  <a:schemeClr val="accent3">
+                    <a:lumMod val="60000"/>
+                    <a:lumOff val="40000"/>
+                  </a:schemeClr>
+                </a:solidFill>
+              </a:rPr>
+              <a:t>tử</a:t>
+            </a:r>
+            <a:endParaRPr lang="en-US" sz="2800" b="1" u="sng" dirty="0">
+              <a:solidFill>
+                <a:schemeClr val="accent3">
+                  <a:lumMod val="60000"/>
+                  <a:lumOff val="40000"/>
+                </a:schemeClr>
+              </a:solidFill>
+            </a:endParaRPr>
+          </a:p>
+        </p:txBody>
+      </p:sp>
+      <p:pic>
+        <p:nvPicPr>
+          <p:cNvPr id="6146" name="Picture 2" descr="image">
+            <a:extLst>
+              <a:ext uri="{FF2B5EF4-FFF2-40B4-BE49-F238E27FC236}">
+                <a16:creationId xmlns:a16="http://schemas.microsoft.com/office/drawing/2014/main" id="{8488CBC5-F872-4051-AB5F-511C18EDEAB2}"/>
+              </a:ext>
+            </a:extLst>
+          </p:cNvPr>
+          <p:cNvPicPr>
+            <a:picLocks noChangeAspect="1" noChangeArrowheads="1"/>
+          </p:cNvPicPr>
+          <p:nvPr/>
+        </p:nvPicPr>
+        <p:blipFill>
+          <a:blip r:embed="rId2">
+            <a:extLst>
+              <a:ext uri="{28A0092B-C50C-407E-A947-70E740481C1C}">
+                <a14:useLocalDpi xmlns:a14="http://schemas.microsoft.com/office/drawing/2010/main" val="0"/>
+              </a:ext>
+            </a:extLst>
+          </a:blip>
+          <a:srcRect/>
+          <a:stretch>
+            <a:fillRect/>
+          </a:stretch>
+        </p:blipFill>
+        <p:spPr bwMode="auto">
+          <a:xfrm>
+            <a:off x="2268423" y="725103"/>
+            <a:ext cx="5524500" cy="866775"/>
+          </a:xfrm>
+          <a:prstGeom prst="rect">
+            <a:avLst/>
+          </a:prstGeom>
+          <a:noFill/>
+          <a:extLst>
+            <a:ext uri="{909E8E84-426E-40DD-AFC4-6F175D3DCCD1}">
+              <a14:hiddenFill xmlns:a14="http://schemas.microsoft.com/office/drawing/2010/main">
+                <a:solidFill>
+                  <a:srgbClr val="FFFFFF"/>
+                </a:solidFill>
+              </a14:hiddenFill>
+            </a:ext>
+          </a:extLst>
+        </p:spPr>
+      </p:pic>
+      <p:sp>
+        <p:nvSpPr>
+          <p:cNvPr id="2" name="Hộp Văn bản 1">
+            <a:extLst>
+              <a:ext uri="{FF2B5EF4-FFF2-40B4-BE49-F238E27FC236}">
+                <a16:creationId xmlns:a16="http://schemas.microsoft.com/office/drawing/2014/main" id="{21210307-FE84-4D2A-BD64-AED03BE00EF3}"/>
+              </a:ext>
+            </a:extLst>
+          </p:cNvPr>
+          <p:cNvSpPr txBox="1"/>
+          <p:nvPr/>
+        </p:nvSpPr>
+        <p:spPr>
+          <a:xfrm>
+            <a:off x="1083483" y="946520"/>
+            <a:ext cx="620683" cy="369332"/>
+          </a:xfrm>
+          <a:prstGeom prst="rect">
+            <a:avLst/>
+          </a:prstGeom>
+          <a:noFill/>
+        </p:spPr>
+        <p:txBody>
+          <a:bodyPr wrap="none" rtlCol="0">
+            <a:spAutoFit/>
+          </a:bodyPr>
+          <a:lstStyle/>
+          <a:p>
+            <a:r>
+              <a:rPr lang="en-US" u="sng" dirty="0"/>
+              <a:t>Title</a:t>
+            </a:r>
+          </a:p>
+        </p:txBody>
+      </p:sp>
+      <p:pic>
+        <p:nvPicPr>
+          <p:cNvPr id="6150" name="Picture 6" descr="image">
+            <a:extLst>
+              <a:ext uri="{FF2B5EF4-FFF2-40B4-BE49-F238E27FC236}">
+                <a16:creationId xmlns:a16="http://schemas.microsoft.com/office/drawing/2014/main" id="{2290D740-82D1-42BE-AB34-38F4F9D54CAC}"/>
+              </a:ext>
+            </a:extLst>
+          </p:cNvPr>
+          <p:cNvPicPr>
+            <a:picLocks noChangeAspect="1" noChangeArrowheads="1"/>
+          </p:cNvPicPr>
+          <p:nvPr/>
+        </p:nvPicPr>
+        <p:blipFill rotWithShape="1">
+          <a:blip r:embed="rId3">
+            <a:extLst>
+              <a:ext uri="{28A0092B-C50C-407E-A947-70E740481C1C}">
+                <a14:useLocalDpi xmlns:a14="http://schemas.microsoft.com/office/drawing/2010/main" val="0"/>
+              </a:ext>
+            </a:extLst>
+          </a:blip>
+          <a:srcRect t="3413"/>
+          <a:stretch/>
+        </p:blipFill>
+        <p:spPr bwMode="auto">
+          <a:xfrm>
+            <a:off x="2268423" y="1731089"/>
+            <a:ext cx="9107789" cy="2230026"/>
+          </a:xfrm>
+          <a:prstGeom prst="rect">
+            <a:avLst/>
+          </a:prstGeom>
+          <a:noFill/>
+          <a:extLst>
+            <a:ext uri="{909E8E84-426E-40DD-AFC4-6F175D3DCCD1}">
+              <a14:hiddenFill xmlns:a14="http://schemas.microsoft.com/office/drawing/2010/main">
+                <a:solidFill>
+                  <a:srgbClr val="FFFFFF"/>
+                </a:solidFill>
+              </a14:hiddenFill>
+            </a:ext>
+          </a:extLst>
+        </p:spPr>
+      </p:pic>
+      <p:sp>
+        <p:nvSpPr>
+          <p:cNvPr id="9" name="Hộp Văn bản 8">
+            <a:extLst>
+              <a:ext uri="{FF2B5EF4-FFF2-40B4-BE49-F238E27FC236}">
+                <a16:creationId xmlns:a16="http://schemas.microsoft.com/office/drawing/2014/main" id="{1F90F26D-0CF4-4704-97DE-8B5A514233D3}"/>
+              </a:ext>
+            </a:extLst>
+          </p:cNvPr>
+          <p:cNvSpPr txBox="1"/>
+          <p:nvPr/>
+        </p:nvSpPr>
+        <p:spPr>
+          <a:xfrm>
+            <a:off x="1083483" y="2630100"/>
+            <a:ext cx="992579" cy="369332"/>
+          </a:xfrm>
+          <a:prstGeom prst="rect">
+            <a:avLst/>
+          </a:prstGeom>
+          <a:noFill/>
+        </p:spPr>
+        <p:txBody>
+          <a:bodyPr wrap="none" rtlCol="0">
+            <a:spAutoFit/>
+          </a:bodyPr>
+          <a:lstStyle/>
+          <a:p>
+            <a:r>
+              <a:rPr lang="en-US" u="sng" dirty="0"/>
+              <a:t>Content</a:t>
+            </a:r>
+          </a:p>
+        </p:txBody>
+      </p:sp>
+      <p:pic>
+        <p:nvPicPr>
+          <p:cNvPr id="6152" name="Picture 8" descr="image">
+            <a:extLst>
+              <a:ext uri="{FF2B5EF4-FFF2-40B4-BE49-F238E27FC236}">
+                <a16:creationId xmlns:a16="http://schemas.microsoft.com/office/drawing/2014/main" id="{4A1CC90B-A492-4C8E-A1C1-90F744575195}"/>
+              </a:ext>
+            </a:extLst>
+          </p:cNvPr>
+          <p:cNvPicPr>
+            <a:picLocks noChangeAspect="1" noChangeArrowheads="1"/>
+          </p:cNvPicPr>
+          <p:nvPr/>
+        </p:nvPicPr>
+        <p:blipFill>
+          <a:blip r:embed="rId4">
+            <a:extLst>
+              <a:ext uri="{28A0092B-C50C-407E-A947-70E740481C1C}">
+                <a14:useLocalDpi xmlns:a14="http://schemas.microsoft.com/office/drawing/2010/main" val="0"/>
+              </a:ext>
+            </a:extLst>
+          </a:blip>
+          <a:srcRect/>
+          <a:stretch>
+            <a:fillRect/>
+          </a:stretch>
+        </p:blipFill>
+        <p:spPr bwMode="auto">
+          <a:xfrm>
+            <a:off x="2268423" y="4084615"/>
+            <a:ext cx="7686622" cy="2524175"/>
+          </a:xfrm>
+          <a:prstGeom prst="rect">
+            <a:avLst/>
+          </a:prstGeom>
+          <a:noFill/>
+          <a:extLst>
+            <a:ext uri="{909E8E84-426E-40DD-AFC4-6F175D3DCCD1}">
+              <a14:hiddenFill xmlns:a14="http://schemas.microsoft.com/office/drawing/2010/main">
+                <a:solidFill>
+                  <a:srgbClr val="FFFFFF"/>
+                </a:solidFill>
+              </a14:hiddenFill>
+            </a:ext>
+          </a:extLst>
+        </p:spPr>
+      </p:pic>
+      <p:sp>
+        <p:nvSpPr>
+          <p:cNvPr id="11" name="Hộp Văn bản 10">
+            <a:extLst>
+              <a:ext uri="{FF2B5EF4-FFF2-40B4-BE49-F238E27FC236}">
+                <a16:creationId xmlns:a16="http://schemas.microsoft.com/office/drawing/2014/main" id="{095BE3D4-8567-4061-B758-D15C331D99BC}"/>
+              </a:ext>
+            </a:extLst>
+          </p:cNvPr>
+          <p:cNvSpPr txBox="1"/>
+          <p:nvPr/>
+        </p:nvSpPr>
+        <p:spPr>
+          <a:xfrm>
+            <a:off x="1083483" y="5106312"/>
+            <a:ext cx="1184940" cy="369332"/>
+          </a:xfrm>
+          <a:prstGeom prst="rect">
+            <a:avLst/>
+          </a:prstGeom>
+          <a:noFill/>
+        </p:spPr>
+        <p:txBody>
+          <a:bodyPr wrap="none" rtlCol="0">
+            <a:spAutoFit/>
+          </a:bodyPr>
+          <a:lstStyle/>
+          <a:p>
+            <a:r>
+              <a:rPr lang="en-US" u="sng" dirty="0"/>
+              <a:t>Comment</a:t>
+            </a:r>
+          </a:p>
+        </p:txBody>
+      </p:sp>
+    </p:spTree>
+    <p:extLst>
+      <p:ext uri="{BB962C8B-B14F-4D97-AF65-F5344CB8AC3E}">
+        <p14:creationId xmlns:p14="http://schemas.microsoft.com/office/powerpoint/2010/main" val="4172044931"/>
+      </p:ext>
+    </p:extLst>
+  </p:cSld>
+  <p:clrMapOvr>
+    <a:masterClrMapping/>
+  </p:clrMapOvr>
+</p:sld>
+</file>
+
+<file path=ppt/slides/slide12.xml><?xml version="1.0" encoding="utf-8"?>
+<p:sld xmlns:a="http://schemas.openxmlformats.org/drawingml/2006/main" xmlns:r="http://schemas.openxmlformats.org/officeDocument/2006/relationships" xmlns:p="http://schemas.openxmlformats.org/presentationml/2006/main">
+  <p:cSld>
+    <p:spTree>
+      <p:nvGrpSpPr>
+        <p:cNvPr id="1" name=""/>
+        <p:cNvGrpSpPr/>
+        <p:nvPr/>
+      </p:nvGrpSpPr>
+      <p:grpSpPr>
+        <a:xfrm>
+          <a:off x="0" y="0"/>
+          <a:ext cx="0" cy="0"/>
+          <a:chOff x="0" y="0"/>
+          <a:chExt cx="0" cy="0"/>
+        </a:xfrm>
+      </p:grpSpPr>
+      <p:sp>
+        <p:nvSpPr>
+          <p:cNvPr id="3" name="Hộp Văn bản 2">
+            <a:extLst>
+              <a:ext uri="{FF2B5EF4-FFF2-40B4-BE49-F238E27FC236}">
+                <a16:creationId xmlns:a16="http://schemas.microsoft.com/office/drawing/2014/main" id="{4D67213D-27DA-4A36-873A-A200D9E83F15}"/>
+              </a:ext>
+            </a:extLst>
+          </p:cNvPr>
+          <p:cNvSpPr txBox="1"/>
+          <p:nvPr/>
+        </p:nvSpPr>
+        <p:spPr>
+          <a:xfrm>
+            <a:off x="2339788" y="735105"/>
+            <a:ext cx="8146782" cy="523220"/>
+          </a:xfrm>
+          <a:prstGeom prst="rect">
+            <a:avLst/>
+          </a:prstGeom>
+          <a:noFill/>
+        </p:spPr>
+        <p:txBody>
+          <a:bodyPr wrap="none" rtlCol="0">
+            <a:spAutoFit/>
+          </a:bodyPr>
+          <a:lstStyle/>
+          <a:p>
+            <a:r>
+              <a:rPr lang="en-US" sz="2800" b="1" u="sng" dirty="0">
+                <a:solidFill>
+                  <a:schemeClr val="accent3">
+                    <a:lumMod val="60000"/>
+                    <a:lumOff val="40000"/>
+                  </a:schemeClr>
+                </a:solidFill>
+              </a:rPr>
+              <a:t>4. Crawler </a:t>
+            </a:r>
+            <a:r>
+              <a:rPr lang="en-US" sz="2800" b="1" u="sng" dirty="0" err="1">
+                <a:solidFill>
+                  <a:schemeClr val="accent3">
+                    <a:lumMod val="60000"/>
+                    <a:lumOff val="40000"/>
+                  </a:schemeClr>
+                </a:solidFill>
+              </a:rPr>
+              <a:t>thu</a:t>
+            </a:r>
+            <a:r>
+              <a:rPr lang="en-US" sz="2800" b="1" u="sng" dirty="0">
+                <a:solidFill>
+                  <a:schemeClr val="accent3">
+                    <a:lumMod val="60000"/>
+                    <a:lumOff val="40000"/>
+                  </a:schemeClr>
+                </a:solidFill>
+              </a:rPr>
+              <a:t> </a:t>
+            </a:r>
+            <a:r>
+              <a:rPr lang="en-US" sz="2800" b="1" u="sng" dirty="0" err="1">
+                <a:solidFill>
+                  <a:schemeClr val="accent3">
+                    <a:lumMod val="60000"/>
+                    <a:lumOff val="40000"/>
+                  </a:schemeClr>
+                </a:solidFill>
+              </a:rPr>
+              <a:t>thập</a:t>
+            </a:r>
+            <a:r>
+              <a:rPr lang="en-US" sz="2800" b="1" u="sng" dirty="0">
+                <a:solidFill>
+                  <a:schemeClr val="accent3">
+                    <a:lumMod val="60000"/>
+                    <a:lumOff val="40000"/>
+                  </a:schemeClr>
+                </a:solidFill>
+              </a:rPr>
+              <a:t> </a:t>
+            </a:r>
+            <a:r>
+              <a:rPr lang="en-US" sz="2800" b="1" u="sng" dirty="0" err="1">
+                <a:solidFill>
+                  <a:schemeClr val="accent3">
+                    <a:lumMod val="60000"/>
+                    <a:lumOff val="40000"/>
+                  </a:schemeClr>
+                </a:solidFill>
+              </a:rPr>
+              <a:t>ảnh</a:t>
+            </a:r>
+            <a:r>
+              <a:rPr lang="en-US" sz="2800" b="1" u="sng" dirty="0">
+                <a:solidFill>
+                  <a:schemeClr val="accent3">
+                    <a:lumMod val="60000"/>
+                    <a:lumOff val="40000"/>
+                  </a:schemeClr>
+                </a:solidFill>
+              </a:rPr>
+              <a:t> </a:t>
+            </a:r>
+            <a:r>
+              <a:rPr lang="en-US" sz="2800" b="1" u="sng" dirty="0" err="1">
+                <a:solidFill>
+                  <a:schemeClr val="accent3">
+                    <a:lumMod val="60000"/>
+                    <a:lumOff val="40000"/>
+                  </a:schemeClr>
+                </a:solidFill>
+              </a:rPr>
+              <a:t>với</a:t>
+            </a:r>
+            <a:r>
+              <a:rPr lang="en-US" sz="2800" b="1" u="sng" dirty="0">
+                <a:solidFill>
+                  <a:schemeClr val="accent3">
+                    <a:lumMod val="60000"/>
+                    <a:lumOff val="40000"/>
+                  </a:schemeClr>
+                </a:solidFill>
+              </a:rPr>
+              <a:t> </a:t>
+            </a:r>
+            <a:r>
+              <a:rPr lang="en-US" sz="2800" b="1" u="sng" dirty="0" err="1">
+                <a:solidFill>
+                  <a:schemeClr val="accent3">
+                    <a:lumMod val="60000"/>
+                    <a:lumOff val="40000"/>
+                  </a:schemeClr>
+                </a:solidFill>
+              </a:rPr>
+              <a:t>từ</a:t>
+            </a:r>
+            <a:r>
+              <a:rPr lang="en-US" sz="2800" b="1" u="sng" dirty="0">
+                <a:solidFill>
+                  <a:schemeClr val="accent3">
+                    <a:lumMod val="60000"/>
+                    <a:lumOff val="40000"/>
+                  </a:schemeClr>
+                </a:solidFill>
+              </a:rPr>
+              <a:t> </a:t>
+            </a:r>
+            <a:r>
+              <a:rPr lang="en-US" sz="2800" b="1" u="sng" dirty="0" err="1">
+                <a:solidFill>
+                  <a:schemeClr val="accent3">
+                    <a:lumMod val="60000"/>
+                    <a:lumOff val="40000"/>
+                  </a:schemeClr>
+                </a:solidFill>
+              </a:rPr>
+              <a:t>khóa</a:t>
+            </a:r>
+            <a:r>
+              <a:rPr lang="en-US" sz="2800" b="1" u="sng" dirty="0">
+                <a:solidFill>
+                  <a:schemeClr val="accent3">
+                    <a:lumMod val="60000"/>
+                    <a:lumOff val="40000"/>
+                  </a:schemeClr>
+                </a:solidFill>
+              </a:rPr>
+              <a:t> </a:t>
+            </a:r>
+            <a:r>
+              <a:rPr lang="en-US" sz="2800" b="1" u="sng" dirty="0" err="1">
+                <a:solidFill>
+                  <a:schemeClr val="accent3">
+                    <a:lumMod val="60000"/>
+                    <a:lumOff val="40000"/>
+                  </a:schemeClr>
+                </a:solidFill>
+              </a:rPr>
+              <a:t>từ</a:t>
+            </a:r>
+            <a:r>
+              <a:rPr lang="en-US" sz="2800" b="1" u="sng" dirty="0">
+                <a:solidFill>
+                  <a:schemeClr val="accent3">
+                    <a:lumMod val="60000"/>
+                    <a:lumOff val="40000"/>
+                  </a:schemeClr>
+                </a:solidFill>
+              </a:rPr>
+              <a:t> Google</a:t>
+            </a:r>
+          </a:p>
+        </p:txBody>
+      </p:sp>
+      <p:sp>
+        <p:nvSpPr>
+          <p:cNvPr id="2" name="Hộp Văn bản 1">
+            <a:extLst>
+              <a:ext uri="{FF2B5EF4-FFF2-40B4-BE49-F238E27FC236}">
+                <a16:creationId xmlns:a16="http://schemas.microsoft.com/office/drawing/2014/main" id="{648CD24C-7BA9-44C3-B176-706E300A7771}"/>
+              </a:ext>
+            </a:extLst>
+          </p:cNvPr>
+          <p:cNvSpPr txBox="1"/>
+          <p:nvPr/>
+        </p:nvSpPr>
+        <p:spPr>
+          <a:xfrm>
+            <a:off x="2339788" y="1506071"/>
+            <a:ext cx="1947969" cy="369332"/>
+          </a:xfrm>
+          <a:prstGeom prst="rect">
+            <a:avLst/>
+          </a:prstGeom>
+          <a:noFill/>
+        </p:spPr>
+        <p:txBody>
+          <a:bodyPr wrap="none" rtlCol="0">
+            <a:spAutoFit/>
+          </a:bodyPr>
+          <a:lstStyle/>
+          <a:p>
+            <a:r>
+              <a:rPr lang="en-US" dirty="0"/>
+              <a:t>Keywords = ‘dog’</a:t>
+            </a:r>
+          </a:p>
+        </p:txBody>
+      </p:sp>
+      <p:pic>
+        <p:nvPicPr>
+          <p:cNvPr id="11" name="Hình ảnh 10">
+            <a:extLst>
+              <a:ext uri="{FF2B5EF4-FFF2-40B4-BE49-F238E27FC236}">
+                <a16:creationId xmlns:a16="http://schemas.microsoft.com/office/drawing/2014/main" id="{F0E85059-A665-4963-A768-ACE55FF17011}"/>
+              </a:ext>
+            </a:extLst>
+          </p:cNvPr>
+          <p:cNvPicPr>
+            <a:picLocks noChangeAspect="1"/>
+          </p:cNvPicPr>
+          <p:nvPr/>
+        </p:nvPicPr>
+        <p:blipFill>
+          <a:blip r:embed="rId2"/>
+          <a:stretch>
+            <a:fillRect/>
+          </a:stretch>
+        </p:blipFill>
+        <p:spPr>
+          <a:xfrm>
+            <a:off x="1156446" y="2036767"/>
+            <a:ext cx="10067365" cy="4556696"/>
+          </a:xfrm>
+          <a:prstGeom prst="rect">
+            <a:avLst/>
+          </a:prstGeom>
+        </p:spPr>
+      </p:pic>
+    </p:spTree>
+    <p:extLst>
+      <p:ext uri="{BB962C8B-B14F-4D97-AF65-F5344CB8AC3E}">
+        <p14:creationId xmlns:p14="http://schemas.microsoft.com/office/powerpoint/2010/main" val="2989874694"/>
+      </p:ext>
+    </p:extLst>
+  </p:cSld>
+  <p:clrMapOvr>
+    <a:masterClrMapping/>
+  </p:clrMapOvr>
+</p:sld>
+</file>
+
+<file path=ppt/slides/slide13.xml><?xml version="1.0" encoding="utf-8"?>
+<p:sld xmlns:a="http://schemas.openxmlformats.org/drawingml/2006/main" xmlns:r="http://schemas.openxmlformats.org/officeDocument/2006/relationships" xmlns:p="http://schemas.openxmlformats.org/presentationml/2006/main">
+  <p:cSld>
+    <p:spTree>
+      <p:nvGrpSpPr>
+        <p:cNvPr id="1" name=""/>
+        <p:cNvGrpSpPr/>
+        <p:nvPr/>
+      </p:nvGrpSpPr>
+      <p:grpSpPr>
+        <a:xfrm>
+          <a:off x="0" y="0"/>
+          <a:ext cx="0" cy="0"/>
+          <a:chOff x="0" y="0"/>
+          <a:chExt cx="0" cy="0"/>
+        </a:xfrm>
+      </p:grpSpPr>
+      <p:sp>
+        <p:nvSpPr>
+          <p:cNvPr id="3" name="Hộp Văn bản 2">
+            <a:extLst>
+              <a:ext uri="{FF2B5EF4-FFF2-40B4-BE49-F238E27FC236}">
+                <a16:creationId xmlns:a16="http://schemas.microsoft.com/office/drawing/2014/main" id="{4D67213D-27DA-4A36-873A-A200D9E83F15}"/>
+              </a:ext>
+            </a:extLst>
+          </p:cNvPr>
+          <p:cNvSpPr txBox="1"/>
+          <p:nvPr/>
+        </p:nvSpPr>
+        <p:spPr>
+          <a:xfrm>
             <a:off x="2339788" y="735105"/>
             <a:ext cx="8146782" cy="523220"/>
           </a:xfrm>
@@ -5690,7 +9425,7 @@
 </p:sld>
 </file>
 
-<file path=ppt/slides/slide11.xml><?xml version="1.0" encoding="utf-8"?>
+<file path=ppt/slides/slide14.xml><?xml version="1.0" encoding="utf-8"?>
 <p:sld xmlns:a="http://schemas.openxmlformats.org/drawingml/2006/main" xmlns:r="http://schemas.openxmlformats.org/officeDocument/2006/relationships" xmlns:p="http://schemas.openxmlformats.org/presentationml/2006/main">
   <p:cSld>
     <p:spTree>
@@ -7086,6 +10821,107 @@
           </a:p>
         </p:txBody>
       </p:sp>
+      <p:pic>
+        <p:nvPicPr>
+          <p:cNvPr id="2" name="Picture 1"/>
+          <p:cNvPicPr>
+            <a:picLocks noChangeAspect="1"/>
+          </p:cNvPicPr>
+          <p:nvPr/>
+        </p:nvPicPr>
+        <p:blipFill>
+          <a:blip r:embed="rId3">
+            <a:extLst>
+              <a:ext uri="{28A0092B-C50C-407E-A947-70E740481C1C}">
+                <a14:useLocalDpi xmlns:a14="http://schemas.microsoft.com/office/drawing/2010/main" val="0"/>
+              </a:ext>
+            </a:extLst>
+          </a:blip>
+          <a:stretch>
+            <a:fillRect/>
+          </a:stretch>
+        </p:blipFill>
+        <p:spPr>
+          <a:xfrm>
+            <a:off x="1116666" y="1809097"/>
+            <a:ext cx="4869355" cy="4978201"/>
+          </a:xfrm>
+          <a:prstGeom prst="rect">
+            <a:avLst/>
+          </a:prstGeom>
+        </p:spPr>
+      </p:pic>
+      <p:sp>
+        <p:nvSpPr>
+          <p:cNvPr id="4" name="Rectangle 3"/>
+          <p:cNvSpPr/>
+          <p:nvPr/>
+        </p:nvSpPr>
+        <p:spPr>
+          <a:xfrm>
+            <a:off x="2297014" y="1285878"/>
+            <a:ext cx="8344700" cy="461665"/>
+          </a:xfrm>
+          <a:prstGeom prst="rect">
+            <a:avLst/>
+          </a:prstGeom>
+        </p:spPr>
+        <p:txBody>
+          <a:bodyPr wrap="square">
+            <a:spAutoFit/>
+          </a:bodyPr>
+          <a:lstStyle/>
+          <a:p>
+            <a:r>
+              <a:rPr lang="en-US" sz="1200" dirty="0">
+                <a:solidFill>
+                  <a:schemeClr val="tx1">
+                    <a:lumMod val="95000"/>
+                  </a:schemeClr>
+                </a:solidFill>
+              </a:rPr>
+              <a:t>https://ieeexplore.ieee.org/author/37268947300?history=no&amp;sortType=newest&amp;highlight=true&amp;returnType=SEARCH&amp;pageNumber=10&amp;searchWithin=%22Author%20Ids%22:37268947300&amp;returnFacets=ALL</a:t>
+            </a:r>
+            <a:endParaRPr lang="en-US" sz="1200" dirty="0">
+              <a:solidFill>
+                <a:schemeClr val="tx1">
+                  <a:lumMod val="95000"/>
+                </a:schemeClr>
+              </a:solidFill>
+            </a:endParaRPr>
+          </a:p>
+        </p:txBody>
+      </p:sp>
+      <p:pic>
+        <p:nvPicPr>
+          <p:cNvPr id="5" name="Picture 4"/>
+          <p:cNvPicPr>
+            <a:picLocks noChangeAspect="1"/>
+          </p:cNvPicPr>
+          <p:nvPr/>
+        </p:nvPicPr>
+        <p:blipFill>
+          <a:blip r:embed="rId4">
+            <a:extLst>
+              <a:ext uri="{28A0092B-C50C-407E-A947-70E740481C1C}">
+                <a14:useLocalDpi xmlns:a14="http://schemas.microsoft.com/office/drawing/2010/main" val="0"/>
+              </a:ext>
+            </a:extLst>
+          </a:blip>
+          <a:stretch>
+            <a:fillRect/>
+          </a:stretch>
+        </p:blipFill>
+        <p:spPr>
+          <a:xfrm>
+            <a:off x="5986022" y="1809098"/>
+            <a:ext cx="5202020" cy="4978201"/>
+          </a:xfrm>
+          <a:prstGeom prst="rect">
+            <a:avLst/>
+          </a:prstGeom>
+        </p:spPr>
+      </p:pic>
     </p:spTree>
     <p:extLst>
       <p:ext uri="{BB962C8B-B14F-4D97-AF65-F5344CB8AC3E}">
@@ -7100,6 +10936,647 @@
 </file>
 
 <file path=ppt/slides/slide5.xml><?xml version="1.0" encoding="utf-8"?>
+<p:sld xmlns:a="http://schemas.openxmlformats.org/drawingml/2006/main" xmlns:r="http://schemas.openxmlformats.org/officeDocument/2006/relationships" xmlns:p="http://schemas.openxmlformats.org/presentationml/2006/main">
+  <p:cSld>
+    <p:spTree>
+      <p:nvGrpSpPr>
+        <p:cNvPr id="1" name=""/>
+        <p:cNvGrpSpPr/>
+        <p:nvPr/>
+      </p:nvGrpSpPr>
+      <p:grpSpPr>
+        <a:xfrm>
+          <a:off x="0" y="0"/>
+          <a:ext cx="0" cy="0"/>
+          <a:chOff x="0" y="0"/>
+          <a:chExt cx="0" cy="0"/>
+        </a:xfrm>
+      </p:grpSpPr>
+      <p:sp>
+        <p:nvSpPr>
+          <p:cNvPr id="3" name="Hộp Văn bản 2">
+            <a:extLst>
+              <a:ext uri="{FF2B5EF4-FFF2-40B4-BE49-F238E27FC236}">
+                <a16:creationId xmlns:a16="http://schemas.microsoft.com/office/drawing/2014/main" id="{4D67213D-27DA-4A36-873A-A200D9E83F15}"/>
+              </a:ext>
+            </a:extLst>
+          </p:cNvPr>
+          <p:cNvSpPr txBox="1"/>
+          <p:nvPr/>
+        </p:nvSpPr>
+        <p:spPr>
+          <a:xfrm>
+            <a:off x="2366682" y="788894"/>
+            <a:ext cx="6555000" cy="523220"/>
+          </a:xfrm>
+          <a:prstGeom prst="rect">
+            <a:avLst/>
+          </a:prstGeom>
+          <a:noFill/>
+        </p:spPr>
+        <p:txBody>
+          <a:bodyPr wrap="none" rtlCol="0">
+            <a:spAutoFit/>
+          </a:bodyPr>
+          <a:lstStyle/>
+          <a:p>
+            <a:r>
+              <a:rPr lang="en-US" sz="2800" b="1" u="sng" dirty="0">
+                <a:solidFill>
+                  <a:schemeClr val="accent3">
+                    <a:lumMod val="60000"/>
+                    <a:lumOff val="40000"/>
+                  </a:schemeClr>
+                </a:solidFill>
+              </a:rPr>
+              <a:t>1. Crawler </a:t>
+            </a:r>
+            <a:r>
+              <a:rPr lang="en-US" sz="2800" b="1" u="sng" dirty="0" err="1">
+                <a:solidFill>
+                  <a:schemeClr val="accent3">
+                    <a:lumMod val="60000"/>
+                    <a:lumOff val="40000"/>
+                  </a:schemeClr>
+                </a:solidFill>
+              </a:rPr>
+              <a:t>thu</a:t>
+            </a:r>
+            <a:r>
+              <a:rPr lang="en-US" sz="2800" b="1" u="sng" dirty="0">
+                <a:solidFill>
+                  <a:schemeClr val="accent3">
+                    <a:lumMod val="60000"/>
+                    <a:lumOff val="40000"/>
+                  </a:schemeClr>
+                </a:solidFill>
+              </a:rPr>
+              <a:t> </a:t>
+            </a:r>
+            <a:r>
+              <a:rPr lang="en-US" sz="2800" b="1" u="sng" dirty="0" err="1">
+                <a:solidFill>
+                  <a:schemeClr val="accent3">
+                    <a:lumMod val="60000"/>
+                    <a:lumOff val="40000"/>
+                  </a:schemeClr>
+                </a:solidFill>
+              </a:rPr>
+              <a:t>thập</a:t>
+            </a:r>
+            <a:r>
+              <a:rPr lang="en-US" sz="2800" b="1" u="sng" dirty="0">
+                <a:solidFill>
+                  <a:schemeClr val="accent3">
+                    <a:lumMod val="60000"/>
+                    <a:lumOff val="40000"/>
+                  </a:schemeClr>
+                </a:solidFill>
+              </a:rPr>
+              <a:t> </a:t>
+            </a:r>
+            <a:r>
+              <a:rPr lang="en-US" sz="2800" b="1" u="sng" dirty="0" err="1">
+                <a:solidFill>
+                  <a:schemeClr val="accent3">
+                    <a:lumMod val="60000"/>
+                    <a:lumOff val="40000"/>
+                  </a:schemeClr>
+                </a:solidFill>
+              </a:rPr>
+              <a:t>bài</a:t>
+            </a:r>
+            <a:r>
+              <a:rPr lang="en-US" sz="2800" b="1" u="sng" dirty="0">
+                <a:solidFill>
+                  <a:schemeClr val="accent3">
+                    <a:lumMod val="60000"/>
+                    <a:lumOff val="40000"/>
+                  </a:schemeClr>
+                </a:solidFill>
+              </a:rPr>
+              <a:t> </a:t>
+            </a:r>
+            <a:r>
+              <a:rPr lang="en-US" sz="2800" b="1" u="sng" dirty="0" err="1">
+                <a:solidFill>
+                  <a:schemeClr val="accent3">
+                    <a:lumMod val="60000"/>
+                    <a:lumOff val="40000"/>
+                  </a:schemeClr>
+                </a:solidFill>
+              </a:rPr>
+              <a:t>báo</a:t>
+            </a:r>
+            <a:r>
+              <a:rPr lang="en-US" sz="2800" b="1" u="sng" dirty="0">
+                <a:solidFill>
+                  <a:schemeClr val="accent3">
+                    <a:lumMod val="60000"/>
+                    <a:lumOff val="40000"/>
+                  </a:schemeClr>
+                </a:solidFill>
+              </a:rPr>
+              <a:t> khoa học </a:t>
+            </a:r>
+          </a:p>
+        </p:txBody>
+      </p:sp>
+      <p:pic>
+        <p:nvPicPr>
+          <p:cNvPr id="6" name="Picture 5"/>
+          <p:cNvPicPr>
+            <a:picLocks noChangeAspect="1"/>
+          </p:cNvPicPr>
+          <p:nvPr/>
+        </p:nvPicPr>
+        <p:blipFill>
+          <a:blip r:embed="rId3">
+            <a:extLst>
+              <a:ext uri="{28A0092B-C50C-407E-A947-70E740481C1C}">
+                <a14:useLocalDpi xmlns:a14="http://schemas.microsoft.com/office/drawing/2010/main" val="0"/>
+              </a:ext>
+            </a:extLst>
+          </a:blip>
+          <a:stretch>
+            <a:fillRect/>
+          </a:stretch>
+        </p:blipFill>
+        <p:spPr>
+          <a:xfrm>
+            <a:off x="1234912" y="1709835"/>
+            <a:ext cx="10058400" cy="5010755"/>
+          </a:xfrm>
+          <a:prstGeom prst="rect">
+            <a:avLst/>
+          </a:prstGeom>
+        </p:spPr>
+      </p:pic>
+    </p:spTree>
+    <p:extLst>
+      <p:ext uri="{BB962C8B-B14F-4D97-AF65-F5344CB8AC3E}">
+        <p14:creationId xmlns:p14="http://schemas.microsoft.com/office/powerpoint/2010/main" val="343401114"/>
+      </p:ext>
+    </p:extLst>
+  </p:cSld>
+  <p:clrMapOvr>
+    <a:masterClrMapping/>
+  </p:clrMapOvr>
+</p:sld>
+</file>
+
+<file path=ppt/slides/slide6.xml><?xml version="1.0" encoding="utf-8"?>
+<p:sld xmlns:a="http://schemas.openxmlformats.org/drawingml/2006/main" xmlns:r="http://schemas.openxmlformats.org/officeDocument/2006/relationships" xmlns:p="http://schemas.openxmlformats.org/presentationml/2006/main">
+  <p:cSld>
+    <p:spTree>
+      <p:nvGrpSpPr>
+        <p:cNvPr id="1" name=""/>
+        <p:cNvGrpSpPr/>
+        <p:nvPr/>
+      </p:nvGrpSpPr>
+      <p:grpSpPr>
+        <a:xfrm>
+          <a:off x="0" y="0"/>
+          <a:ext cx="0" cy="0"/>
+          <a:chOff x="0" y="0"/>
+          <a:chExt cx="0" cy="0"/>
+        </a:xfrm>
+      </p:grpSpPr>
+      <p:sp>
+        <p:nvSpPr>
+          <p:cNvPr id="3" name="Hộp Văn bản 2">
+            <a:extLst>
+              <a:ext uri="{FF2B5EF4-FFF2-40B4-BE49-F238E27FC236}">
+                <a16:creationId xmlns:a16="http://schemas.microsoft.com/office/drawing/2014/main" id="{4D67213D-27DA-4A36-873A-A200D9E83F15}"/>
+              </a:ext>
+            </a:extLst>
+          </p:cNvPr>
+          <p:cNvSpPr txBox="1"/>
+          <p:nvPr/>
+        </p:nvSpPr>
+        <p:spPr>
+          <a:xfrm>
+            <a:off x="2366682" y="788894"/>
+            <a:ext cx="6555000" cy="523220"/>
+          </a:xfrm>
+          <a:prstGeom prst="rect">
+            <a:avLst/>
+          </a:prstGeom>
+          <a:noFill/>
+        </p:spPr>
+        <p:txBody>
+          <a:bodyPr wrap="none" rtlCol="0">
+            <a:spAutoFit/>
+          </a:bodyPr>
+          <a:lstStyle/>
+          <a:p>
+            <a:r>
+              <a:rPr lang="en-US" sz="2800" b="1" u="sng" dirty="0">
+                <a:solidFill>
+                  <a:schemeClr val="accent3">
+                    <a:lumMod val="60000"/>
+                    <a:lumOff val="40000"/>
+                  </a:schemeClr>
+                </a:solidFill>
+              </a:rPr>
+              <a:t>1. Crawler </a:t>
+            </a:r>
+            <a:r>
+              <a:rPr lang="en-US" sz="2800" b="1" u="sng" dirty="0" err="1">
+                <a:solidFill>
+                  <a:schemeClr val="accent3">
+                    <a:lumMod val="60000"/>
+                    <a:lumOff val="40000"/>
+                  </a:schemeClr>
+                </a:solidFill>
+              </a:rPr>
+              <a:t>thu</a:t>
+            </a:r>
+            <a:r>
+              <a:rPr lang="en-US" sz="2800" b="1" u="sng" dirty="0">
+                <a:solidFill>
+                  <a:schemeClr val="accent3">
+                    <a:lumMod val="60000"/>
+                    <a:lumOff val="40000"/>
+                  </a:schemeClr>
+                </a:solidFill>
+              </a:rPr>
+              <a:t> </a:t>
+            </a:r>
+            <a:r>
+              <a:rPr lang="en-US" sz="2800" b="1" u="sng" dirty="0" err="1">
+                <a:solidFill>
+                  <a:schemeClr val="accent3">
+                    <a:lumMod val="60000"/>
+                    <a:lumOff val="40000"/>
+                  </a:schemeClr>
+                </a:solidFill>
+              </a:rPr>
+              <a:t>thập</a:t>
+            </a:r>
+            <a:r>
+              <a:rPr lang="en-US" sz="2800" b="1" u="sng" dirty="0">
+                <a:solidFill>
+                  <a:schemeClr val="accent3">
+                    <a:lumMod val="60000"/>
+                    <a:lumOff val="40000"/>
+                  </a:schemeClr>
+                </a:solidFill>
+              </a:rPr>
+              <a:t> </a:t>
+            </a:r>
+            <a:r>
+              <a:rPr lang="en-US" sz="2800" b="1" u="sng" dirty="0" err="1">
+                <a:solidFill>
+                  <a:schemeClr val="accent3">
+                    <a:lumMod val="60000"/>
+                    <a:lumOff val="40000"/>
+                  </a:schemeClr>
+                </a:solidFill>
+              </a:rPr>
+              <a:t>bài</a:t>
+            </a:r>
+            <a:r>
+              <a:rPr lang="en-US" sz="2800" b="1" u="sng" dirty="0">
+                <a:solidFill>
+                  <a:schemeClr val="accent3">
+                    <a:lumMod val="60000"/>
+                    <a:lumOff val="40000"/>
+                  </a:schemeClr>
+                </a:solidFill>
+              </a:rPr>
+              <a:t> </a:t>
+            </a:r>
+            <a:r>
+              <a:rPr lang="en-US" sz="2800" b="1" u="sng" dirty="0" err="1">
+                <a:solidFill>
+                  <a:schemeClr val="accent3">
+                    <a:lumMod val="60000"/>
+                    <a:lumOff val="40000"/>
+                  </a:schemeClr>
+                </a:solidFill>
+              </a:rPr>
+              <a:t>báo</a:t>
+            </a:r>
+            <a:r>
+              <a:rPr lang="en-US" sz="2800" b="1" u="sng" dirty="0">
+                <a:solidFill>
+                  <a:schemeClr val="accent3">
+                    <a:lumMod val="60000"/>
+                    <a:lumOff val="40000"/>
+                  </a:schemeClr>
+                </a:solidFill>
+              </a:rPr>
+              <a:t> khoa học </a:t>
+            </a:r>
+          </a:p>
+        </p:txBody>
+      </p:sp>
+      <p:pic>
+        <p:nvPicPr>
+          <p:cNvPr id="2" name="Picture 1"/>
+          <p:cNvPicPr>
+            <a:picLocks noChangeAspect="1"/>
+          </p:cNvPicPr>
+          <p:nvPr/>
+        </p:nvPicPr>
+        <p:blipFill>
+          <a:blip r:embed="rId3">
+            <a:extLst>
+              <a:ext uri="{28A0092B-C50C-407E-A947-70E740481C1C}">
+                <a14:useLocalDpi xmlns:a14="http://schemas.microsoft.com/office/drawing/2010/main" val="0"/>
+              </a:ext>
+            </a:extLst>
+          </a:blip>
+          <a:stretch>
+            <a:fillRect/>
+          </a:stretch>
+        </p:blipFill>
+        <p:spPr>
+          <a:xfrm>
+            <a:off x="1116666" y="1809097"/>
+            <a:ext cx="4869355" cy="4978201"/>
+          </a:xfrm>
+          <a:prstGeom prst="rect">
+            <a:avLst/>
+          </a:prstGeom>
+        </p:spPr>
+      </p:pic>
+      <p:sp>
+        <p:nvSpPr>
+          <p:cNvPr id="4" name="Rectangle 3"/>
+          <p:cNvSpPr/>
+          <p:nvPr/>
+        </p:nvSpPr>
+        <p:spPr>
+          <a:xfrm>
+            <a:off x="2297014" y="1285878"/>
+            <a:ext cx="8344700" cy="461665"/>
+          </a:xfrm>
+          <a:prstGeom prst="rect">
+            <a:avLst/>
+          </a:prstGeom>
+        </p:spPr>
+        <p:txBody>
+          <a:bodyPr wrap="square">
+            <a:spAutoFit/>
+          </a:bodyPr>
+          <a:lstStyle/>
+          <a:p>
+            <a:r>
+              <a:rPr lang="en-US" sz="1200" dirty="0">
+                <a:solidFill>
+                  <a:schemeClr val="tx1">
+                    <a:lumMod val="95000"/>
+                  </a:schemeClr>
+                </a:solidFill>
+              </a:rPr>
+              <a:t>https://ieeexplore.ieee.org/author/37268947300?history=no&amp;sortType=newest&amp;highlight=true&amp;returnType=SEARCH&amp;pageNumber=10&amp;searchWithin=%22Author%20Ids%22:37268947300&amp;returnFacets=ALL</a:t>
+            </a:r>
+            <a:endParaRPr lang="en-US" sz="1200" dirty="0">
+              <a:solidFill>
+                <a:schemeClr val="tx1">
+                  <a:lumMod val="95000"/>
+                </a:schemeClr>
+              </a:solidFill>
+            </a:endParaRPr>
+          </a:p>
+        </p:txBody>
+      </p:sp>
+      <p:pic>
+        <p:nvPicPr>
+          <p:cNvPr id="5" name="Picture 4"/>
+          <p:cNvPicPr>
+            <a:picLocks noChangeAspect="1"/>
+          </p:cNvPicPr>
+          <p:nvPr/>
+        </p:nvPicPr>
+        <p:blipFill>
+          <a:blip r:embed="rId4">
+            <a:extLst>
+              <a:ext uri="{28A0092B-C50C-407E-A947-70E740481C1C}">
+                <a14:useLocalDpi xmlns:a14="http://schemas.microsoft.com/office/drawing/2010/main" val="0"/>
+              </a:ext>
+            </a:extLst>
+          </a:blip>
+          <a:stretch>
+            <a:fillRect/>
+          </a:stretch>
+        </p:blipFill>
+        <p:spPr>
+          <a:xfrm>
+            <a:off x="5986022" y="1809098"/>
+            <a:ext cx="5202020" cy="4978201"/>
+          </a:xfrm>
+          <a:prstGeom prst="rect">
+            <a:avLst/>
+          </a:prstGeom>
+        </p:spPr>
+      </p:pic>
+    </p:spTree>
+    <p:extLst>
+      <p:ext uri="{BB962C8B-B14F-4D97-AF65-F5344CB8AC3E}">
+        <p14:creationId xmlns:p14="http://schemas.microsoft.com/office/powerpoint/2010/main" val="2174638336"/>
+      </p:ext>
+    </p:extLst>
+  </p:cSld>
+  <p:clrMapOvr>
+    <a:masterClrMapping/>
+  </p:clrMapOvr>
+</p:sld>
+</file>
+
+<file path=ppt/slides/slide7.xml><?xml version="1.0" encoding="utf-8"?>
+<p:sld xmlns:a="http://schemas.openxmlformats.org/drawingml/2006/main" xmlns:r="http://schemas.openxmlformats.org/officeDocument/2006/relationships" xmlns:p="http://schemas.openxmlformats.org/presentationml/2006/main">
+  <p:cSld>
+    <p:spTree>
+      <p:nvGrpSpPr>
+        <p:cNvPr id="1" name=""/>
+        <p:cNvGrpSpPr/>
+        <p:nvPr/>
+      </p:nvGrpSpPr>
+      <p:grpSpPr>
+        <a:xfrm>
+          <a:off x="0" y="0"/>
+          <a:ext cx="0" cy="0"/>
+          <a:chOff x="0" y="0"/>
+          <a:chExt cx="0" cy="0"/>
+        </a:xfrm>
+      </p:grpSpPr>
+      <p:sp>
+        <p:nvSpPr>
+          <p:cNvPr id="3" name="Hộp Văn bản 2">
+            <a:extLst>
+              <a:ext uri="{FF2B5EF4-FFF2-40B4-BE49-F238E27FC236}">
+                <a16:creationId xmlns:a16="http://schemas.microsoft.com/office/drawing/2014/main" id="{4D67213D-27DA-4A36-873A-A200D9E83F15}"/>
+              </a:ext>
+            </a:extLst>
+          </p:cNvPr>
+          <p:cNvSpPr txBox="1"/>
+          <p:nvPr/>
+        </p:nvSpPr>
+        <p:spPr>
+          <a:xfrm>
+            <a:off x="2366682" y="788894"/>
+            <a:ext cx="6555000" cy="523220"/>
+          </a:xfrm>
+          <a:prstGeom prst="rect">
+            <a:avLst/>
+          </a:prstGeom>
+          <a:noFill/>
+        </p:spPr>
+        <p:txBody>
+          <a:bodyPr wrap="none" rtlCol="0">
+            <a:spAutoFit/>
+          </a:bodyPr>
+          <a:lstStyle/>
+          <a:p>
+            <a:r>
+              <a:rPr lang="en-US" sz="2800" b="1" u="sng" dirty="0">
+                <a:solidFill>
+                  <a:schemeClr val="accent3">
+                    <a:lumMod val="60000"/>
+                    <a:lumOff val="40000"/>
+                  </a:schemeClr>
+                </a:solidFill>
+              </a:rPr>
+              <a:t>1. Crawler </a:t>
+            </a:r>
+            <a:r>
+              <a:rPr lang="en-US" sz="2800" b="1" u="sng" dirty="0" err="1">
+                <a:solidFill>
+                  <a:schemeClr val="accent3">
+                    <a:lumMod val="60000"/>
+                    <a:lumOff val="40000"/>
+                  </a:schemeClr>
+                </a:solidFill>
+              </a:rPr>
+              <a:t>thu</a:t>
+            </a:r>
+            <a:r>
+              <a:rPr lang="en-US" sz="2800" b="1" u="sng" dirty="0">
+                <a:solidFill>
+                  <a:schemeClr val="accent3">
+                    <a:lumMod val="60000"/>
+                    <a:lumOff val="40000"/>
+                  </a:schemeClr>
+                </a:solidFill>
+              </a:rPr>
+              <a:t> </a:t>
+            </a:r>
+            <a:r>
+              <a:rPr lang="en-US" sz="2800" b="1" u="sng" dirty="0" err="1">
+                <a:solidFill>
+                  <a:schemeClr val="accent3">
+                    <a:lumMod val="60000"/>
+                    <a:lumOff val="40000"/>
+                  </a:schemeClr>
+                </a:solidFill>
+              </a:rPr>
+              <a:t>thập</a:t>
+            </a:r>
+            <a:r>
+              <a:rPr lang="en-US" sz="2800" b="1" u="sng" dirty="0">
+                <a:solidFill>
+                  <a:schemeClr val="accent3">
+                    <a:lumMod val="60000"/>
+                    <a:lumOff val="40000"/>
+                  </a:schemeClr>
+                </a:solidFill>
+              </a:rPr>
+              <a:t> </a:t>
+            </a:r>
+            <a:r>
+              <a:rPr lang="en-US" sz="2800" b="1" u="sng" dirty="0" err="1">
+                <a:solidFill>
+                  <a:schemeClr val="accent3">
+                    <a:lumMod val="60000"/>
+                    <a:lumOff val="40000"/>
+                  </a:schemeClr>
+                </a:solidFill>
+              </a:rPr>
+              <a:t>bài</a:t>
+            </a:r>
+            <a:r>
+              <a:rPr lang="en-US" sz="2800" b="1" u="sng" dirty="0">
+                <a:solidFill>
+                  <a:schemeClr val="accent3">
+                    <a:lumMod val="60000"/>
+                    <a:lumOff val="40000"/>
+                  </a:schemeClr>
+                </a:solidFill>
+              </a:rPr>
+              <a:t> </a:t>
+            </a:r>
+            <a:r>
+              <a:rPr lang="en-US" sz="2800" b="1" u="sng" dirty="0" err="1">
+                <a:solidFill>
+                  <a:schemeClr val="accent3">
+                    <a:lumMod val="60000"/>
+                    <a:lumOff val="40000"/>
+                  </a:schemeClr>
+                </a:solidFill>
+              </a:rPr>
+              <a:t>báo</a:t>
+            </a:r>
+            <a:r>
+              <a:rPr lang="en-US" sz="2800" b="1" u="sng" dirty="0">
+                <a:solidFill>
+                  <a:schemeClr val="accent3">
+                    <a:lumMod val="60000"/>
+                    <a:lumOff val="40000"/>
+                  </a:schemeClr>
+                </a:solidFill>
+              </a:rPr>
+              <a:t> khoa học </a:t>
+            </a:r>
+          </a:p>
+        </p:txBody>
+      </p:sp>
+      <p:pic>
+        <p:nvPicPr>
+          <p:cNvPr id="2" name="Picture 1"/>
+          <p:cNvPicPr>
+            <a:picLocks noChangeAspect="1"/>
+          </p:cNvPicPr>
+          <p:nvPr/>
+        </p:nvPicPr>
+        <p:blipFill>
+          <a:blip r:embed="rId3">
+            <a:extLst>
+              <a:ext uri="{28A0092B-C50C-407E-A947-70E740481C1C}">
+                <a14:useLocalDpi xmlns:a14="http://schemas.microsoft.com/office/drawing/2010/main" val="0"/>
+              </a:ext>
+            </a:extLst>
+          </a:blip>
+          <a:stretch>
+            <a:fillRect/>
+          </a:stretch>
+        </p:blipFill>
+        <p:spPr>
+          <a:xfrm>
+            <a:off x="2235573" y="1445623"/>
+            <a:ext cx="8493387" cy="5322884"/>
+          </a:xfrm>
+          <a:prstGeom prst="rect">
+            <a:avLst/>
+          </a:prstGeom>
+        </p:spPr>
+      </p:pic>
+    </p:spTree>
+    <p:extLst>
+      <p:ext uri="{BB962C8B-B14F-4D97-AF65-F5344CB8AC3E}">
+        <p14:creationId xmlns:p14="http://schemas.microsoft.com/office/powerpoint/2010/main" val="274797711"/>
+      </p:ext>
+    </p:extLst>
+  </p:cSld>
+  <p:clrMapOvr>
+    <a:masterClrMapping/>
+  </p:clrMapOvr>
+</p:sld>
+</file>
+
+<file path=ppt/slides/slide8.xml><?xml version="1.0" encoding="utf-8"?>
 <p:sld xmlns:a="http://schemas.openxmlformats.org/drawingml/2006/main" xmlns:r="http://schemas.openxmlformats.org/officeDocument/2006/relationships" xmlns:p="http://schemas.openxmlformats.org/presentationml/2006/main">
   <p:cSld>
     <p:spTree>
@@ -7427,7 +11904,7 @@
 </p:sld>
 </file>
 
-<file path=ppt/slides/slide6.xml><?xml version="1.0" encoding="utf-8"?>
+<file path=ppt/slides/slide9.xml><?xml version="1.0" encoding="utf-8"?>
 <p:sld xmlns:a="http://schemas.openxmlformats.org/drawingml/2006/main" xmlns:r="http://schemas.openxmlformats.org/officeDocument/2006/relationships" xmlns:p="http://schemas.openxmlformats.org/presentationml/2006/main">
   <p:cSld>
     <p:spTree>
@@ -7674,1291 +12151,6 @@
     <p:extLst>
       <p:ext uri="{BB962C8B-B14F-4D97-AF65-F5344CB8AC3E}">
         <p14:creationId xmlns:p14="http://schemas.microsoft.com/office/powerpoint/2010/main" val="436460634"/>
-      </p:ext>
-    </p:extLst>
-  </p:cSld>
-  <p:clrMapOvr>
-    <a:masterClrMapping/>
-  </p:clrMapOvr>
-</p:sld>
-</file>
-
-<file path=ppt/slides/slide7.xml><?xml version="1.0" encoding="utf-8"?>
-<p:sld xmlns:a="http://schemas.openxmlformats.org/drawingml/2006/main" xmlns:r="http://schemas.openxmlformats.org/officeDocument/2006/relationships" xmlns:p="http://schemas.openxmlformats.org/presentationml/2006/main">
-  <p:cSld>
-    <p:spTree>
-      <p:nvGrpSpPr>
-        <p:cNvPr id="1" name=""/>
-        <p:cNvGrpSpPr/>
-        <p:nvPr/>
-      </p:nvGrpSpPr>
-      <p:grpSpPr>
-        <a:xfrm>
-          <a:off x="0" y="0"/>
-          <a:ext cx="0" cy="0"/>
-          <a:chOff x="0" y="0"/>
-          <a:chExt cx="0" cy="0"/>
-        </a:xfrm>
-      </p:grpSpPr>
-      <p:sp>
-        <p:nvSpPr>
-          <p:cNvPr id="3" name="Hộp Văn bản 2">
-            <a:extLst>
-              <a:ext uri="{FF2B5EF4-FFF2-40B4-BE49-F238E27FC236}">
-                <a16:creationId xmlns:a16="http://schemas.microsoft.com/office/drawing/2014/main" id="{4D67213D-27DA-4A36-873A-A200D9E83F15}"/>
-              </a:ext>
-            </a:extLst>
-          </p:cNvPr>
-          <p:cNvSpPr txBox="1"/>
-          <p:nvPr/>
-        </p:nvSpPr>
-        <p:spPr>
-          <a:xfrm>
-            <a:off x="2501153" y="575123"/>
-            <a:ext cx="7792518" cy="954107"/>
-          </a:xfrm>
-          <a:prstGeom prst="rect">
-            <a:avLst/>
-          </a:prstGeom>
-          <a:noFill/>
-        </p:spPr>
-        <p:txBody>
-          <a:bodyPr wrap="none" rtlCol="0">
-            <a:spAutoFit/>
-          </a:bodyPr>
-          <a:lstStyle/>
-          <a:p>
-            <a:r>
-              <a:rPr lang="en-US" sz="2800" b="1" u="sng" dirty="0">
-                <a:solidFill>
-                  <a:schemeClr val="accent3">
-                    <a:lumMod val="60000"/>
-                    <a:lumOff val="40000"/>
-                  </a:schemeClr>
-                </a:solidFill>
-              </a:rPr>
-              <a:t>3. Crawler </a:t>
-            </a:r>
-            <a:r>
-              <a:rPr lang="en-US" sz="2800" b="1" u="sng" dirty="0" err="1">
-                <a:solidFill>
-                  <a:schemeClr val="accent3">
-                    <a:lumMod val="60000"/>
-                    <a:lumOff val="40000"/>
-                  </a:schemeClr>
-                </a:solidFill>
-              </a:rPr>
-              <a:t>thu</a:t>
-            </a:r>
-            <a:r>
-              <a:rPr lang="en-US" sz="2800" b="1" u="sng" dirty="0">
-                <a:solidFill>
-                  <a:schemeClr val="accent3">
-                    <a:lumMod val="60000"/>
-                    <a:lumOff val="40000"/>
-                  </a:schemeClr>
-                </a:solidFill>
-              </a:rPr>
-              <a:t> </a:t>
-            </a:r>
-            <a:r>
-              <a:rPr lang="en-US" sz="2800" b="1" u="sng" dirty="0" err="1">
-                <a:solidFill>
-                  <a:schemeClr val="accent3">
-                    <a:lumMod val="60000"/>
-                    <a:lumOff val="40000"/>
-                  </a:schemeClr>
-                </a:solidFill>
-              </a:rPr>
-              <a:t>thập</a:t>
-            </a:r>
-            <a:r>
-              <a:rPr lang="en-US" sz="2800" b="1" u="sng" dirty="0">
-                <a:solidFill>
-                  <a:schemeClr val="accent3">
-                    <a:lumMod val="60000"/>
-                    <a:lumOff val="40000"/>
-                  </a:schemeClr>
-                </a:solidFill>
-              </a:rPr>
-              <a:t> </a:t>
-            </a:r>
-            <a:r>
-              <a:rPr lang="en-US" sz="2800" b="1" u="sng" dirty="0" err="1">
-                <a:solidFill>
-                  <a:schemeClr val="accent3">
-                    <a:lumMod val="60000"/>
-                    <a:lumOff val="40000"/>
-                  </a:schemeClr>
-                </a:solidFill>
-              </a:rPr>
-              <a:t>bài</a:t>
-            </a:r>
-            <a:r>
-              <a:rPr lang="en-US" sz="2800" b="1" u="sng" dirty="0">
-                <a:solidFill>
-                  <a:schemeClr val="accent3">
-                    <a:lumMod val="60000"/>
-                    <a:lumOff val="40000"/>
-                  </a:schemeClr>
-                </a:solidFill>
-              </a:rPr>
-              <a:t> </a:t>
-            </a:r>
-            <a:r>
-              <a:rPr lang="en-US" sz="2800" b="1" u="sng" dirty="0" err="1">
-                <a:solidFill>
-                  <a:schemeClr val="accent3">
-                    <a:lumMod val="60000"/>
-                    <a:lumOff val="40000"/>
-                  </a:schemeClr>
-                </a:solidFill>
-              </a:rPr>
-              <a:t>báo</a:t>
-            </a:r>
-            <a:r>
-              <a:rPr lang="en-US" sz="2800" b="1" u="sng" dirty="0">
-                <a:solidFill>
-                  <a:schemeClr val="accent3">
-                    <a:lumMod val="60000"/>
-                    <a:lumOff val="40000"/>
-                  </a:schemeClr>
-                </a:solidFill>
-              </a:rPr>
-              <a:t> </a:t>
-            </a:r>
-            <a:r>
-              <a:rPr lang="en-US" sz="2800" b="1" u="sng" dirty="0" err="1">
-                <a:solidFill>
-                  <a:schemeClr val="accent3">
-                    <a:lumMod val="60000"/>
-                    <a:lumOff val="40000"/>
-                  </a:schemeClr>
-                </a:solidFill>
-              </a:rPr>
-              <a:t>và</a:t>
-            </a:r>
-            <a:r>
-              <a:rPr lang="en-US" sz="2800" b="1" u="sng" dirty="0">
-                <a:solidFill>
-                  <a:schemeClr val="accent3">
-                    <a:lumMod val="60000"/>
-                    <a:lumOff val="40000"/>
-                  </a:schemeClr>
-                </a:solidFill>
-              </a:rPr>
-              <a:t> </a:t>
-            </a:r>
-            <a:r>
-              <a:rPr lang="en-US" sz="2800" b="1" u="sng" dirty="0" err="1">
-                <a:solidFill>
-                  <a:schemeClr val="accent3">
-                    <a:lumMod val="60000"/>
-                    <a:lumOff val="40000"/>
-                  </a:schemeClr>
-                </a:solidFill>
-              </a:rPr>
-              <a:t>bình</a:t>
-            </a:r>
-            <a:r>
-              <a:rPr lang="en-US" sz="2800" b="1" u="sng" dirty="0">
-                <a:solidFill>
-                  <a:schemeClr val="accent3">
-                    <a:lumMod val="60000"/>
-                    <a:lumOff val="40000"/>
-                  </a:schemeClr>
-                </a:solidFill>
-              </a:rPr>
-              <a:t> </a:t>
-            </a:r>
-            <a:r>
-              <a:rPr lang="en-US" sz="2800" b="1" u="sng" dirty="0" err="1">
-                <a:solidFill>
-                  <a:schemeClr val="accent3">
-                    <a:lumMod val="60000"/>
-                    <a:lumOff val="40000"/>
-                  </a:schemeClr>
-                </a:solidFill>
-              </a:rPr>
-              <a:t>luận</a:t>
-            </a:r>
-            <a:r>
-              <a:rPr lang="en-US" sz="2800" b="1" u="sng" dirty="0">
-                <a:solidFill>
-                  <a:schemeClr val="accent3">
-                    <a:lumMod val="60000"/>
-                    <a:lumOff val="40000"/>
-                  </a:schemeClr>
-                </a:solidFill>
-              </a:rPr>
-              <a:t> </a:t>
-            </a:r>
-            <a:r>
-              <a:rPr lang="en-US" sz="2800" b="1" u="sng" dirty="0" err="1">
-                <a:solidFill>
-                  <a:schemeClr val="accent3">
-                    <a:lumMod val="60000"/>
-                    <a:lumOff val="40000"/>
-                  </a:schemeClr>
-                </a:solidFill>
-              </a:rPr>
-              <a:t>của</a:t>
-            </a:r>
-            <a:r>
-              <a:rPr lang="en-US" sz="2800" b="1" u="sng" dirty="0">
-                <a:solidFill>
-                  <a:schemeClr val="accent3">
-                    <a:lumMod val="60000"/>
-                    <a:lumOff val="40000"/>
-                  </a:schemeClr>
-                </a:solidFill>
-              </a:rPr>
-              <a:t> </a:t>
-            </a:r>
-          </a:p>
-          <a:p>
-            <a:r>
-              <a:rPr lang="en-US" sz="2800" b="1" u="sng" dirty="0" err="1">
-                <a:solidFill>
-                  <a:schemeClr val="accent3">
-                    <a:lumMod val="60000"/>
-                    <a:lumOff val="40000"/>
-                  </a:schemeClr>
-                </a:solidFill>
-              </a:rPr>
-              <a:t>bài</a:t>
-            </a:r>
-            <a:r>
-              <a:rPr lang="en-US" sz="2800" b="1" u="sng" dirty="0">
-                <a:solidFill>
-                  <a:schemeClr val="accent3">
-                    <a:lumMod val="60000"/>
-                    <a:lumOff val="40000"/>
-                  </a:schemeClr>
-                </a:solidFill>
-              </a:rPr>
-              <a:t> </a:t>
-            </a:r>
-            <a:r>
-              <a:rPr lang="en-US" sz="2800" b="1" u="sng" dirty="0" err="1">
-                <a:solidFill>
-                  <a:schemeClr val="accent3">
-                    <a:lumMod val="60000"/>
-                    <a:lumOff val="40000"/>
-                  </a:schemeClr>
-                </a:solidFill>
-              </a:rPr>
-              <a:t>báo</a:t>
-            </a:r>
-            <a:r>
-              <a:rPr lang="en-US" sz="2800" b="1" u="sng" dirty="0">
-                <a:solidFill>
-                  <a:schemeClr val="accent3">
-                    <a:lumMod val="60000"/>
-                    <a:lumOff val="40000"/>
-                  </a:schemeClr>
-                </a:solidFill>
-              </a:rPr>
-              <a:t> </a:t>
-            </a:r>
-            <a:r>
-              <a:rPr lang="en-US" sz="2800" b="1" u="sng" dirty="0" err="1">
-                <a:solidFill>
-                  <a:schemeClr val="accent3">
-                    <a:lumMod val="60000"/>
-                    <a:lumOff val="40000"/>
-                  </a:schemeClr>
-                </a:solidFill>
-              </a:rPr>
-              <a:t>điện</a:t>
-            </a:r>
-            <a:r>
-              <a:rPr lang="en-US" sz="2800" b="1" u="sng" dirty="0">
-                <a:solidFill>
-                  <a:schemeClr val="accent3">
-                    <a:lumMod val="60000"/>
-                    <a:lumOff val="40000"/>
-                  </a:schemeClr>
-                </a:solidFill>
-              </a:rPr>
-              <a:t> </a:t>
-            </a:r>
-            <a:r>
-              <a:rPr lang="en-US" sz="2800" b="1" u="sng" dirty="0" err="1">
-                <a:solidFill>
-                  <a:schemeClr val="accent3">
-                    <a:lumMod val="60000"/>
-                    <a:lumOff val="40000"/>
-                  </a:schemeClr>
-                </a:solidFill>
-              </a:rPr>
-              <a:t>tử</a:t>
-            </a:r>
-            <a:endParaRPr lang="en-US" sz="2800" b="1" u="sng" dirty="0">
-              <a:solidFill>
-                <a:schemeClr val="accent3">
-                  <a:lumMod val="60000"/>
-                  <a:lumOff val="40000"/>
-                </a:schemeClr>
-              </a:solidFill>
-            </a:endParaRPr>
-          </a:p>
-        </p:txBody>
-      </p:sp>
-      <p:pic>
-        <p:nvPicPr>
-          <p:cNvPr id="3074" name="Picture 2">
-            <a:extLst>
-              <a:ext uri="{FF2B5EF4-FFF2-40B4-BE49-F238E27FC236}">
-                <a16:creationId xmlns:a16="http://schemas.microsoft.com/office/drawing/2014/main" id="{96022CBE-0327-4C02-80DA-A020C755840E}"/>
-              </a:ext>
-            </a:extLst>
-          </p:cNvPr>
-          <p:cNvPicPr>
-            <a:picLocks noChangeAspect="1" noChangeArrowheads="1"/>
-          </p:cNvPicPr>
-          <p:nvPr/>
-        </p:nvPicPr>
-        <p:blipFill>
-          <a:blip r:embed="rId2">
-            <a:extLst>
-              <a:ext uri="{28A0092B-C50C-407E-A947-70E740481C1C}">
-                <a14:useLocalDpi xmlns:a14="http://schemas.microsoft.com/office/drawing/2010/main" val="0"/>
-              </a:ext>
-            </a:extLst>
-          </a:blip>
-          <a:srcRect/>
-          <a:stretch>
-            <a:fillRect/>
-          </a:stretch>
-        </p:blipFill>
-        <p:spPr bwMode="auto">
-          <a:xfrm>
-            <a:off x="2587412" y="1996627"/>
-            <a:ext cx="7620000" cy="4286250"/>
-          </a:xfrm>
-          <a:prstGeom prst="rect">
-            <a:avLst/>
-          </a:prstGeom>
-          <a:noFill/>
-          <a:extLst>
-            <a:ext uri="{909E8E84-426E-40DD-AFC4-6F175D3DCCD1}">
-              <a14:hiddenFill xmlns:a14="http://schemas.microsoft.com/office/drawing/2010/main">
-                <a:solidFill>
-                  <a:srgbClr val="FFFFFF"/>
-                </a:solidFill>
-              </a14:hiddenFill>
-            </a:ext>
-          </a:extLst>
-        </p:spPr>
-      </p:pic>
-      <p:sp>
-        <p:nvSpPr>
-          <p:cNvPr id="5" name="Hộp Văn bản 4">
-            <a:extLst>
-              <a:ext uri="{FF2B5EF4-FFF2-40B4-BE49-F238E27FC236}">
-                <a16:creationId xmlns:a16="http://schemas.microsoft.com/office/drawing/2014/main" id="{91536783-BA32-45C3-B3AB-BBAAF87BC5C2}"/>
-              </a:ext>
-            </a:extLst>
-          </p:cNvPr>
-          <p:cNvSpPr txBox="1"/>
-          <p:nvPr/>
-        </p:nvSpPr>
-        <p:spPr>
-          <a:xfrm>
-            <a:off x="2517883" y="1676727"/>
-            <a:ext cx="7862047" cy="276999"/>
-          </a:xfrm>
-          <a:prstGeom prst="rect">
-            <a:avLst/>
-          </a:prstGeom>
-          <a:noFill/>
-        </p:spPr>
-        <p:txBody>
-          <a:bodyPr wrap="square">
-            <a:spAutoFit/>
-          </a:bodyPr>
-          <a:lstStyle/>
-          <a:p>
-            <a:r>
-              <a:rPr lang="en-US" sz="1200" dirty="0"/>
-              <a:t>https://vnexpress.net/hung-dung-viet-nam-tran-trong-tung-tran-o-vong-loai-world-cup-4442124.html</a:t>
-            </a:r>
-          </a:p>
-        </p:txBody>
-      </p:sp>
-    </p:spTree>
-    <p:extLst>
-      <p:ext uri="{BB962C8B-B14F-4D97-AF65-F5344CB8AC3E}">
-        <p14:creationId xmlns:p14="http://schemas.microsoft.com/office/powerpoint/2010/main" val="2717933126"/>
-      </p:ext>
-    </p:extLst>
-  </p:cSld>
-  <p:clrMapOvr>
-    <a:masterClrMapping/>
-  </p:clrMapOvr>
-</p:sld>
-</file>
-
-<file path=ppt/slides/slide8.xml><?xml version="1.0" encoding="utf-8"?>
-<p:sld xmlns:a="http://schemas.openxmlformats.org/drawingml/2006/main" xmlns:r="http://schemas.openxmlformats.org/officeDocument/2006/relationships" xmlns:p="http://schemas.openxmlformats.org/presentationml/2006/main">
-  <p:cSld>
-    <p:spTree>
-      <p:nvGrpSpPr>
-        <p:cNvPr id="1" name=""/>
-        <p:cNvGrpSpPr/>
-        <p:nvPr/>
-      </p:nvGrpSpPr>
-      <p:grpSpPr>
-        <a:xfrm>
-          <a:off x="0" y="0"/>
-          <a:ext cx="0" cy="0"/>
-          <a:chOff x="0" y="0"/>
-          <a:chExt cx="0" cy="0"/>
-        </a:xfrm>
-      </p:grpSpPr>
-      <p:sp>
-        <p:nvSpPr>
-          <p:cNvPr id="3" name="Hộp Văn bản 2">
-            <a:extLst>
-              <a:ext uri="{FF2B5EF4-FFF2-40B4-BE49-F238E27FC236}">
-                <a16:creationId xmlns:a16="http://schemas.microsoft.com/office/drawing/2014/main" id="{4D67213D-27DA-4A36-873A-A200D9E83F15}"/>
-              </a:ext>
-            </a:extLst>
-          </p:cNvPr>
-          <p:cNvSpPr txBox="1"/>
-          <p:nvPr/>
-        </p:nvSpPr>
-        <p:spPr>
-          <a:xfrm>
-            <a:off x="986118" y="0"/>
-            <a:ext cx="10390094" cy="523220"/>
-          </a:xfrm>
-          <a:prstGeom prst="rect">
-            <a:avLst/>
-          </a:prstGeom>
-          <a:noFill/>
-        </p:spPr>
-        <p:txBody>
-          <a:bodyPr wrap="square" rtlCol="0">
-            <a:spAutoFit/>
-          </a:bodyPr>
-          <a:lstStyle/>
-          <a:p>
-            <a:r>
-              <a:rPr lang="en-US" sz="2800" b="1" u="sng" dirty="0">
-                <a:solidFill>
-                  <a:schemeClr val="accent3">
-                    <a:lumMod val="60000"/>
-                    <a:lumOff val="40000"/>
-                  </a:schemeClr>
-                </a:solidFill>
-              </a:rPr>
-              <a:t>3. Crawler </a:t>
-            </a:r>
-            <a:r>
-              <a:rPr lang="en-US" sz="2800" b="1" u="sng" dirty="0" err="1">
-                <a:solidFill>
-                  <a:schemeClr val="accent3">
-                    <a:lumMod val="60000"/>
-                    <a:lumOff val="40000"/>
-                  </a:schemeClr>
-                </a:solidFill>
-              </a:rPr>
-              <a:t>thu</a:t>
-            </a:r>
-            <a:r>
-              <a:rPr lang="en-US" sz="2800" b="1" u="sng" dirty="0">
-                <a:solidFill>
-                  <a:schemeClr val="accent3">
-                    <a:lumMod val="60000"/>
-                    <a:lumOff val="40000"/>
-                  </a:schemeClr>
-                </a:solidFill>
-              </a:rPr>
-              <a:t> </a:t>
-            </a:r>
-            <a:r>
-              <a:rPr lang="en-US" sz="2800" b="1" u="sng" dirty="0" err="1">
-                <a:solidFill>
-                  <a:schemeClr val="accent3">
-                    <a:lumMod val="60000"/>
-                    <a:lumOff val="40000"/>
-                  </a:schemeClr>
-                </a:solidFill>
-              </a:rPr>
-              <a:t>thập</a:t>
-            </a:r>
-            <a:r>
-              <a:rPr lang="en-US" sz="2800" b="1" u="sng" dirty="0">
-                <a:solidFill>
-                  <a:schemeClr val="accent3">
-                    <a:lumMod val="60000"/>
-                    <a:lumOff val="40000"/>
-                  </a:schemeClr>
-                </a:solidFill>
-              </a:rPr>
-              <a:t> </a:t>
-            </a:r>
-            <a:r>
-              <a:rPr lang="en-US" sz="2800" b="1" u="sng" dirty="0" err="1">
-                <a:solidFill>
-                  <a:schemeClr val="accent3">
-                    <a:lumMod val="60000"/>
-                    <a:lumOff val="40000"/>
-                  </a:schemeClr>
-                </a:solidFill>
-              </a:rPr>
-              <a:t>bài</a:t>
-            </a:r>
-            <a:r>
-              <a:rPr lang="en-US" sz="2800" b="1" u="sng" dirty="0">
-                <a:solidFill>
-                  <a:schemeClr val="accent3">
-                    <a:lumMod val="60000"/>
-                    <a:lumOff val="40000"/>
-                  </a:schemeClr>
-                </a:solidFill>
-              </a:rPr>
-              <a:t> </a:t>
-            </a:r>
-            <a:r>
-              <a:rPr lang="en-US" sz="2800" b="1" u="sng" dirty="0" err="1">
-                <a:solidFill>
-                  <a:schemeClr val="accent3">
-                    <a:lumMod val="60000"/>
-                    <a:lumOff val="40000"/>
-                  </a:schemeClr>
-                </a:solidFill>
-              </a:rPr>
-              <a:t>báo</a:t>
-            </a:r>
-            <a:r>
-              <a:rPr lang="en-US" sz="2800" b="1" u="sng" dirty="0">
-                <a:solidFill>
-                  <a:schemeClr val="accent3">
-                    <a:lumMod val="60000"/>
-                    <a:lumOff val="40000"/>
-                  </a:schemeClr>
-                </a:solidFill>
-              </a:rPr>
-              <a:t> </a:t>
-            </a:r>
-            <a:r>
-              <a:rPr lang="en-US" sz="2800" b="1" u="sng" dirty="0" err="1">
-                <a:solidFill>
-                  <a:schemeClr val="accent3">
-                    <a:lumMod val="60000"/>
-                    <a:lumOff val="40000"/>
-                  </a:schemeClr>
-                </a:solidFill>
-              </a:rPr>
-              <a:t>và</a:t>
-            </a:r>
-            <a:r>
-              <a:rPr lang="en-US" sz="2800" b="1" u="sng" dirty="0">
-                <a:solidFill>
-                  <a:schemeClr val="accent3">
-                    <a:lumMod val="60000"/>
-                    <a:lumOff val="40000"/>
-                  </a:schemeClr>
-                </a:solidFill>
-              </a:rPr>
-              <a:t> </a:t>
-            </a:r>
-            <a:r>
-              <a:rPr lang="en-US" sz="2800" b="1" u="sng" dirty="0" err="1">
-                <a:solidFill>
-                  <a:schemeClr val="accent3">
-                    <a:lumMod val="60000"/>
-                    <a:lumOff val="40000"/>
-                  </a:schemeClr>
-                </a:solidFill>
-              </a:rPr>
-              <a:t>bình</a:t>
-            </a:r>
-            <a:r>
-              <a:rPr lang="en-US" sz="2800" b="1" u="sng" dirty="0">
-                <a:solidFill>
-                  <a:schemeClr val="accent3">
-                    <a:lumMod val="60000"/>
-                    <a:lumOff val="40000"/>
-                  </a:schemeClr>
-                </a:solidFill>
-              </a:rPr>
-              <a:t> </a:t>
-            </a:r>
-            <a:r>
-              <a:rPr lang="en-US" sz="2800" b="1" u="sng" dirty="0" err="1">
-                <a:solidFill>
-                  <a:schemeClr val="accent3">
-                    <a:lumMod val="60000"/>
-                    <a:lumOff val="40000"/>
-                  </a:schemeClr>
-                </a:solidFill>
-              </a:rPr>
-              <a:t>luận</a:t>
-            </a:r>
-            <a:r>
-              <a:rPr lang="en-US" sz="2800" b="1" u="sng" dirty="0">
-                <a:solidFill>
-                  <a:schemeClr val="accent3">
-                    <a:lumMod val="60000"/>
-                    <a:lumOff val="40000"/>
-                  </a:schemeClr>
-                </a:solidFill>
-              </a:rPr>
-              <a:t> </a:t>
-            </a:r>
-            <a:r>
-              <a:rPr lang="en-US" sz="2800" b="1" u="sng" dirty="0" err="1">
-                <a:solidFill>
-                  <a:schemeClr val="accent3">
-                    <a:lumMod val="60000"/>
-                    <a:lumOff val="40000"/>
-                  </a:schemeClr>
-                </a:solidFill>
-              </a:rPr>
-              <a:t>của</a:t>
-            </a:r>
-            <a:r>
-              <a:rPr lang="en-US" sz="2800" b="1" u="sng" dirty="0">
-                <a:solidFill>
-                  <a:schemeClr val="accent3">
-                    <a:lumMod val="60000"/>
-                    <a:lumOff val="40000"/>
-                  </a:schemeClr>
-                </a:solidFill>
-              </a:rPr>
-              <a:t> </a:t>
-            </a:r>
-            <a:r>
-              <a:rPr lang="en-US" sz="2800" b="1" u="sng" dirty="0" err="1">
-                <a:solidFill>
-                  <a:schemeClr val="accent3">
-                    <a:lumMod val="60000"/>
-                    <a:lumOff val="40000"/>
-                  </a:schemeClr>
-                </a:solidFill>
-              </a:rPr>
-              <a:t>bài</a:t>
-            </a:r>
-            <a:r>
-              <a:rPr lang="en-US" sz="2800" b="1" u="sng" dirty="0">
-                <a:solidFill>
-                  <a:schemeClr val="accent3">
-                    <a:lumMod val="60000"/>
-                    <a:lumOff val="40000"/>
-                  </a:schemeClr>
-                </a:solidFill>
-              </a:rPr>
-              <a:t> </a:t>
-            </a:r>
-            <a:r>
-              <a:rPr lang="en-US" sz="2800" b="1" u="sng" dirty="0" err="1">
-                <a:solidFill>
-                  <a:schemeClr val="accent3">
-                    <a:lumMod val="60000"/>
-                    <a:lumOff val="40000"/>
-                  </a:schemeClr>
-                </a:solidFill>
-              </a:rPr>
-              <a:t>báo</a:t>
-            </a:r>
-            <a:r>
-              <a:rPr lang="en-US" sz="2800" b="1" u="sng" dirty="0">
-                <a:solidFill>
-                  <a:schemeClr val="accent3">
-                    <a:lumMod val="60000"/>
-                    <a:lumOff val="40000"/>
-                  </a:schemeClr>
-                </a:solidFill>
-              </a:rPr>
-              <a:t> </a:t>
-            </a:r>
-            <a:r>
-              <a:rPr lang="en-US" sz="2800" b="1" u="sng" dirty="0" err="1">
-                <a:solidFill>
-                  <a:schemeClr val="accent3">
-                    <a:lumMod val="60000"/>
-                    <a:lumOff val="40000"/>
-                  </a:schemeClr>
-                </a:solidFill>
-              </a:rPr>
-              <a:t>điện</a:t>
-            </a:r>
-            <a:r>
-              <a:rPr lang="en-US" sz="2800" b="1" u="sng" dirty="0">
-                <a:solidFill>
-                  <a:schemeClr val="accent3">
-                    <a:lumMod val="60000"/>
-                    <a:lumOff val="40000"/>
-                  </a:schemeClr>
-                </a:solidFill>
-              </a:rPr>
-              <a:t> </a:t>
-            </a:r>
-            <a:r>
-              <a:rPr lang="en-US" sz="2800" b="1" u="sng" dirty="0" err="1">
-                <a:solidFill>
-                  <a:schemeClr val="accent3">
-                    <a:lumMod val="60000"/>
-                    <a:lumOff val="40000"/>
-                  </a:schemeClr>
-                </a:solidFill>
-              </a:rPr>
-              <a:t>tử</a:t>
-            </a:r>
-            <a:endParaRPr lang="en-US" sz="2800" b="1" u="sng" dirty="0">
-              <a:solidFill>
-                <a:schemeClr val="accent3">
-                  <a:lumMod val="60000"/>
-                  <a:lumOff val="40000"/>
-                </a:schemeClr>
-              </a:solidFill>
-            </a:endParaRPr>
-          </a:p>
-        </p:txBody>
-      </p:sp>
-      <p:pic>
-        <p:nvPicPr>
-          <p:cNvPr id="6146" name="Picture 2" descr="image">
-            <a:extLst>
-              <a:ext uri="{FF2B5EF4-FFF2-40B4-BE49-F238E27FC236}">
-                <a16:creationId xmlns:a16="http://schemas.microsoft.com/office/drawing/2014/main" id="{8488CBC5-F872-4051-AB5F-511C18EDEAB2}"/>
-              </a:ext>
-            </a:extLst>
-          </p:cNvPr>
-          <p:cNvPicPr>
-            <a:picLocks noChangeAspect="1" noChangeArrowheads="1"/>
-          </p:cNvPicPr>
-          <p:nvPr/>
-        </p:nvPicPr>
-        <p:blipFill>
-          <a:blip r:embed="rId2">
-            <a:extLst>
-              <a:ext uri="{28A0092B-C50C-407E-A947-70E740481C1C}">
-                <a14:useLocalDpi xmlns:a14="http://schemas.microsoft.com/office/drawing/2010/main" val="0"/>
-              </a:ext>
-            </a:extLst>
-          </a:blip>
-          <a:srcRect/>
-          <a:stretch>
-            <a:fillRect/>
-          </a:stretch>
-        </p:blipFill>
-        <p:spPr bwMode="auto">
-          <a:xfrm>
-            <a:off x="2268423" y="725103"/>
-            <a:ext cx="5524500" cy="866775"/>
-          </a:xfrm>
-          <a:prstGeom prst="rect">
-            <a:avLst/>
-          </a:prstGeom>
-          <a:noFill/>
-          <a:extLst>
-            <a:ext uri="{909E8E84-426E-40DD-AFC4-6F175D3DCCD1}">
-              <a14:hiddenFill xmlns:a14="http://schemas.microsoft.com/office/drawing/2010/main">
-                <a:solidFill>
-                  <a:srgbClr val="FFFFFF"/>
-                </a:solidFill>
-              </a14:hiddenFill>
-            </a:ext>
-          </a:extLst>
-        </p:spPr>
-      </p:pic>
-      <p:sp>
-        <p:nvSpPr>
-          <p:cNvPr id="2" name="Hộp Văn bản 1">
-            <a:extLst>
-              <a:ext uri="{FF2B5EF4-FFF2-40B4-BE49-F238E27FC236}">
-                <a16:creationId xmlns:a16="http://schemas.microsoft.com/office/drawing/2014/main" id="{21210307-FE84-4D2A-BD64-AED03BE00EF3}"/>
-              </a:ext>
-            </a:extLst>
-          </p:cNvPr>
-          <p:cNvSpPr txBox="1"/>
-          <p:nvPr/>
-        </p:nvSpPr>
-        <p:spPr>
-          <a:xfrm>
-            <a:off x="1083483" y="946520"/>
-            <a:ext cx="620683" cy="369332"/>
-          </a:xfrm>
-          <a:prstGeom prst="rect">
-            <a:avLst/>
-          </a:prstGeom>
-          <a:noFill/>
-        </p:spPr>
-        <p:txBody>
-          <a:bodyPr wrap="none" rtlCol="0">
-            <a:spAutoFit/>
-          </a:bodyPr>
-          <a:lstStyle/>
-          <a:p>
-            <a:r>
-              <a:rPr lang="en-US" u="sng" dirty="0"/>
-              <a:t>Title</a:t>
-            </a:r>
-          </a:p>
-        </p:txBody>
-      </p:sp>
-      <p:pic>
-        <p:nvPicPr>
-          <p:cNvPr id="6150" name="Picture 6" descr="image">
-            <a:extLst>
-              <a:ext uri="{FF2B5EF4-FFF2-40B4-BE49-F238E27FC236}">
-                <a16:creationId xmlns:a16="http://schemas.microsoft.com/office/drawing/2014/main" id="{2290D740-82D1-42BE-AB34-38F4F9D54CAC}"/>
-              </a:ext>
-            </a:extLst>
-          </p:cNvPr>
-          <p:cNvPicPr>
-            <a:picLocks noChangeAspect="1" noChangeArrowheads="1"/>
-          </p:cNvPicPr>
-          <p:nvPr/>
-        </p:nvPicPr>
-        <p:blipFill rotWithShape="1">
-          <a:blip r:embed="rId3">
-            <a:extLst>
-              <a:ext uri="{28A0092B-C50C-407E-A947-70E740481C1C}">
-                <a14:useLocalDpi xmlns:a14="http://schemas.microsoft.com/office/drawing/2010/main" val="0"/>
-              </a:ext>
-            </a:extLst>
-          </a:blip>
-          <a:srcRect t="3413"/>
-          <a:stretch/>
-        </p:blipFill>
-        <p:spPr bwMode="auto">
-          <a:xfrm>
-            <a:off x="2268423" y="1731089"/>
-            <a:ext cx="9107789" cy="2230026"/>
-          </a:xfrm>
-          <a:prstGeom prst="rect">
-            <a:avLst/>
-          </a:prstGeom>
-          <a:noFill/>
-          <a:extLst>
-            <a:ext uri="{909E8E84-426E-40DD-AFC4-6F175D3DCCD1}">
-              <a14:hiddenFill xmlns:a14="http://schemas.microsoft.com/office/drawing/2010/main">
-                <a:solidFill>
-                  <a:srgbClr val="FFFFFF"/>
-                </a:solidFill>
-              </a14:hiddenFill>
-            </a:ext>
-          </a:extLst>
-        </p:spPr>
-      </p:pic>
-      <p:sp>
-        <p:nvSpPr>
-          <p:cNvPr id="9" name="Hộp Văn bản 8">
-            <a:extLst>
-              <a:ext uri="{FF2B5EF4-FFF2-40B4-BE49-F238E27FC236}">
-                <a16:creationId xmlns:a16="http://schemas.microsoft.com/office/drawing/2014/main" id="{1F90F26D-0CF4-4704-97DE-8B5A514233D3}"/>
-              </a:ext>
-            </a:extLst>
-          </p:cNvPr>
-          <p:cNvSpPr txBox="1"/>
-          <p:nvPr/>
-        </p:nvSpPr>
-        <p:spPr>
-          <a:xfrm>
-            <a:off x="1083483" y="2630100"/>
-            <a:ext cx="992579" cy="369332"/>
-          </a:xfrm>
-          <a:prstGeom prst="rect">
-            <a:avLst/>
-          </a:prstGeom>
-          <a:noFill/>
-        </p:spPr>
-        <p:txBody>
-          <a:bodyPr wrap="none" rtlCol="0">
-            <a:spAutoFit/>
-          </a:bodyPr>
-          <a:lstStyle/>
-          <a:p>
-            <a:r>
-              <a:rPr lang="en-US" u="sng" dirty="0"/>
-              <a:t>Content</a:t>
-            </a:r>
-          </a:p>
-        </p:txBody>
-      </p:sp>
-      <p:pic>
-        <p:nvPicPr>
-          <p:cNvPr id="6152" name="Picture 8" descr="image">
-            <a:extLst>
-              <a:ext uri="{FF2B5EF4-FFF2-40B4-BE49-F238E27FC236}">
-                <a16:creationId xmlns:a16="http://schemas.microsoft.com/office/drawing/2014/main" id="{4A1CC90B-A492-4C8E-A1C1-90F744575195}"/>
-              </a:ext>
-            </a:extLst>
-          </p:cNvPr>
-          <p:cNvPicPr>
-            <a:picLocks noChangeAspect="1" noChangeArrowheads="1"/>
-          </p:cNvPicPr>
-          <p:nvPr/>
-        </p:nvPicPr>
-        <p:blipFill>
-          <a:blip r:embed="rId4">
-            <a:extLst>
-              <a:ext uri="{28A0092B-C50C-407E-A947-70E740481C1C}">
-                <a14:useLocalDpi xmlns:a14="http://schemas.microsoft.com/office/drawing/2010/main" val="0"/>
-              </a:ext>
-            </a:extLst>
-          </a:blip>
-          <a:srcRect/>
-          <a:stretch>
-            <a:fillRect/>
-          </a:stretch>
-        </p:blipFill>
-        <p:spPr bwMode="auto">
-          <a:xfrm>
-            <a:off x="2268423" y="4084615"/>
-            <a:ext cx="7686622" cy="2524175"/>
-          </a:xfrm>
-          <a:prstGeom prst="rect">
-            <a:avLst/>
-          </a:prstGeom>
-          <a:noFill/>
-          <a:extLst>
-            <a:ext uri="{909E8E84-426E-40DD-AFC4-6F175D3DCCD1}">
-              <a14:hiddenFill xmlns:a14="http://schemas.microsoft.com/office/drawing/2010/main">
-                <a:solidFill>
-                  <a:srgbClr val="FFFFFF"/>
-                </a:solidFill>
-              </a14:hiddenFill>
-            </a:ext>
-          </a:extLst>
-        </p:spPr>
-      </p:pic>
-      <p:sp>
-        <p:nvSpPr>
-          <p:cNvPr id="11" name="Hộp Văn bản 10">
-            <a:extLst>
-              <a:ext uri="{FF2B5EF4-FFF2-40B4-BE49-F238E27FC236}">
-                <a16:creationId xmlns:a16="http://schemas.microsoft.com/office/drawing/2014/main" id="{095BE3D4-8567-4061-B758-D15C331D99BC}"/>
-              </a:ext>
-            </a:extLst>
-          </p:cNvPr>
-          <p:cNvSpPr txBox="1"/>
-          <p:nvPr/>
-        </p:nvSpPr>
-        <p:spPr>
-          <a:xfrm>
-            <a:off x="1083483" y="5106312"/>
-            <a:ext cx="1184940" cy="369332"/>
-          </a:xfrm>
-          <a:prstGeom prst="rect">
-            <a:avLst/>
-          </a:prstGeom>
-          <a:noFill/>
-        </p:spPr>
-        <p:txBody>
-          <a:bodyPr wrap="none" rtlCol="0">
-            <a:spAutoFit/>
-          </a:bodyPr>
-          <a:lstStyle/>
-          <a:p>
-            <a:r>
-              <a:rPr lang="en-US" u="sng" dirty="0"/>
-              <a:t>Comment</a:t>
-            </a:r>
-          </a:p>
-        </p:txBody>
-      </p:sp>
-    </p:spTree>
-    <p:extLst>
-      <p:ext uri="{BB962C8B-B14F-4D97-AF65-F5344CB8AC3E}">
-        <p14:creationId xmlns:p14="http://schemas.microsoft.com/office/powerpoint/2010/main" val="4172044931"/>
-      </p:ext>
-    </p:extLst>
-  </p:cSld>
-  <p:clrMapOvr>
-    <a:masterClrMapping/>
-  </p:clrMapOvr>
-</p:sld>
-</file>
-
-<file path=ppt/slides/slide9.xml><?xml version="1.0" encoding="utf-8"?>
-<p:sld xmlns:a="http://schemas.openxmlformats.org/drawingml/2006/main" xmlns:r="http://schemas.openxmlformats.org/officeDocument/2006/relationships" xmlns:p="http://schemas.openxmlformats.org/presentationml/2006/main">
-  <p:cSld>
-    <p:spTree>
-      <p:nvGrpSpPr>
-        <p:cNvPr id="1" name=""/>
-        <p:cNvGrpSpPr/>
-        <p:nvPr/>
-      </p:nvGrpSpPr>
-      <p:grpSpPr>
-        <a:xfrm>
-          <a:off x="0" y="0"/>
-          <a:ext cx="0" cy="0"/>
-          <a:chOff x="0" y="0"/>
-          <a:chExt cx="0" cy="0"/>
-        </a:xfrm>
-      </p:grpSpPr>
-      <p:sp>
-        <p:nvSpPr>
-          <p:cNvPr id="3" name="Hộp Văn bản 2">
-            <a:extLst>
-              <a:ext uri="{FF2B5EF4-FFF2-40B4-BE49-F238E27FC236}">
-                <a16:creationId xmlns:a16="http://schemas.microsoft.com/office/drawing/2014/main" id="{4D67213D-27DA-4A36-873A-A200D9E83F15}"/>
-              </a:ext>
-            </a:extLst>
-          </p:cNvPr>
-          <p:cNvSpPr txBox="1"/>
-          <p:nvPr/>
-        </p:nvSpPr>
-        <p:spPr>
-          <a:xfrm>
-            <a:off x="2339788" y="735105"/>
-            <a:ext cx="8146782" cy="523220"/>
-          </a:xfrm>
-          <a:prstGeom prst="rect">
-            <a:avLst/>
-          </a:prstGeom>
-          <a:noFill/>
-        </p:spPr>
-        <p:txBody>
-          <a:bodyPr wrap="none" rtlCol="0">
-            <a:spAutoFit/>
-          </a:bodyPr>
-          <a:lstStyle/>
-          <a:p>
-            <a:r>
-              <a:rPr lang="en-US" sz="2800" b="1" u="sng" dirty="0">
-                <a:solidFill>
-                  <a:schemeClr val="accent3">
-                    <a:lumMod val="60000"/>
-                    <a:lumOff val="40000"/>
-                  </a:schemeClr>
-                </a:solidFill>
-              </a:rPr>
-              <a:t>4. Crawler </a:t>
-            </a:r>
-            <a:r>
-              <a:rPr lang="en-US" sz="2800" b="1" u="sng" dirty="0" err="1">
-                <a:solidFill>
-                  <a:schemeClr val="accent3">
-                    <a:lumMod val="60000"/>
-                    <a:lumOff val="40000"/>
-                  </a:schemeClr>
-                </a:solidFill>
-              </a:rPr>
-              <a:t>thu</a:t>
-            </a:r>
-            <a:r>
-              <a:rPr lang="en-US" sz="2800" b="1" u="sng" dirty="0">
-                <a:solidFill>
-                  <a:schemeClr val="accent3">
-                    <a:lumMod val="60000"/>
-                    <a:lumOff val="40000"/>
-                  </a:schemeClr>
-                </a:solidFill>
-              </a:rPr>
-              <a:t> </a:t>
-            </a:r>
-            <a:r>
-              <a:rPr lang="en-US" sz="2800" b="1" u="sng" dirty="0" err="1">
-                <a:solidFill>
-                  <a:schemeClr val="accent3">
-                    <a:lumMod val="60000"/>
-                    <a:lumOff val="40000"/>
-                  </a:schemeClr>
-                </a:solidFill>
-              </a:rPr>
-              <a:t>thập</a:t>
-            </a:r>
-            <a:r>
-              <a:rPr lang="en-US" sz="2800" b="1" u="sng" dirty="0">
-                <a:solidFill>
-                  <a:schemeClr val="accent3">
-                    <a:lumMod val="60000"/>
-                    <a:lumOff val="40000"/>
-                  </a:schemeClr>
-                </a:solidFill>
-              </a:rPr>
-              <a:t> </a:t>
-            </a:r>
-            <a:r>
-              <a:rPr lang="en-US" sz="2800" b="1" u="sng" dirty="0" err="1">
-                <a:solidFill>
-                  <a:schemeClr val="accent3">
-                    <a:lumMod val="60000"/>
-                    <a:lumOff val="40000"/>
-                  </a:schemeClr>
-                </a:solidFill>
-              </a:rPr>
-              <a:t>ảnh</a:t>
-            </a:r>
-            <a:r>
-              <a:rPr lang="en-US" sz="2800" b="1" u="sng" dirty="0">
-                <a:solidFill>
-                  <a:schemeClr val="accent3">
-                    <a:lumMod val="60000"/>
-                    <a:lumOff val="40000"/>
-                  </a:schemeClr>
-                </a:solidFill>
-              </a:rPr>
-              <a:t> </a:t>
-            </a:r>
-            <a:r>
-              <a:rPr lang="en-US" sz="2800" b="1" u="sng" dirty="0" err="1">
-                <a:solidFill>
-                  <a:schemeClr val="accent3">
-                    <a:lumMod val="60000"/>
-                    <a:lumOff val="40000"/>
-                  </a:schemeClr>
-                </a:solidFill>
-              </a:rPr>
-              <a:t>với</a:t>
-            </a:r>
-            <a:r>
-              <a:rPr lang="en-US" sz="2800" b="1" u="sng" dirty="0">
-                <a:solidFill>
-                  <a:schemeClr val="accent3">
-                    <a:lumMod val="60000"/>
-                    <a:lumOff val="40000"/>
-                  </a:schemeClr>
-                </a:solidFill>
-              </a:rPr>
-              <a:t> </a:t>
-            </a:r>
-            <a:r>
-              <a:rPr lang="en-US" sz="2800" b="1" u="sng" dirty="0" err="1">
-                <a:solidFill>
-                  <a:schemeClr val="accent3">
-                    <a:lumMod val="60000"/>
-                    <a:lumOff val="40000"/>
-                  </a:schemeClr>
-                </a:solidFill>
-              </a:rPr>
-              <a:t>từ</a:t>
-            </a:r>
-            <a:r>
-              <a:rPr lang="en-US" sz="2800" b="1" u="sng" dirty="0">
-                <a:solidFill>
-                  <a:schemeClr val="accent3">
-                    <a:lumMod val="60000"/>
-                    <a:lumOff val="40000"/>
-                  </a:schemeClr>
-                </a:solidFill>
-              </a:rPr>
-              <a:t> </a:t>
-            </a:r>
-            <a:r>
-              <a:rPr lang="en-US" sz="2800" b="1" u="sng" dirty="0" err="1">
-                <a:solidFill>
-                  <a:schemeClr val="accent3">
-                    <a:lumMod val="60000"/>
-                    <a:lumOff val="40000"/>
-                  </a:schemeClr>
-                </a:solidFill>
-              </a:rPr>
-              <a:t>khóa</a:t>
-            </a:r>
-            <a:r>
-              <a:rPr lang="en-US" sz="2800" b="1" u="sng" dirty="0">
-                <a:solidFill>
-                  <a:schemeClr val="accent3">
-                    <a:lumMod val="60000"/>
-                    <a:lumOff val="40000"/>
-                  </a:schemeClr>
-                </a:solidFill>
-              </a:rPr>
-              <a:t> </a:t>
-            </a:r>
-            <a:r>
-              <a:rPr lang="en-US" sz="2800" b="1" u="sng" dirty="0" err="1">
-                <a:solidFill>
-                  <a:schemeClr val="accent3">
-                    <a:lumMod val="60000"/>
-                    <a:lumOff val="40000"/>
-                  </a:schemeClr>
-                </a:solidFill>
-              </a:rPr>
-              <a:t>từ</a:t>
-            </a:r>
-            <a:r>
-              <a:rPr lang="en-US" sz="2800" b="1" u="sng" dirty="0">
-                <a:solidFill>
-                  <a:schemeClr val="accent3">
-                    <a:lumMod val="60000"/>
-                    <a:lumOff val="40000"/>
-                  </a:schemeClr>
-                </a:solidFill>
-              </a:rPr>
-              <a:t> Google</a:t>
-            </a:r>
-          </a:p>
-        </p:txBody>
-      </p:sp>
-      <p:sp>
-        <p:nvSpPr>
-          <p:cNvPr id="2" name="Hộp Văn bản 1">
-            <a:extLst>
-              <a:ext uri="{FF2B5EF4-FFF2-40B4-BE49-F238E27FC236}">
-                <a16:creationId xmlns:a16="http://schemas.microsoft.com/office/drawing/2014/main" id="{648CD24C-7BA9-44C3-B176-706E300A7771}"/>
-              </a:ext>
-            </a:extLst>
-          </p:cNvPr>
-          <p:cNvSpPr txBox="1"/>
-          <p:nvPr/>
-        </p:nvSpPr>
-        <p:spPr>
-          <a:xfrm>
-            <a:off x="2339788" y="1506071"/>
-            <a:ext cx="1947969" cy="369332"/>
-          </a:xfrm>
-          <a:prstGeom prst="rect">
-            <a:avLst/>
-          </a:prstGeom>
-          <a:noFill/>
-        </p:spPr>
-        <p:txBody>
-          <a:bodyPr wrap="none" rtlCol="0">
-            <a:spAutoFit/>
-          </a:bodyPr>
-          <a:lstStyle/>
-          <a:p>
-            <a:r>
-              <a:rPr lang="en-US" dirty="0"/>
-              <a:t>Keywords = ‘dog’</a:t>
-            </a:r>
-          </a:p>
-        </p:txBody>
-      </p:sp>
-      <p:pic>
-        <p:nvPicPr>
-          <p:cNvPr id="11" name="Hình ảnh 10">
-            <a:extLst>
-              <a:ext uri="{FF2B5EF4-FFF2-40B4-BE49-F238E27FC236}">
-                <a16:creationId xmlns:a16="http://schemas.microsoft.com/office/drawing/2014/main" id="{F0E85059-A665-4963-A768-ACE55FF17011}"/>
-              </a:ext>
-            </a:extLst>
-          </p:cNvPr>
-          <p:cNvPicPr>
-            <a:picLocks noChangeAspect="1"/>
-          </p:cNvPicPr>
-          <p:nvPr/>
-        </p:nvPicPr>
-        <p:blipFill>
-          <a:blip r:embed="rId2"/>
-          <a:stretch>
-            <a:fillRect/>
-          </a:stretch>
-        </p:blipFill>
-        <p:spPr>
-          <a:xfrm>
-            <a:off x="1156446" y="2036767"/>
-            <a:ext cx="10067365" cy="4556696"/>
-          </a:xfrm>
-          <a:prstGeom prst="rect">
-            <a:avLst/>
-          </a:prstGeom>
-        </p:spPr>
-      </p:pic>
-    </p:spTree>
-    <p:extLst>
-      <p:ext uri="{BB962C8B-B14F-4D97-AF65-F5344CB8AC3E}">
-        <p14:creationId xmlns:p14="http://schemas.microsoft.com/office/powerpoint/2010/main" val="2989874694"/>
       </p:ext>
     </p:extLst>
   </p:cSld>
@@ -9780,15 +12972,6 @@
 </file>
 
 <file path=customXml/item1.xml><?xml version="1.0" encoding="utf-8"?>
-<?mso-contentType ?>
-<FormTemplates xmlns="http://schemas.microsoft.com/sharepoint/v3/contenttype/forms">
-  <Display>DocumentLibraryForm</Display>
-  <Edit>DocumentLibraryForm</Edit>
-  <New>DocumentLibraryForm</New>
-</FormTemplates>
-</file>
-
-<file path=customXml/item2.xml><?xml version="1.0" encoding="utf-8"?>
 <p:properties xmlns:p="http://schemas.microsoft.com/office/2006/metadata/properties" xmlns:xsi="http://www.w3.org/2001/XMLSchema-instance" xmlns:pc="http://schemas.microsoft.com/office/infopath/2007/PartnerControls">
   <documentManagement>
     <_ip_UnifiedCompliancePolicyUIAction xmlns="http://schemas.microsoft.com/sharepoint/v3" xsi:nil="true"/>
@@ -9805,6 +12988,15 @@
     <MediaServiceKeyPoints xmlns="71af3243-3dd4-4a8d-8c0d-dd76da1f02a5" xsi:nil="true"/>
   </documentManagement>
 </p:properties>
+</file>
+
+<file path=customXml/item2.xml><?xml version="1.0" encoding="utf-8"?>
+<?mso-contentType ?>
+<FormTemplates xmlns="http://schemas.microsoft.com/sharepoint/v3/contenttype/forms">
+  <Display>DocumentLibraryForm</Display>
+  <Edit>DocumentLibraryForm</Edit>
+  <New>DocumentLibraryForm</New>
+</FormTemplates>
 </file>
 
 <file path=customXml/item3.xml><?xml version="1.0" encoding="utf-8"?>
@@ -10084,14 +13276,6 @@
 </file>
 
 <file path=customXml/itemProps1.xml><?xml version="1.0" encoding="utf-8"?>
-<ds:datastoreItem xmlns:ds="http://schemas.openxmlformats.org/officeDocument/2006/customXml" ds:itemID="{350455F8-10A0-4EEF-9BB1-9035E295B165}">
-  <ds:schemaRefs>
-    <ds:schemaRef ds:uri="http://schemas.microsoft.com/sharepoint/v3/contenttype/forms"/>
-  </ds:schemaRefs>
-</ds:datastoreItem>
-</file>
-
-<file path=customXml/itemProps2.xml><?xml version="1.0" encoding="utf-8"?>
 <ds:datastoreItem xmlns:ds="http://schemas.openxmlformats.org/officeDocument/2006/customXml" ds:itemID="{79B0F2AC-8567-4D03-BFFC-653DB596C528}">
   <ds:schemaRefs>
     <ds:schemaRef ds:uri="http://schemas.microsoft.com/office/2006/metadata/properties"/>
@@ -10099,6 +13283,14 @@
     <ds:schemaRef ds:uri="http://schemas.microsoft.com/sharepoint/v3"/>
     <ds:schemaRef ds:uri="71af3243-3dd4-4a8d-8c0d-dd76da1f02a5"/>
     <ds:schemaRef ds:uri="230e9df3-be65-4c73-a93b-d1236ebd677e"/>
+  </ds:schemaRefs>
+</ds:datastoreItem>
+</file>
+
+<file path=customXml/itemProps2.xml><?xml version="1.0" encoding="utf-8"?>
+<ds:datastoreItem xmlns:ds="http://schemas.openxmlformats.org/officeDocument/2006/customXml" ds:itemID="{350455F8-10A0-4EEF-9BB1-9035E295B165}">
+  <ds:schemaRefs>
+    <ds:schemaRef ds:uri="http://schemas.microsoft.com/sharepoint/v3/contenttype/forms"/>
   </ds:schemaRefs>
 </ds:datastoreItem>
 </file>
